--- a/ppt/XGHDEV.pptx
+++ b/ppt/XGHDEV.pptx
@@ -1757,36 +1757,6 @@
           </a:p>
         </p:txBody>
       </p:sp>
-      <p:pic>
-        <p:nvPicPr>
-          <p:cNvPr id="2" name="Picture 1"/>
-          <p:cNvPicPr>
-            <a:picLocks noChangeAspect="1"/>
-          </p:cNvPicPr>
-          <p:nvPr userDrawn="1"/>
-        </p:nvPicPr>
-        <p:blipFill>
-          <a:blip r:embed="rId2">
-            <a:extLst>
-              <a:ext uri="{28A0092B-C50C-407E-A947-70E740481C1C}">
-                <a14:useLocalDpi xmlns:a14="http://schemas.microsoft.com/office/drawing/2010/main" val="0"/>
-              </a:ext>
-            </a:extLst>
-          </a:blip>
-          <a:stretch>
-            <a:fillRect/>
-          </a:stretch>
-        </p:blipFill>
-        <p:spPr>
-          <a:xfrm>
-            <a:off x="3943350" y="1600200"/>
-            <a:ext cx="4305300" cy="895350"/>
-          </a:xfrm>
-          <a:prstGeom prst="rect">
-            <a:avLst/>
-          </a:prstGeom>
-        </p:spPr>
-      </p:pic>
     </p:spTree>
     <p:extLst>
       <p:ext uri="{BB962C8B-B14F-4D97-AF65-F5344CB8AC3E}">
@@ -10833,7 +10803,6 @@
               <a:rPr lang="en-US" sz="700" dirty="0"/>
               <a:t>Creating a Linear History</a:t>
             </a:r>
-            <a:endParaRPr lang="en-US" sz="700" dirty="0"/>
           </a:p>
         </p:txBody>
       </p:sp>

--- a/ppt/XGHDEV.pptx
+++ b/ppt/XGHDEV.pptx
@@ -5,10 +5,10 @@
     <p:sldMasterId id="2147483660" r:id="rId4"/>
   </p:sldMasterIdLst>
   <p:notesMasterIdLst>
-    <p:notesMasterId r:id="rId99"/>
+    <p:notesMasterId r:id="rId98"/>
   </p:notesMasterIdLst>
   <p:handoutMasterIdLst>
-    <p:handoutMasterId r:id="rId100"/>
+    <p:handoutMasterId r:id="rId99"/>
   </p:handoutMasterIdLst>
   <p:sldIdLst>
     <p:sldId id="529" r:id="rId5"/>
@@ -29,82 +29,81 @@
     <p:sldId id="537" r:id="rId20"/>
     <p:sldId id="538" r:id="rId21"/>
     <p:sldId id="539" r:id="rId22"/>
-    <p:sldId id="540" r:id="rId23"/>
-    <p:sldId id="541" r:id="rId24"/>
-    <p:sldId id="542" r:id="rId25"/>
-    <p:sldId id="543" r:id="rId26"/>
-    <p:sldId id="544" r:id="rId27"/>
-    <p:sldId id="545" r:id="rId28"/>
-    <p:sldId id="546" r:id="rId29"/>
-    <p:sldId id="547" r:id="rId30"/>
-    <p:sldId id="548" r:id="rId31"/>
-    <p:sldId id="549" r:id="rId32"/>
-    <p:sldId id="550" r:id="rId33"/>
-    <p:sldId id="551" r:id="rId34"/>
-    <p:sldId id="552" r:id="rId35"/>
-    <p:sldId id="553" r:id="rId36"/>
-    <p:sldId id="554" r:id="rId37"/>
-    <p:sldId id="555" r:id="rId38"/>
-    <p:sldId id="556" r:id="rId39"/>
-    <p:sldId id="558" r:id="rId40"/>
-    <p:sldId id="559" r:id="rId41"/>
-    <p:sldId id="560" r:id="rId42"/>
-    <p:sldId id="561" r:id="rId43"/>
-    <p:sldId id="562" r:id="rId44"/>
-    <p:sldId id="564" r:id="rId45"/>
-    <p:sldId id="565" r:id="rId46"/>
-    <p:sldId id="566" r:id="rId47"/>
-    <p:sldId id="568" r:id="rId48"/>
-    <p:sldId id="569" r:id="rId49"/>
-    <p:sldId id="570" r:id="rId50"/>
-    <p:sldId id="571" r:id="rId51"/>
-    <p:sldId id="572" r:id="rId52"/>
-    <p:sldId id="573" r:id="rId53"/>
-    <p:sldId id="574" r:id="rId54"/>
-    <p:sldId id="575" r:id="rId55"/>
-    <p:sldId id="576" r:id="rId56"/>
-    <p:sldId id="577" r:id="rId57"/>
-    <p:sldId id="578" r:id="rId58"/>
-    <p:sldId id="579" r:id="rId59"/>
-    <p:sldId id="580" r:id="rId60"/>
-    <p:sldId id="581" r:id="rId61"/>
-    <p:sldId id="582" r:id="rId62"/>
-    <p:sldId id="583" r:id="rId63"/>
-    <p:sldId id="584" r:id="rId64"/>
-    <p:sldId id="585" r:id="rId65"/>
-    <p:sldId id="586" r:id="rId66"/>
-    <p:sldId id="587" r:id="rId67"/>
-    <p:sldId id="588" r:id="rId68"/>
-    <p:sldId id="589" r:id="rId69"/>
-    <p:sldId id="590" r:id="rId70"/>
-    <p:sldId id="591" r:id="rId71"/>
-    <p:sldId id="592" r:id="rId72"/>
-    <p:sldId id="593" r:id="rId73"/>
-    <p:sldId id="594" r:id="rId74"/>
-    <p:sldId id="595" r:id="rId75"/>
-    <p:sldId id="596" r:id="rId76"/>
-    <p:sldId id="597" r:id="rId77"/>
-    <p:sldId id="598" r:id="rId78"/>
-    <p:sldId id="599" r:id="rId79"/>
-    <p:sldId id="600" r:id="rId80"/>
-    <p:sldId id="601" r:id="rId81"/>
-    <p:sldId id="602" r:id="rId82"/>
-    <p:sldId id="603" r:id="rId83"/>
-    <p:sldId id="604" r:id="rId84"/>
-    <p:sldId id="605" r:id="rId85"/>
-    <p:sldId id="606" r:id="rId86"/>
-    <p:sldId id="607" r:id="rId87"/>
-    <p:sldId id="608" r:id="rId88"/>
-    <p:sldId id="609" r:id="rId89"/>
-    <p:sldId id="610" r:id="rId90"/>
-    <p:sldId id="611" r:id="rId91"/>
-    <p:sldId id="612" r:id="rId92"/>
-    <p:sldId id="613" r:id="rId93"/>
-    <p:sldId id="614" r:id="rId94"/>
-    <p:sldId id="615" r:id="rId95"/>
-    <p:sldId id="616" r:id="rId96"/>
-    <p:sldId id="617" r:id="rId97"/>
-    <p:sldId id="340" r:id="rId98"/>
+    <p:sldId id="541" r:id="rId23"/>
+    <p:sldId id="543" r:id="rId24"/>
+    <p:sldId id="544" r:id="rId25"/>
+    <p:sldId id="545" r:id="rId26"/>
+    <p:sldId id="546" r:id="rId27"/>
+    <p:sldId id="547" r:id="rId28"/>
+    <p:sldId id="548" r:id="rId29"/>
+    <p:sldId id="549" r:id="rId30"/>
+    <p:sldId id="550" r:id="rId31"/>
+    <p:sldId id="618" r:id="rId32"/>
+    <p:sldId id="551" r:id="rId33"/>
+    <p:sldId id="552" r:id="rId34"/>
+    <p:sldId id="553" r:id="rId35"/>
+    <p:sldId id="554" r:id="rId36"/>
+    <p:sldId id="555" r:id="rId37"/>
+    <p:sldId id="556" r:id="rId38"/>
+    <p:sldId id="558" r:id="rId39"/>
+    <p:sldId id="559" r:id="rId40"/>
+    <p:sldId id="560" r:id="rId41"/>
+    <p:sldId id="561" r:id="rId42"/>
+    <p:sldId id="562" r:id="rId43"/>
+    <p:sldId id="564" r:id="rId44"/>
+    <p:sldId id="565" r:id="rId45"/>
+    <p:sldId id="566" r:id="rId46"/>
+    <p:sldId id="568" r:id="rId47"/>
+    <p:sldId id="569" r:id="rId48"/>
+    <p:sldId id="570" r:id="rId49"/>
+    <p:sldId id="571" r:id="rId50"/>
+    <p:sldId id="572" r:id="rId51"/>
+    <p:sldId id="573" r:id="rId52"/>
+    <p:sldId id="574" r:id="rId53"/>
+    <p:sldId id="575" r:id="rId54"/>
+    <p:sldId id="576" r:id="rId55"/>
+    <p:sldId id="577" r:id="rId56"/>
+    <p:sldId id="578" r:id="rId57"/>
+    <p:sldId id="579" r:id="rId58"/>
+    <p:sldId id="580" r:id="rId59"/>
+    <p:sldId id="581" r:id="rId60"/>
+    <p:sldId id="582" r:id="rId61"/>
+    <p:sldId id="583" r:id="rId62"/>
+    <p:sldId id="584" r:id="rId63"/>
+    <p:sldId id="585" r:id="rId64"/>
+    <p:sldId id="586" r:id="rId65"/>
+    <p:sldId id="587" r:id="rId66"/>
+    <p:sldId id="588" r:id="rId67"/>
+    <p:sldId id="589" r:id="rId68"/>
+    <p:sldId id="590" r:id="rId69"/>
+    <p:sldId id="591" r:id="rId70"/>
+    <p:sldId id="592" r:id="rId71"/>
+    <p:sldId id="593" r:id="rId72"/>
+    <p:sldId id="594" r:id="rId73"/>
+    <p:sldId id="595" r:id="rId74"/>
+    <p:sldId id="596" r:id="rId75"/>
+    <p:sldId id="597" r:id="rId76"/>
+    <p:sldId id="598" r:id="rId77"/>
+    <p:sldId id="599" r:id="rId78"/>
+    <p:sldId id="600" r:id="rId79"/>
+    <p:sldId id="601" r:id="rId80"/>
+    <p:sldId id="602" r:id="rId81"/>
+    <p:sldId id="603" r:id="rId82"/>
+    <p:sldId id="604" r:id="rId83"/>
+    <p:sldId id="605" r:id="rId84"/>
+    <p:sldId id="606" r:id="rId85"/>
+    <p:sldId id="607" r:id="rId86"/>
+    <p:sldId id="608" r:id="rId87"/>
+    <p:sldId id="609" r:id="rId88"/>
+    <p:sldId id="610" r:id="rId89"/>
+    <p:sldId id="611" r:id="rId90"/>
+    <p:sldId id="612" r:id="rId91"/>
+    <p:sldId id="613" r:id="rId92"/>
+    <p:sldId id="614" r:id="rId93"/>
+    <p:sldId id="615" r:id="rId94"/>
+    <p:sldId id="616" r:id="rId95"/>
+    <p:sldId id="617" r:id="rId96"/>
+    <p:sldId id="340" r:id="rId97"/>
   </p:sldIdLst>
   <p:sldSz cx="12192000" cy="6858000"/>
   <p:notesSz cx="9309100" cy="7053263"/>
@@ -260,13 +259,11 @@
           <p14:sldIdLst>
             <p14:sldId id="538"/>
             <p14:sldId id="539"/>
-            <p14:sldId id="540"/>
           </p14:sldIdLst>
         </p14:section>
         <p14:section name="Untitled Section" id="{0A74BAFB-8EC5-4E02-AF04-B2F8842FDD95}">
           <p14:sldIdLst>
             <p14:sldId id="541"/>
-            <p14:sldId id="542"/>
             <p14:sldId id="543"/>
           </p14:sldIdLst>
         </p14:section>
@@ -283,6 +280,7 @@
         <p14:section name="Untitled Section" id="{AA1314DF-62DD-4419-9E61-747BFD97F6A2}">
           <p14:sldIdLst>
             <p14:sldId id="550"/>
+            <p14:sldId id="618"/>
             <p14:sldId id="551"/>
             <p14:sldId id="552"/>
             <p14:sldId id="553"/>
@@ -1647,7 +1645,7 @@
               <a:pPr>
                 <a:defRPr/>
               </a:pPr>
-              <a:t>94</a:t>
+              <a:t>93</a:t>
             </a:fld>
             <a:endParaRPr lang="en-US"/>
           </a:p>
@@ -2134,36 +2132,6 @@
           </a:p>
         </p:txBody>
       </p:sp>
-      <p:pic>
-        <p:nvPicPr>
-          <p:cNvPr id="3" name="Picture 2"/>
-          <p:cNvPicPr>
-            <a:picLocks noChangeAspect="1"/>
-          </p:cNvPicPr>
-          <p:nvPr userDrawn="1"/>
-        </p:nvPicPr>
-        <p:blipFill>
-          <a:blip r:embed="rId2">
-            <a:extLst>
-              <a:ext uri="{28A0092B-C50C-407E-A947-70E740481C1C}">
-                <a14:useLocalDpi xmlns:a14="http://schemas.microsoft.com/office/drawing/2010/main" val="0"/>
-              </a:ext>
-            </a:extLst>
-          </a:blip>
-          <a:stretch>
-            <a:fillRect/>
-          </a:stretch>
-        </p:blipFill>
-        <p:spPr>
-          <a:xfrm>
-            <a:off x="838200" y="914400"/>
-            <a:ext cx="3178629" cy="661042"/>
-          </a:xfrm>
-          <a:prstGeom prst="rect">
-            <a:avLst/>
-          </a:prstGeom>
-        </p:spPr>
-      </p:pic>
     </p:spTree>
     <p:extLst>
       <p:ext uri="{BB962C8B-B14F-4D97-AF65-F5344CB8AC3E}">
@@ -4302,6 +4270,13 @@
   <p:clrMapOvr>
     <a:masterClrMapping/>
   </p:clrMapOvr>
+  <p:timing>
+    <p:tnLst>
+      <p:par>
+        <p:cTn id="1" dur="indefinite" restart="never" nodeType="tmRoot"/>
+      </p:par>
+    </p:tnLst>
+  </p:timing>
 </p:sld>
 </file>
 
@@ -4596,6 +4571,30 @@
           </a:p>
         </p:txBody>
       </p:sp>
+      <p:pic>
+        <p:nvPicPr>
+          <p:cNvPr id="4" name="Picture 3"/>
+          <p:cNvPicPr>
+            <a:picLocks noChangeAspect="1"/>
+          </p:cNvPicPr>
+          <p:nvPr/>
+        </p:nvPicPr>
+        <p:blipFill>
+          <a:blip r:embed="rId2"/>
+          <a:stretch>
+            <a:fillRect/>
+          </a:stretch>
+        </p:blipFill>
+        <p:spPr>
+          <a:xfrm>
+            <a:off x="5105400" y="1597025"/>
+            <a:ext cx="4010584" cy="2681661"/>
+          </a:xfrm>
+          <a:prstGeom prst="rect">
+            <a:avLst/>
+          </a:prstGeom>
+        </p:spPr>
+      </p:pic>
     </p:spTree>
     <p:extLst>
       <p:ext uri="{BB962C8B-B14F-4D97-AF65-F5344CB8AC3E}">
@@ -4965,10 +4964,38 @@
           <a:bodyPr/>
           <a:lstStyle/>
           <a:p>
-            <a:endParaRPr lang="en-US"/>
-          </a:p>
-        </p:txBody>
-      </p:sp>
+            <a:r>
+              <a:rPr lang="en-SE" dirty="0" smtClean="0"/>
+              <a:t>The basics of working in GitHub</a:t>
+            </a:r>
+            <a:endParaRPr lang="en-US" dirty="0"/>
+          </a:p>
+        </p:txBody>
+      </p:sp>
+      <p:pic>
+        <p:nvPicPr>
+          <p:cNvPr id="4" name="Picture 3"/>
+          <p:cNvPicPr>
+            <a:picLocks noChangeAspect="1"/>
+          </p:cNvPicPr>
+          <p:nvPr/>
+        </p:nvPicPr>
+        <p:blipFill>
+          <a:blip r:embed="rId2"/>
+          <a:stretch>
+            <a:fillRect/>
+          </a:stretch>
+        </p:blipFill>
+        <p:spPr>
+          <a:xfrm>
+            <a:off x="3685094" y="2479962"/>
+            <a:ext cx="7744906" cy="3000794"/>
+          </a:xfrm>
+          <a:prstGeom prst="rect">
+            <a:avLst/>
+          </a:prstGeom>
+        </p:spPr>
+      </p:pic>
     </p:spTree>
     <p:extLst>
       <p:ext uri="{BB962C8B-B14F-4D97-AF65-F5344CB8AC3E}">
@@ -5014,6 +5041,14 @@
           <a:bodyPr/>
           <a:lstStyle/>
           <a:p>
+            <a:r>
+              <a:rPr lang="en-US" dirty="0" smtClean="0"/>
+              <a:t>Branching with </a:t>
+            </a:r>
+            <a:r>
+              <a:rPr lang="en-US" dirty="0" err="1" smtClean="0"/>
+              <a:t>Git</a:t>
+            </a:r>
             <a:endParaRPr lang="en-US" dirty="0" smtClean="0"/>
           </a:p>
           <a:p>
@@ -5036,14 +5071,42 @@
           <a:bodyPr/>
           <a:lstStyle/>
           <a:p>
-            <a:endParaRPr lang="en-US"/>
-          </a:p>
-        </p:txBody>
-      </p:sp>
+            <a:r>
+              <a:rPr lang="en-SE" dirty="0" smtClean="0"/>
+              <a:t>Branch = copy of the project at a particular point in time</a:t>
+            </a:r>
+            <a:endParaRPr lang="en-US" dirty="0"/>
+          </a:p>
+        </p:txBody>
+      </p:sp>
+      <p:pic>
+        <p:nvPicPr>
+          <p:cNvPr id="4" name="Picture 3"/>
+          <p:cNvPicPr>
+            <a:picLocks noChangeAspect="1"/>
+          </p:cNvPicPr>
+          <p:nvPr/>
+        </p:nvPicPr>
+        <p:blipFill>
+          <a:blip r:embed="rId2"/>
+          <a:stretch>
+            <a:fillRect/>
+          </a:stretch>
+        </p:blipFill>
+        <p:spPr>
+          <a:xfrm>
+            <a:off x="2667000" y="2667000"/>
+            <a:ext cx="7992590" cy="3067478"/>
+          </a:xfrm>
+          <a:prstGeom prst="rect">
+            <a:avLst/>
+          </a:prstGeom>
+        </p:spPr>
+      </p:pic>
     </p:spTree>
     <p:extLst>
       <p:ext uri="{BB962C8B-B14F-4D97-AF65-F5344CB8AC3E}">
-        <p14:creationId xmlns:p14="http://schemas.microsoft.com/office/powerpoint/2010/main" val="3331534695"/>
+        <p14:creationId xmlns:p14="http://schemas.microsoft.com/office/powerpoint/2010/main" val="3011921658"/>
       </p:ext>
     </p:extLst>
   </p:cSld>
@@ -5103,6 +5166,13 @@
   <p:clrMapOvr>
     <a:masterClrMapping/>
   </p:clrMapOvr>
+  <p:timing>
+    <p:tnLst>
+      <p:par>
+        <p:cTn id="1" dur="indefinite" restart="never" nodeType="tmRoot"/>
+      </p:par>
+    </p:tnLst>
+  </p:timing>
 </p:sld>
 </file>
 
@@ -5140,12 +5210,10 @@
           <a:p>
             <a:r>
               <a:rPr lang="en-US" dirty="0" smtClean="0"/>
-              <a:t>Branching with </a:t>
-            </a:r>
-            <a:r>
-              <a:rPr lang="en-US" dirty="0" err="1" smtClean="0"/>
-              <a:t>Git</a:t>
-            </a:r>
+              <a:t>Activity: Creating A Branch with GitHub</a:t>
+            </a:r>
+          </a:p>
+          <a:p>
             <a:endParaRPr lang="en-US" dirty="0" smtClean="0"/>
           </a:p>
           <a:p>
@@ -5168,14 +5236,60 @@
           <a:bodyPr/>
           <a:lstStyle/>
           <a:p>
-            <a:endParaRPr lang="en-US"/>
+            <a:r>
+              <a:rPr lang="en-US" dirty="0"/>
+              <a:t>1. Navigate to </a:t>
+            </a:r>
+            <a:r>
+              <a:rPr lang="en-US" b="1" dirty="0"/>
+              <a:t>Code </a:t>
+            </a:r>
+            <a:r>
+              <a:rPr lang="en-US" dirty="0"/>
+              <a:t>tab of the class repository.</a:t>
+            </a:r>
+          </a:p>
+          <a:p>
+            <a:r>
+              <a:rPr lang="en-US" dirty="0"/>
+              <a:t>2. Click the </a:t>
+            </a:r>
+            <a:r>
+              <a:rPr lang="en-US" b="1" dirty="0"/>
+              <a:t>Master </a:t>
+            </a:r>
+            <a:r>
+              <a:rPr lang="en-US" dirty="0"/>
+              <a:t>dropdown.</a:t>
+            </a:r>
+          </a:p>
+          <a:p>
+            <a:r>
+              <a:rPr lang="en-US" dirty="0"/>
+              <a:t>3. Enter the branch name '</a:t>
+            </a:r>
+            <a:r>
+              <a:rPr lang="en-US" dirty="0" err="1"/>
+              <a:t>github</a:t>
+            </a:r>
+            <a:r>
+              <a:rPr lang="en-US" dirty="0"/>
+              <a:t>-username-hometown'.</a:t>
+            </a:r>
+          </a:p>
+          <a:p>
+            <a:r>
+              <a:rPr lang="en-US" dirty="0"/>
+              <a:t>4. Press Enter.</a:t>
+            </a:r>
+            <a:endParaRPr lang="en-US" dirty="0"/>
           </a:p>
         </p:txBody>
       </p:sp>
     </p:spTree>
     <p:extLst>
       <p:ext uri="{BB962C8B-B14F-4D97-AF65-F5344CB8AC3E}">
-        <p14:creationId xmlns:p14="http://schemas.microsoft.com/office/powerpoint/2010/main" val="3011921658"/>
+        <p14:creationId xmlns:p14="http://schemas.microsoft.com/office/powerpoint/2010/main" val="2723188696"/>
       </p:ext>
     </p:extLst>
   </p:cSld>
@@ -5219,37 +5333,26 @@
           <a:p>
             <a:r>
               <a:rPr lang="en-US" dirty="0" smtClean="0"/>
-              <a:t>Branching Defined</a:t>
+              <a:t>Local </a:t>
+            </a:r>
+            <a:r>
+              <a:rPr lang="en-US" dirty="0" err="1" smtClean="0"/>
+              <a:t>Git</a:t>
+            </a:r>
+            <a:r>
+              <a:rPr lang="en-US" dirty="0" smtClean="0"/>
+              <a:t> Configuration</a:t>
             </a:r>
           </a:p>
           <a:p>
             <a:endParaRPr lang="en-US" dirty="0"/>
-          </a:p>
-        </p:txBody>
-      </p:sp>
-      <p:sp>
-        <p:nvSpPr>
-          <p:cNvPr id="3" name="Text Placeholder 2"/>
-          <p:cNvSpPr>
-            <a:spLocks noGrp="1"/>
-          </p:cNvSpPr>
-          <p:nvPr>
-            <p:ph type="body" sz="quarter" idx="10"/>
-          </p:nvPr>
-        </p:nvSpPr>
-        <p:spPr/>
-        <p:txBody>
-          <a:bodyPr/>
-          <a:lstStyle/>
-          <a:p>
-            <a:endParaRPr lang="en-US"/>
           </a:p>
         </p:txBody>
       </p:sp>
     </p:spTree>
     <p:extLst>
       <p:ext uri="{BB962C8B-B14F-4D97-AF65-F5344CB8AC3E}">
-        <p14:creationId xmlns:p14="http://schemas.microsoft.com/office/powerpoint/2010/main" val="307923627"/>
+        <p14:creationId xmlns:p14="http://schemas.microsoft.com/office/powerpoint/2010/main" val="1011979491"/>
       </p:ext>
     </p:extLst>
   </p:cSld>
@@ -5293,11 +5396,16 @@
           <a:p>
             <a:r>
               <a:rPr lang="en-US" dirty="0" smtClean="0"/>
-              <a:t>Activity: Creating A Branch with GitHub</a:t>
-            </a:r>
-          </a:p>
-          <a:p>
-            <a:endParaRPr lang="en-US" dirty="0" smtClean="0"/>
+              <a:t>Checking Your </a:t>
+            </a:r>
+            <a:r>
+              <a:rPr lang="en-US" dirty="0" err="1" smtClean="0"/>
+              <a:t>Git</a:t>
+            </a:r>
+            <a:r>
+              <a:rPr lang="en-US" dirty="0" smtClean="0"/>
+              <a:t> Version</a:t>
+            </a:r>
           </a:p>
           <a:p>
             <a:endParaRPr lang="en-US" dirty="0"/>
@@ -5319,14 +5427,46 @@
           <a:bodyPr/>
           <a:lstStyle/>
           <a:p>
-            <a:endParaRPr lang="en-US"/>
-          </a:p>
-        </p:txBody>
-      </p:sp>
+            <a:r>
+              <a:rPr lang="en-SE" dirty="0"/>
+              <a:t>g</a:t>
+            </a:r>
+            <a:r>
+              <a:rPr lang="en-SE" dirty="0" smtClean="0"/>
+              <a:t>it --version</a:t>
+            </a:r>
+            <a:endParaRPr lang="en-US" dirty="0"/>
+          </a:p>
+        </p:txBody>
+      </p:sp>
+      <p:pic>
+        <p:nvPicPr>
+          <p:cNvPr id="4" name="Picture 3"/>
+          <p:cNvPicPr>
+            <a:picLocks noChangeAspect="1"/>
+          </p:cNvPicPr>
+          <p:nvPr/>
+        </p:nvPicPr>
+        <p:blipFill>
+          <a:blip r:embed="rId2"/>
+          <a:stretch>
+            <a:fillRect/>
+          </a:stretch>
+        </p:blipFill>
+        <p:spPr>
+          <a:xfrm>
+            <a:off x="2057400" y="3810000"/>
+            <a:ext cx="2876951" cy="523948"/>
+          </a:xfrm>
+          <a:prstGeom prst="rect">
+            <a:avLst/>
+          </a:prstGeom>
+        </p:spPr>
+      </p:pic>
     </p:spTree>
     <p:extLst>
       <p:ext uri="{BB962C8B-B14F-4D97-AF65-F5344CB8AC3E}">
-        <p14:creationId xmlns:p14="http://schemas.microsoft.com/office/powerpoint/2010/main" val="2723188696"/>
+        <p14:creationId xmlns:p14="http://schemas.microsoft.com/office/powerpoint/2010/main" val="1320049314"/>
       </p:ext>
     </p:extLst>
   </p:cSld>
@@ -5369,16 +5509,12 @@
           <a:lstStyle/>
           <a:p>
             <a:r>
-              <a:rPr lang="en-US" dirty="0" smtClean="0"/>
-              <a:t>Local </a:t>
-            </a:r>
-            <a:r>
               <a:rPr lang="en-US" dirty="0" err="1" smtClean="0"/>
               <a:t>Git</a:t>
             </a:r>
             <a:r>
               <a:rPr lang="en-US" dirty="0" smtClean="0"/>
-              <a:t> Configuration</a:t>
+              <a:t> Configuration Levels</a:t>
             </a:r>
           </a:p>
           <a:p>
@@ -5396,19 +5532,84 @@
             <p:ph type="body" sz="quarter" idx="10"/>
           </p:nvPr>
         </p:nvSpPr>
-        <p:spPr/>
-        <p:txBody>
-          <a:bodyPr/>
-          <a:lstStyle/>
-          <a:p>
-            <a:endParaRPr lang="en-US"/>
-          </a:p>
-        </p:txBody>
-      </p:sp>
+        <p:spPr>
+          <a:xfrm>
+            <a:off x="762000" y="1752600"/>
+            <a:ext cx="5638800" cy="3733800"/>
+          </a:xfrm>
+        </p:spPr>
+        <p:txBody>
+          <a:bodyPr/>
+          <a:lstStyle/>
+          <a:p>
+            <a:r>
+              <a:rPr lang="en-US" dirty="0" smtClean="0"/>
+              <a:t>S</a:t>
+            </a:r>
+            <a:r>
+              <a:rPr lang="en-SE" dirty="0" smtClean="0"/>
+              <a:t>ystem: A</a:t>
+            </a:r>
+            <a:r>
+              <a:rPr lang="en-US" dirty="0" smtClean="0"/>
+              <a:t>l</a:t>
+            </a:r>
+            <a:r>
+              <a:rPr lang="en-SE" dirty="0" smtClean="0"/>
+              <a:t>l users on the computer</a:t>
+            </a:r>
+          </a:p>
+          <a:p>
+            <a:r>
+              <a:rPr lang="en-US" dirty="0" smtClean="0"/>
+              <a:t>G</a:t>
+            </a:r>
+            <a:r>
+              <a:rPr lang="en-SE" dirty="0" smtClean="0"/>
+              <a:t>lobal: User-level, for all repositories for your account</a:t>
+            </a:r>
+          </a:p>
+          <a:p>
+            <a:r>
+              <a:rPr lang="en-US" dirty="0" smtClean="0"/>
+              <a:t>L</a:t>
+            </a:r>
+            <a:r>
+              <a:rPr lang="en-SE" dirty="0" smtClean="0"/>
+              <a:t>ocal (default): Single repository</a:t>
+            </a:r>
+            <a:endParaRPr lang="en-US" dirty="0"/>
+          </a:p>
+        </p:txBody>
+      </p:sp>
+      <p:pic>
+        <p:nvPicPr>
+          <p:cNvPr id="4" name="Picture 3"/>
+          <p:cNvPicPr>
+            <a:picLocks noChangeAspect="1"/>
+          </p:cNvPicPr>
+          <p:nvPr/>
+        </p:nvPicPr>
+        <p:blipFill>
+          <a:blip r:embed="rId2"/>
+          <a:stretch>
+            <a:fillRect/>
+          </a:stretch>
+        </p:blipFill>
+        <p:spPr>
+          <a:xfrm>
+            <a:off x="6248400" y="1447800"/>
+            <a:ext cx="5409730" cy="4038600"/>
+          </a:xfrm>
+          <a:prstGeom prst="rect">
+            <a:avLst/>
+          </a:prstGeom>
+        </p:spPr>
+      </p:pic>
     </p:spTree>
     <p:extLst>
       <p:ext uri="{BB962C8B-B14F-4D97-AF65-F5344CB8AC3E}">
-        <p14:creationId xmlns:p14="http://schemas.microsoft.com/office/powerpoint/2010/main" val="1011979491"/>
+        <p14:creationId xmlns:p14="http://schemas.microsoft.com/office/powerpoint/2010/main" val="1587914557"/>
       </p:ext>
     </p:extLst>
   </p:cSld>
@@ -5452,15 +5653,7 @@
           <a:p>
             <a:r>
               <a:rPr lang="en-US" dirty="0" smtClean="0"/>
-              <a:t>Checking Your </a:t>
-            </a:r>
-            <a:r>
-              <a:rPr lang="en-US" dirty="0" err="1" smtClean="0"/>
-              <a:t>Git</a:t>
-            </a:r>
-            <a:r>
-              <a:rPr lang="en-US" dirty="0" smtClean="0"/>
-              <a:t> Version</a:t>
+              <a:t>Viewing Your Configurations</a:t>
             </a:r>
           </a:p>
           <a:p>
@@ -5483,14 +5676,66 @@
           <a:bodyPr/>
           <a:lstStyle/>
           <a:p>
-            <a:endParaRPr lang="en-US"/>
-          </a:p>
-        </p:txBody>
-      </p:sp>
+            <a:r>
+              <a:rPr lang="en-SE" dirty="0" smtClean="0"/>
+              <a:t>git config &lt;option&gt; --list</a:t>
+            </a:r>
+            <a:endParaRPr lang="en-US" dirty="0"/>
+          </a:p>
+        </p:txBody>
+      </p:sp>
+      <p:pic>
+        <p:nvPicPr>
+          <p:cNvPr id="4" name="Picture 3"/>
+          <p:cNvPicPr>
+            <a:picLocks noChangeAspect="1"/>
+          </p:cNvPicPr>
+          <p:nvPr/>
+        </p:nvPicPr>
+        <p:blipFill>
+          <a:blip r:embed="rId2"/>
+          <a:stretch>
+            <a:fillRect/>
+          </a:stretch>
+        </p:blipFill>
+        <p:spPr>
+          <a:xfrm>
+            <a:off x="1447800" y="3432153"/>
+            <a:ext cx="2572109" cy="304843"/>
+          </a:xfrm>
+          <a:prstGeom prst="rect">
+            <a:avLst/>
+          </a:prstGeom>
+        </p:spPr>
+      </p:pic>
+      <p:pic>
+        <p:nvPicPr>
+          <p:cNvPr id="5" name="Picture 4"/>
+          <p:cNvPicPr>
+            <a:picLocks noChangeAspect="1"/>
+          </p:cNvPicPr>
+          <p:nvPr/>
+        </p:nvPicPr>
+        <p:blipFill>
+          <a:blip r:embed="rId3"/>
+          <a:stretch>
+            <a:fillRect/>
+          </a:stretch>
+        </p:blipFill>
+        <p:spPr>
+          <a:xfrm>
+            <a:off x="1534650" y="3736996"/>
+            <a:ext cx="3286584" cy="295316"/>
+          </a:xfrm>
+          <a:prstGeom prst="rect">
+            <a:avLst/>
+          </a:prstGeom>
+        </p:spPr>
+      </p:pic>
     </p:spTree>
     <p:extLst>
       <p:ext uri="{BB962C8B-B14F-4D97-AF65-F5344CB8AC3E}">
-        <p14:creationId xmlns:p14="http://schemas.microsoft.com/office/powerpoint/2010/main" val="1320049314"/>
+        <p14:creationId xmlns:p14="http://schemas.microsoft.com/office/powerpoint/2010/main" val="2772586083"/>
       </p:ext>
     </p:extLst>
   </p:cSld>
@@ -5533,12 +5778,8 @@
           <a:lstStyle/>
           <a:p>
             <a:r>
-              <a:rPr lang="en-US" dirty="0" err="1" smtClean="0"/>
-              <a:t>Git</a:t>
-            </a:r>
-            <a:r>
               <a:rPr lang="en-US" dirty="0" smtClean="0"/>
-              <a:t> Configuration Levels</a:t>
+              <a:t>Configuring Your User Name and Email</a:t>
             </a:r>
           </a:p>
           <a:p>
@@ -5561,14 +5802,42 @@
           <a:bodyPr/>
           <a:lstStyle/>
           <a:p>
-            <a:endParaRPr lang="en-US"/>
-          </a:p>
-        </p:txBody>
-      </p:sp>
+            <a:r>
+              <a:rPr lang="en-SE" dirty="0" smtClean="0"/>
+              <a:t>Username and email for your commits</a:t>
+            </a:r>
+            <a:endParaRPr lang="en-US" dirty="0"/>
+          </a:p>
+        </p:txBody>
+      </p:sp>
+      <p:pic>
+        <p:nvPicPr>
+          <p:cNvPr id="4" name="Picture 3"/>
+          <p:cNvPicPr>
+            <a:picLocks noChangeAspect="1"/>
+          </p:cNvPicPr>
+          <p:nvPr/>
+        </p:nvPicPr>
+        <p:blipFill>
+          <a:blip r:embed="rId2"/>
+          <a:stretch>
+            <a:fillRect/>
+          </a:stretch>
+        </p:blipFill>
+        <p:spPr>
+          <a:xfrm>
+            <a:off x="3452443" y="3157499"/>
+            <a:ext cx="5287113" cy="543001"/>
+          </a:xfrm>
+          <a:prstGeom prst="rect">
+            <a:avLst/>
+          </a:prstGeom>
+        </p:spPr>
+      </p:pic>
     </p:spTree>
     <p:extLst>
       <p:ext uri="{BB962C8B-B14F-4D97-AF65-F5344CB8AC3E}">
-        <p14:creationId xmlns:p14="http://schemas.microsoft.com/office/powerpoint/2010/main" val="1587914557"/>
+        <p14:creationId xmlns:p14="http://schemas.microsoft.com/office/powerpoint/2010/main" val="307738535"/>
       </p:ext>
     </p:extLst>
   </p:cSld>
@@ -5612,8 +5881,16 @@
           <a:p>
             <a:r>
               <a:rPr lang="en-US" dirty="0" smtClean="0"/>
-              <a:t>Viewing Your Configurations</a:t>
-            </a:r>
+              <a:t>Configuring </a:t>
+            </a:r>
+            <a:r>
+              <a:rPr lang="en-US" dirty="0" err="1" smtClean="0"/>
+              <a:t>autocrlf</a:t>
+            </a:r>
+            <a:endParaRPr lang="en-US" dirty="0" smtClean="0"/>
+          </a:p>
+          <a:p>
+            <a:endParaRPr lang="en-US" dirty="0" smtClean="0"/>
           </a:p>
           <a:p>
             <a:endParaRPr lang="en-US" dirty="0"/>
@@ -5635,14 +5912,42 @@
           <a:bodyPr/>
           <a:lstStyle/>
           <a:p>
-            <a:endParaRPr lang="en-US"/>
-          </a:p>
-        </p:txBody>
-      </p:sp>
+            <a:r>
+              <a:rPr lang="en-SE" dirty="0" smtClean="0"/>
+              <a:t>How git handles line breaks</a:t>
+            </a:r>
+            <a:endParaRPr lang="en-US" dirty="0"/>
+          </a:p>
+        </p:txBody>
+      </p:sp>
+      <p:pic>
+        <p:nvPicPr>
+          <p:cNvPr id="4" name="Picture 3"/>
+          <p:cNvPicPr>
+            <a:picLocks noChangeAspect="1"/>
+          </p:cNvPicPr>
+          <p:nvPr/>
+        </p:nvPicPr>
+        <p:blipFill>
+          <a:blip r:embed="rId2"/>
+          <a:stretch>
+            <a:fillRect/>
+          </a:stretch>
+        </p:blipFill>
+        <p:spPr>
+          <a:xfrm>
+            <a:off x="3719181" y="2933631"/>
+            <a:ext cx="4753638" cy="990738"/>
+          </a:xfrm>
+          <a:prstGeom prst="rect">
+            <a:avLst/>
+          </a:prstGeom>
+        </p:spPr>
+      </p:pic>
     </p:spTree>
     <p:extLst>
       <p:ext uri="{BB962C8B-B14F-4D97-AF65-F5344CB8AC3E}">
-        <p14:creationId xmlns:p14="http://schemas.microsoft.com/office/powerpoint/2010/main" val="2772586083"/>
+        <p14:creationId xmlns:p14="http://schemas.microsoft.com/office/powerpoint/2010/main" val="2435240704"/>
       </p:ext>
     </p:extLst>
   </p:cSld>
@@ -5686,37 +5991,23 @@
           <a:p>
             <a:r>
               <a:rPr lang="en-US" dirty="0" smtClean="0"/>
-              <a:t>Configuring Your User Name and Email</a:t>
-            </a:r>
+              <a:t>Working Locally with </a:t>
+            </a:r>
+            <a:r>
+              <a:rPr lang="en-US" dirty="0" err="1" smtClean="0"/>
+              <a:t>Git</a:t>
+            </a:r>
+            <a:endParaRPr lang="en-US" dirty="0" smtClean="0"/>
           </a:p>
           <a:p>
             <a:endParaRPr lang="en-US" dirty="0"/>
-          </a:p>
-        </p:txBody>
-      </p:sp>
-      <p:sp>
-        <p:nvSpPr>
-          <p:cNvPr id="3" name="Text Placeholder 2"/>
-          <p:cNvSpPr>
-            <a:spLocks noGrp="1"/>
-          </p:cNvSpPr>
-          <p:nvPr>
-            <p:ph type="body" sz="quarter" idx="10"/>
-          </p:nvPr>
-        </p:nvSpPr>
-        <p:spPr/>
-        <p:txBody>
-          <a:bodyPr/>
-          <a:lstStyle/>
-          <a:p>
-            <a:endParaRPr lang="en-US"/>
           </a:p>
         </p:txBody>
       </p:sp>
     </p:spTree>
     <p:extLst>
       <p:ext uri="{BB962C8B-B14F-4D97-AF65-F5344CB8AC3E}">
-        <p14:creationId xmlns:p14="http://schemas.microsoft.com/office/powerpoint/2010/main" val="307738535"/>
+        <p14:creationId xmlns:p14="http://schemas.microsoft.com/office/powerpoint/2010/main" val="3957224652"/>
       </p:ext>
     </p:extLst>
   </p:cSld>
@@ -5760,16 +6051,8 @@
           <a:p>
             <a:r>
               <a:rPr lang="en-US" dirty="0" smtClean="0"/>
-              <a:t>Configuring </a:t>
-            </a:r>
-            <a:r>
-              <a:rPr lang="en-US" dirty="0" err="1" smtClean="0"/>
-              <a:t>autocrlf</a:t>
-            </a:r>
-            <a:endParaRPr lang="en-US" dirty="0" smtClean="0"/>
-          </a:p>
-          <a:p>
-            <a:endParaRPr lang="en-US" dirty="0" smtClean="0"/>
+              <a:t>Creating a Local Copy of the repo</a:t>
+            </a:r>
           </a:p>
           <a:p>
             <a:endParaRPr lang="en-US" dirty="0"/>
@@ -5791,14 +6074,42 @@
           <a:bodyPr/>
           <a:lstStyle/>
           <a:p>
-            <a:endParaRPr lang="en-US"/>
-          </a:p>
-        </p:txBody>
-      </p:sp>
+            <a:r>
+              <a:rPr lang="en-SE" dirty="0" smtClean="0"/>
+              <a:t>Copying = “Cloning”</a:t>
+            </a:r>
+            <a:endParaRPr lang="en-US" dirty="0"/>
+          </a:p>
+        </p:txBody>
+      </p:sp>
+      <p:pic>
+        <p:nvPicPr>
+          <p:cNvPr id="4" name="Picture 3"/>
+          <p:cNvPicPr>
+            <a:picLocks noChangeAspect="1"/>
+          </p:cNvPicPr>
+          <p:nvPr/>
+        </p:nvPicPr>
+        <p:blipFill>
+          <a:blip r:embed="rId2"/>
+          <a:stretch>
+            <a:fillRect/>
+          </a:stretch>
+        </p:blipFill>
+        <p:spPr>
+          <a:xfrm>
+            <a:off x="5754318" y="2383506"/>
+            <a:ext cx="5675682" cy="2471987"/>
+          </a:xfrm>
+          <a:prstGeom prst="rect">
+            <a:avLst/>
+          </a:prstGeom>
+        </p:spPr>
+      </p:pic>
     </p:spTree>
     <p:extLst>
       <p:ext uri="{BB962C8B-B14F-4D97-AF65-F5344CB8AC3E}">
-        <p14:creationId xmlns:p14="http://schemas.microsoft.com/office/powerpoint/2010/main" val="2435240704"/>
+        <p14:creationId xmlns:p14="http://schemas.microsoft.com/office/powerpoint/2010/main" val="4202844059"/>
       </p:ext>
     </p:extLst>
   </p:cSld>
@@ -5841,14 +6152,17 @@
           <a:lstStyle/>
           <a:p>
             <a:r>
+              <a:rPr lang="en-SE" dirty="0" smtClean="0"/>
+              <a:t>Activity: </a:t>
+            </a:r>
+            <a:r>
               <a:rPr lang="en-US" dirty="0" smtClean="0"/>
-              <a:t>Working Locally with </a:t>
-            </a:r>
-            <a:r>
-              <a:rPr lang="en-US" dirty="0" err="1" smtClean="0"/>
-              <a:t>Git</a:t>
-            </a:r>
-            <a:endParaRPr lang="en-US" dirty="0" smtClean="0"/>
+              <a:t>Creating </a:t>
+            </a:r>
+            <a:r>
+              <a:rPr lang="en-US" dirty="0" smtClean="0"/>
+              <a:t>a Local Copy of the repo</a:t>
+            </a:r>
           </a:p>
           <a:p>
             <a:endParaRPr lang="en-US" dirty="0"/>
@@ -5870,14 +6184,72 @@
           <a:bodyPr/>
           <a:lstStyle/>
           <a:p>
-            <a:endParaRPr lang="en-US"/>
-          </a:p>
-        </p:txBody>
-      </p:sp>
+            <a:r>
+              <a:rPr lang="en-SE" dirty="0" smtClean="0"/>
+              <a:t>C</a:t>
+            </a:r>
+            <a:r>
+              <a:rPr lang="en-US" dirty="0" smtClean="0"/>
+              <a:t>o</a:t>
+            </a:r>
+            <a:r>
+              <a:rPr lang="en-SE" dirty="0" smtClean="0"/>
+              <a:t>de tab</a:t>
+            </a:r>
+          </a:p>
+          <a:p>
+            <a:r>
+              <a:rPr lang="en-SE" dirty="0" smtClean="0"/>
+              <a:t>Clone or download</a:t>
+            </a:r>
+          </a:p>
+          <a:p>
+            <a:r>
+              <a:rPr lang="en-US" dirty="0" smtClean="0"/>
+              <a:t>C</a:t>
+            </a:r>
+            <a:r>
+              <a:rPr lang="en-SE" dirty="0" smtClean="0"/>
+              <a:t>opy URL</a:t>
+            </a:r>
+          </a:p>
+          <a:p>
+            <a:r>
+              <a:rPr lang="en-SE" dirty="0" smtClean="0"/>
+              <a:t>git clone &lt;clone-url&gt;</a:t>
+            </a:r>
+            <a:endParaRPr lang="en-US" dirty="0"/>
+          </a:p>
+        </p:txBody>
+      </p:sp>
+      <p:pic>
+        <p:nvPicPr>
+          <p:cNvPr id="4" name="Picture 3"/>
+          <p:cNvPicPr>
+            <a:picLocks noChangeAspect="1"/>
+          </p:cNvPicPr>
+          <p:nvPr/>
+        </p:nvPicPr>
+        <p:blipFill>
+          <a:blip r:embed="rId2"/>
+          <a:stretch>
+            <a:fillRect/>
+          </a:stretch>
+        </p:blipFill>
+        <p:spPr>
+          <a:xfrm>
+            <a:off x="5754318" y="2383506"/>
+            <a:ext cx="5675682" cy="2471987"/>
+          </a:xfrm>
+          <a:prstGeom prst="rect">
+            <a:avLst/>
+          </a:prstGeom>
+        </p:spPr>
+      </p:pic>
     </p:spTree>
     <p:extLst>
       <p:ext uri="{BB962C8B-B14F-4D97-AF65-F5344CB8AC3E}">
-        <p14:creationId xmlns:p14="http://schemas.microsoft.com/office/powerpoint/2010/main" val="3957224652"/>
+        <p14:creationId xmlns:p14="http://schemas.microsoft.com/office/powerpoint/2010/main" val="3446920519"/>
       </p:ext>
     </p:extLst>
   </p:cSld>
@@ -6032,7 +6404,23 @@
           <a:p>
             <a:r>
               <a:rPr lang="en-US" dirty="0" smtClean="0"/>
-              <a:t>Creating a Local Copy of the repo</a:t>
+              <a:t>Our Favorite </a:t>
+            </a:r>
+            <a:r>
+              <a:rPr lang="en-US" dirty="0" err="1" smtClean="0"/>
+              <a:t>Git</a:t>
+            </a:r>
+            <a:r>
+              <a:rPr lang="en-US" dirty="0" smtClean="0"/>
+              <a:t> command: </a:t>
+            </a:r>
+            <a:r>
+              <a:rPr lang="en-US" dirty="0" err="1" smtClean="0"/>
+              <a:t>git</a:t>
+            </a:r>
+            <a:r>
+              <a:rPr lang="en-US" dirty="0" smtClean="0"/>
+              <a:t> status</a:t>
             </a:r>
           </a:p>
           <a:p>
@@ -6055,14 +6443,42 @@
           <a:bodyPr/>
           <a:lstStyle/>
           <a:p>
-            <a:endParaRPr lang="en-US"/>
-          </a:p>
-        </p:txBody>
-      </p:sp>
+            <a:r>
+              <a:rPr lang="en-SE" dirty="0" smtClean="0"/>
+              <a:t>Current state of your repository</a:t>
+            </a:r>
+            <a:endParaRPr lang="en-US" dirty="0"/>
+          </a:p>
+        </p:txBody>
+      </p:sp>
+      <p:pic>
+        <p:nvPicPr>
+          <p:cNvPr id="4" name="Picture 3"/>
+          <p:cNvPicPr>
+            <a:picLocks noChangeAspect="1"/>
+          </p:cNvPicPr>
+          <p:nvPr/>
+        </p:nvPicPr>
+        <p:blipFill>
+          <a:blip r:embed="rId2"/>
+          <a:stretch>
+            <a:fillRect/>
+          </a:stretch>
+        </p:blipFill>
+        <p:spPr>
+          <a:xfrm>
+            <a:off x="3295259" y="2962210"/>
+            <a:ext cx="5601482" cy="933580"/>
+          </a:xfrm>
+          <a:prstGeom prst="rect">
+            <a:avLst/>
+          </a:prstGeom>
+        </p:spPr>
+      </p:pic>
     </p:spTree>
     <p:extLst>
       <p:ext uri="{BB962C8B-B14F-4D97-AF65-F5344CB8AC3E}">
-        <p14:creationId xmlns:p14="http://schemas.microsoft.com/office/powerpoint/2010/main" val="3446920519"/>
+        <p14:creationId xmlns:p14="http://schemas.microsoft.com/office/powerpoint/2010/main" val="600724001"/>
       </p:ext>
     </p:extLst>
   </p:cSld>
@@ -6106,23 +6522,7 @@
           <a:p>
             <a:r>
               <a:rPr lang="en-US" dirty="0" smtClean="0"/>
-              <a:t>Our Favorite </a:t>
-            </a:r>
-            <a:r>
-              <a:rPr lang="en-US" dirty="0" err="1" smtClean="0"/>
-              <a:t>Git</a:t>
-            </a:r>
-            <a:r>
-              <a:rPr lang="en-US" dirty="0" smtClean="0"/>
-              <a:t> command: </a:t>
-            </a:r>
-            <a:r>
-              <a:rPr lang="en-US" dirty="0" err="1" smtClean="0"/>
-              <a:t>git</a:t>
-            </a:r>
-            <a:r>
-              <a:rPr lang="en-US" dirty="0" smtClean="0"/>
-              <a:t> status</a:t>
+              <a:t>Using Branches locally</a:t>
             </a:r>
           </a:p>
           <a:p>
@@ -6149,10 +6549,34 @@
           </a:p>
         </p:txBody>
       </p:sp>
+      <p:pic>
+        <p:nvPicPr>
+          <p:cNvPr id="4" name="Picture 3"/>
+          <p:cNvPicPr>
+            <a:picLocks noChangeAspect="1"/>
+          </p:cNvPicPr>
+          <p:nvPr/>
+        </p:nvPicPr>
+        <p:blipFill>
+          <a:blip r:embed="rId2"/>
+          <a:stretch>
+            <a:fillRect/>
+          </a:stretch>
+        </p:blipFill>
+        <p:spPr>
+          <a:xfrm>
+            <a:off x="5262446" y="3257526"/>
+            <a:ext cx="1667108" cy="342948"/>
+          </a:xfrm>
+          <a:prstGeom prst="rect">
+            <a:avLst/>
+          </a:prstGeom>
+        </p:spPr>
+      </p:pic>
     </p:spTree>
     <p:extLst>
       <p:ext uri="{BB962C8B-B14F-4D97-AF65-F5344CB8AC3E}">
-        <p14:creationId xmlns:p14="http://schemas.microsoft.com/office/powerpoint/2010/main" val="600724001"/>
+        <p14:creationId xmlns:p14="http://schemas.microsoft.com/office/powerpoint/2010/main" val="1455577395"/>
       </p:ext>
     </p:extLst>
   </p:cSld>
@@ -6196,7 +6620,7 @@
           <a:p>
             <a:r>
               <a:rPr lang="en-US" dirty="0" smtClean="0"/>
-              <a:t>Using Branches locally</a:t>
+              <a:t>Switching Branches</a:t>
             </a:r>
           </a:p>
           <a:p>
@@ -6223,10 +6647,34 @@
           </a:p>
         </p:txBody>
       </p:sp>
+      <p:pic>
+        <p:nvPicPr>
+          <p:cNvPr id="4" name="Picture 3"/>
+          <p:cNvPicPr>
+            <a:picLocks noChangeAspect="1"/>
+          </p:cNvPicPr>
+          <p:nvPr/>
+        </p:nvPicPr>
+        <p:blipFill>
+          <a:blip r:embed="rId2"/>
+          <a:stretch>
+            <a:fillRect/>
+          </a:stretch>
+        </p:blipFill>
+        <p:spPr>
+          <a:xfrm>
+            <a:off x="4366971" y="3233710"/>
+            <a:ext cx="3458058" cy="390580"/>
+          </a:xfrm>
+          <a:prstGeom prst="rect">
+            <a:avLst/>
+          </a:prstGeom>
+        </p:spPr>
+      </p:pic>
     </p:spTree>
     <p:extLst>
       <p:ext uri="{BB962C8B-B14F-4D97-AF65-F5344CB8AC3E}">
-        <p14:creationId xmlns:p14="http://schemas.microsoft.com/office/powerpoint/2010/main" val="1455577395"/>
+        <p14:creationId xmlns:p14="http://schemas.microsoft.com/office/powerpoint/2010/main" val="2949160347"/>
       </p:ext>
     </p:extLst>
   </p:cSld>
@@ -6270,7 +6718,7 @@
           <a:p>
             <a:r>
               <a:rPr lang="en-US" dirty="0" smtClean="0"/>
-              <a:t>Switching Branches</a:t>
+              <a:t>Activity: Creating a New File</a:t>
             </a:r>
           </a:p>
           <a:p>
@@ -6293,14 +6741,62 @@
           <a:bodyPr/>
           <a:lstStyle/>
           <a:p>
-            <a:endParaRPr lang="en-US"/>
+            <a:r>
+              <a:rPr lang="en-US" sz="1800" dirty="0"/>
+              <a:t>1. Create a new file with the following file name YOUR-USERNAME-YOUR-HOMETOWN.md.</a:t>
+            </a:r>
+          </a:p>
+          <a:p>
+            <a:r>
+              <a:rPr lang="en-US" sz="1800" dirty="0"/>
+              <a:t>For example, githubteacher-san-francisco.md.</a:t>
+            </a:r>
+          </a:p>
+          <a:p>
+            <a:r>
+              <a:rPr lang="en-US" sz="1800" dirty="0"/>
+              <a:t>2. Add a skeleton for your file with the following lines:</a:t>
+            </a:r>
+          </a:p>
+          <a:p>
+            <a:r>
+              <a:rPr lang="en-US" sz="1800" dirty="0"/>
+              <a:t>3. # HOMETOWN recommendations</a:t>
+            </a:r>
+          </a:p>
+          <a:p>
+            <a:r>
+              <a:rPr lang="en-US" sz="1800" dirty="0"/>
+              <a:t>4. ## Great Places to Eat</a:t>
+            </a:r>
+          </a:p>
+          <a:p>
+            <a:r>
+              <a:rPr lang="en-US" sz="1800" dirty="0"/>
+              <a:t>5. ## Fun Things to Do</a:t>
+            </a:r>
+          </a:p>
+          <a:p>
+            <a:r>
+              <a:rPr lang="en-US" sz="1800" dirty="0"/>
+              <a:t>6. </a:t>
+            </a:r>
+            <a:r>
+              <a:rPr lang="en-US" sz="1800" b="1" dirty="0"/>
+              <a:t>Save </a:t>
+            </a:r>
+            <a:r>
+              <a:rPr lang="en-US" sz="1800" dirty="0"/>
+              <a:t>your file.</a:t>
+            </a:r>
+            <a:endParaRPr lang="en-US" sz="1800" dirty="0"/>
           </a:p>
         </p:txBody>
       </p:sp>
     </p:spTree>
     <p:extLst>
       <p:ext uri="{BB962C8B-B14F-4D97-AF65-F5344CB8AC3E}">
-        <p14:creationId xmlns:p14="http://schemas.microsoft.com/office/powerpoint/2010/main" val="2949160347"/>
+        <p14:creationId xmlns:p14="http://schemas.microsoft.com/office/powerpoint/2010/main" val="3186489430"/>
       </p:ext>
     </p:extLst>
   </p:cSld>
@@ -6344,7 +6840,7 @@
           <a:p>
             <a:r>
               <a:rPr lang="en-US" dirty="0" smtClean="0"/>
-              <a:t>Activity: Creating a New File</a:t>
+              <a:t>The Two Stage Commit</a:t>
             </a:r>
           </a:p>
           <a:p>
@@ -6374,7 +6870,7 @@
     </p:spTree>
     <p:extLst>
       <p:ext uri="{BB962C8B-B14F-4D97-AF65-F5344CB8AC3E}">
-        <p14:creationId xmlns:p14="http://schemas.microsoft.com/office/powerpoint/2010/main" val="3186489430"/>
+        <p14:creationId xmlns:p14="http://schemas.microsoft.com/office/powerpoint/2010/main" val="3731775405"/>
       </p:ext>
     </p:extLst>
   </p:cSld>
@@ -6418,7 +6914,7 @@
           <a:p>
             <a:r>
               <a:rPr lang="en-US" dirty="0" smtClean="0"/>
-              <a:t>The Two Stage Commit</a:t>
+              <a:t>Collaborating on Your Code</a:t>
             </a:r>
           </a:p>
           <a:p>
@@ -6448,7 +6944,7 @@
     </p:spTree>
     <p:extLst>
       <p:ext uri="{BB962C8B-B14F-4D97-AF65-F5344CB8AC3E}">
-        <p14:creationId xmlns:p14="http://schemas.microsoft.com/office/powerpoint/2010/main" val="3731775405"/>
+        <p14:creationId xmlns:p14="http://schemas.microsoft.com/office/powerpoint/2010/main" val="4242870020"/>
       </p:ext>
     </p:extLst>
   </p:cSld>
@@ -6492,7 +6988,7 @@
           <a:p>
             <a:r>
               <a:rPr lang="en-US" dirty="0" smtClean="0"/>
-              <a:t>Collaborating on Your Code</a:t>
+              <a:t>Pushing Your Changes to GitHub</a:t>
             </a:r>
           </a:p>
           <a:p>
@@ -6522,7 +7018,7 @@
     </p:spTree>
     <p:extLst>
       <p:ext uri="{BB962C8B-B14F-4D97-AF65-F5344CB8AC3E}">
-        <p14:creationId xmlns:p14="http://schemas.microsoft.com/office/powerpoint/2010/main" val="4242870020"/>
+        <p14:creationId xmlns:p14="http://schemas.microsoft.com/office/powerpoint/2010/main" val="3048734167"/>
       </p:ext>
     </p:extLst>
   </p:cSld>
@@ -6566,7 +7062,7 @@
           <a:p>
             <a:r>
               <a:rPr lang="en-US" dirty="0" smtClean="0"/>
-              <a:t>Pushing Your Changes to GitHub</a:t>
+              <a:t>Activity: Creating a Pull Request</a:t>
             </a:r>
           </a:p>
           <a:p>
@@ -6596,7 +7092,7 @@
     </p:spTree>
     <p:extLst>
       <p:ext uri="{BB962C8B-B14F-4D97-AF65-F5344CB8AC3E}">
-        <p14:creationId xmlns:p14="http://schemas.microsoft.com/office/powerpoint/2010/main" val="3048734167"/>
+        <p14:creationId xmlns:p14="http://schemas.microsoft.com/office/powerpoint/2010/main" val="2021741801"/>
       </p:ext>
     </p:extLst>
   </p:cSld>
@@ -6640,7 +7136,7 @@
           <a:p>
             <a:r>
               <a:rPr lang="en-US" dirty="0" smtClean="0"/>
-              <a:t>Activity: Creating a Pull Request</a:t>
+              <a:t>Exploring a Pull Request</a:t>
             </a:r>
           </a:p>
           <a:p>
@@ -6670,7 +7166,7 @@
     </p:spTree>
     <p:extLst>
       <p:ext uri="{BB962C8B-B14F-4D97-AF65-F5344CB8AC3E}">
-        <p14:creationId xmlns:p14="http://schemas.microsoft.com/office/powerpoint/2010/main" val="2021741801"/>
+        <p14:creationId xmlns:p14="http://schemas.microsoft.com/office/powerpoint/2010/main" val="560141809"/>
       </p:ext>
     </p:extLst>
   </p:cSld>
@@ -6714,7 +7210,7 @@
           <a:p>
             <a:r>
               <a:rPr lang="en-US" dirty="0" smtClean="0"/>
-              <a:t>Exploring a Pull Request</a:t>
+              <a:t>Activity: Code Review</a:t>
             </a:r>
           </a:p>
           <a:p>
@@ -6744,7 +7240,7 @@
     </p:spTree>
     <p:extLst>
       <p:ext uri="{BB962C8B-B14F-4D97-AF65-F5344CB8AC3E}">
-        <p14:creationId xmlns:p14="http://schemas.microsoft.com/office/powerpoint/2010/main" val="560141809"/>
+        <p14:creationId xmlns:p14="http://schemas.microsoft.com/office/powerpoint/2010/main" val="3678227753"/>
       </p:ext>
     </p:extLst>
   </p:cSld>
@@ -7334,7 +7830,7 @@
           <a:p>
             <a:r>
               <a:rPr lang="en-US" dirty="0" smtClean="0"/>
-              <a:t>Activity: Code Review</a:t>
+              <a:t>Editing Files on GitHub</a:t>
             </a:r>
           </a:p>
           <a:p>
@@ -7364,7 +7860,7 @@
     </p:spTree>
     <p:extLst>
       <p:ext uri="{BB962C8B-B14F-4D97-AF65-F5344CB8AC3E}">
-        <p14:creationId xmlns:p14="http://schemas.microsoft.com/office/powerpoint/2010/main" val="3678227753"/>
+        <p14:creationId xmlns:p14="http://schemas.microsoft.com/office/powerpoint/2010/main" val="557340600"/>
       </p:ext>
     </p:extLst>
   </p:cSld>
@@ -7408,7 +7904,7 @@
           <a:p>
             <a:r>
               <a:rPr lang="en-US" dirty="0" smtClean="0"/>
-              <a:t>Editing Files on GitHub</a:t>
+              <a:t>Editing a File on GitHub</a:t>
             </a:r>
           </a:p>
           <a:p>
@@ -7438,7 +7934,7 @@
     </p:spTree>
     <p:extLst>
       <p:ext uri="{BB962C8B-B14F-4D97-AF65-F5344CB8AC3E}">
-        <p14:creationId xmlns:p14="http://schemas.microsoft.com/office/powerpoint/2010/main" val="557340600"/>
+        <p14:creationId xmlns:p14="http://schemas.microsoft.com/office/powerpoint/2010/main" val="2295945256"/>
       </p:ext>
     </p:extLst>
   </p:cSld>
@@ -7482,7 +7978,7 @@
           <a:p>
             <a:r>
               <a:rPr lang="en-US" dirty="0" smtClean="0"/>
-              <a:t>Editing a File on GitHub</a:t>
+              <a:t>Committing Changes on GitHub</a:t>
             </a:r>
           </a:p>
           <a:p>
@@ -7512,7 +8008,7 @@
     </p:spTree>
     <p:extLst>
       <p:ext uri="{BB962C8B-B14F-4D97-AF65-F5344CB8AC3E}">
-        <p14:creationId xmlns:p14="http://schemas.microsoft.com/office/powerpoint/2010/main" val="2295945256"/>
+        <p14:creationId xmlns:p14="http://schemas.microsoft.com/office/powerpoint/2010/main" val="2478559103"/>
       </p:ext>
     </p:extLst>
   </p:cSld>
@@ -7556,7 +8052,7 @@
           <a:p>
             <a:r>
               <a:rPr lang="en-US" dirty="0" smtClean="0"/>
-              <a:t>Committing Changes on GitHub</a:t>
+              <a:t>Merging Pull Requests</a:t>
             </a:r>
           </a:p>
           <a:p>
@@ -7586,7 +8082,7 @@
     </p:spTree>
     <p:extLst>
       <p:ext uri="{BB962C8B-B14F-4D97-AF65-F5344CB8AC3E}">
-        <p14:creationId xmlns:p14="http://schemas.microsoft.com/office/powerpoint/2010/main" val="2478559103"/>
+        <p14:creationId xmlns:p14="http://schemas.microsoft.com/office/powerpoint/2010/main" val="3519851220"/>
       </p:ext>
     </p:extLst>
   </p:cSld>
@@ -7630,7 +8126,7 @@
           <a:p>
             <a:r>
               <a:rPr lang="en-US" dirty="0" smtClean="0"/>
-              <a:t>Merging Pull Requests</a:t>
+              <a:t>Merge Explained</a:t>
             </a:r>
           </a:p>
           <a:p>
@@ -7660,7 +8156,7 @@
     </p:spTree>
     <p:extLst>
       <p:ext uri="{BB962C8B-B14F-4D97-AF65-F5344CB8AC3E}">
-        <p14:creationId xmlns:p14="http://schemas.microsoft.com/office/powerpoint/2010/main" val="3519851220"/>
+        <p14:creationId xmlns:p14="http://schemas.microsoft.com/office/powerpoint/2010/main" val="837978012"/>
       </p:ext>
     </p:extLst>
   </p:cSld>
@@ -7704,7 +8200,7 @@
           <a:p>
             <a:r>
               <a:rPr lang="en-US" dirty="0" smtClean="0"/>
-              <a:t>Merge Explained</a:t>
+              <a:t>Merging Your Pull Request</a:t>
             </a:r>
           </a:p>
           <a:p>
@@ -7734,7 +8230,7 @@
     </p:spTree>
     <p:extLst>
       <p:ext uri="{BB962C8B-B14F-4D97-AF65-F5344CB8AC3E}">
-        <p14:creationId xmlns:p14="http://schemas.microsoft.com/office/powerpoint/2010/main" val="837978012"/>
+        <p14:creationId xmlns:p14="http://schemas.microsoft.com/office/powerpoint/2010/main" val="3451926799"/>
       </p:ext>
     </p:extLst>
   </p:cSld>
@@ -7778,7 +8274,7 @@
           <a:p>
             <a:r>
               <a:rPr lang="en-US" dirty="0" smtClean="0"/>
-              <a:t>Merging Your Pull Request</a:t>
+              <a:t>Updating Your Local Repository</a:t>
             </a:r>
           </a:p>
           <a:p>
@@ -7808,7 +8304,7 @@
     </p:spTree>
     <p:extLst>
       <p:ext uri="{BB962C8B-B14F-4D97-AF65-F5344CB8AC3E}">
-        <p14:creationId xmlns:p14="http://schemas.microsoft.com/office/powerpoint/2010/main" val="3451926799"/>
+        <p14:creationId xmlns:p14="http://schemas.microsoft.com/office/powerpoint/2010/main" val="1277792539"/>
       </p:ext>
     </p:extLst>
   </p:cSld>
@@ -7852,8 +8348,11 @@
           <a:p>
             <a:r>
               <a:rPr lang="en-US" dirty="0" smtClean="0"/>
-              <a:t>Updating Your Local Repository</a:t>
-            </a:r>
+              <a:t>Cleaning Up the Unneeded Branches</a:t>
+            </a:r>
+          </a:p>
+          <a:p>
+            <a:endParaRPr lang="en-US" dirty="0" smtClean="0"/>
           </a:p>
           <a:p>
             <a:endParaRPr lang="en-US" dirty="0"/>
@@ -7882,7 +8381,7 @@
     </p:spTree>
     <p:extLst>
       <p:ext uri="{BB962C8B-B14F-4D97-AF65-F5344CB8AC3E}">
-        <p14:creationId xmlns:p14="http://schemas.microsoft.com/office/powerpoint/2010/main" val="1277792539"/>
+        <p14:creationId xmlns:p14="http://schemas.microsoft.com/office/powerpoint/2010/main" val="59842066"/>
       </p:ext>
     </p:extLst>
   </p:cSld>
@@ -7926,11 +8425,8 @@
           <a:p>
             <a:r>
               <a:rPr lang="en-US" dirty="0" smtClean="0"/>
-              <a:t>Cleaning Up the Unneeded Branches</a:t>
-            </a:r>
-          </a:p>
-          <a:p>
-            <a:endParaRPr lang="en-US" dirty="0" smtClean="0"/>
+              <a:t>Viewing Local Project History</a:t>
+            </a:r>
           </a:p>
           <a:p>
             <a:endParaRPr lang="en-US" dirty="0"/>
@@ -7959,7 +8455,7 @@
     </p:spTree>
     <p:extLst>
       <p:ext uri="{BB962C8B-B14F-4D97-AF65-F5344CB8AC3E}">
-        <p14:creationId xmlns:p14="http://schemas.microsoft.com/office/powerpoint/2010/main" val="59842066"/>
+        <p14:creationId xmlns:p14="http://schemas.microsoft.com/office/powerpoint/2010/main" val="1621987130"/>
       </p:ext>
     </p:extLst>
   </p:cSld>
@@ -8003,8 +8499,19 @@
           <a:p>
             <a:r>
               <a:rPr lang="en-US" dirty="0" smtClean="0"/>
-              <a:t>Viewing Local Project History</a:t>
-            </a:r>
+              <a:t>Using </a:t>
+            </a:r>
+            <a:r>
+              <a:rPr lang="en-US" dirty="0" err="1" smtClean="0"/>
+              <a:t>Git</a:t>
+            </a:r>
+            <a:r>
+              <a:rPr lang="en-US" dirty="0" smtClean="0"/>
+              <a:t> Log</a:t>
+            </a:r>
+          </a:p>
+          <a:p>
+            <a:endParaRPr lang="en-US" dirty="0" smtClean="0"/>
           </a:p>
           <a:p>
             <a:endParaRPr lang="en-US" dirty="0"/>
@@ -8033,7 +8540,7 @@
     </p:spTree>
     <p:extLst>
       <p:ext uri="{BB962C8B-B14F-4D97-AF65-F5344CB8AC3E}">
-        <p14:creationId xmlns:p14="http://schemas.microsoft.com/office/powerpoint/2010/main" val="1621987130"/>
+        <p14:creationId xmlns:p14="http://schemas.microsoft.com/office/powerpoint/2010/main" val="2588703611"/>
       </p:ext>
     </p:extLst>
   </p:cSld>
@@ -8180,19 +8687,8 @@
           <a:p>
             <a:r>
               <a:rPr lang="en-US" dirty="0" smtClean="0"/>
-              <a:t>Using </a:t>
-            </a:r>
-            <a:r>
-              <a:rPr lang="en-US" dirty="0" err="1" smtClean="0"/>
-              <a:t>Git</a:t>
-            </a:r>
-            <a:r>
-              <a:rPr lang="en-US" dirty="0" smtClean="0"/>
-              <a:t> Log</a:t>
-            </a:r>
-          </a:p>
-          <a:p>
-            <a:endParaRPr lang="en-US" dirty="0" smtClean="0"/>
+              <a:t>Streamlining Your Workflow with Aliases</a:t>
+            </a:r>
           </a:p>
           <a:p>
             <a:endParaRPr lang="en-US" dirty="0"/>
@@ -8221,7 +8717,7 @@
     </p:spTree>
     <p:extLst>
       <p:ext uri="{BB962C8B-B14F-4D97-AF65-F5344CB8AC3E}">
-        <p14:creationId xmlns:p14="http://schemas.microsoft.com/office/powerpoint/2010/main" val="2588703611"/>
+        <p14:creationId xmlns:p14="http://schemas.microsoft.com/office/powerpoint/2010/main" val="233520025"/>
       </p:ext>
     </p:extLst>
   </p:cSld>
@@ -8265,8 +8761,11 @@
           <a:p>
             <a:r>
               <a:rPr lang="en-US" dirty="0" smtClean="0"/>
-              <a:t>Streamlining Your Workflow with Aliases</a:t>
-            </a:r>
+              <a:t>Creating Custom Aliases</a:t>
+            </a:r>
+          </a:p>
+          <a:p>
+            <a:endParaRPr lang="en-US" dirty="0" smtClean="0"/>
           </a:p>
           <a:p>
             <a:endParaRPr lang="en-US" dirty="0"/>
@@ -8295,7 +8794,7 @@
     </p:spTree>
     <p:extLst>
       <p:ext uri="{BB962C8B-B14F-4D97-AF65-F5344CB8AC3E}">
-        <p14:creationId xmlns:p14="http://schemas.microsoft.com/office/powerpoint/2010/main" val="233520025"/>
+        <p14:creationId xmlns:p14="http://schemas.microsoft.com/office/powerpoint/2010/main" val="697193852"/>
       </p:ext>
     </p:extLst>
   </p:cSld>
@@ -8339,11 +8838,8 @@
           <a:p>
             <a:r>
               <a:rPr lang="en-US" dirty="0" smtClean="0"/>
-              <a:t>Creating Custom Aliases</a:t>
-            </a:r>
-          </a:p>
-          <a:p>
-            <a:endParaRPr lang="en-US" dirty="0" smtClean="0"/>
+              <a:t>Workflow Review Project: GitHub Games</a:t>
+            </a:r>
           </a:p>
           <a:p>
             <a:endParaRPr lang="en-US" dirty="0"/>
@@ -8372,7 +8868,7 @@
     </p:spTree>
     <p:extLst>
       <p:ext uri="{BB962C8B-B14F-4D97-AF65-F5344CB8AC3E}">
-        <p14:creationId xmlns:p14="http://schemas.microsoft.com/office/powerpoint/2010/main" val="697193852"/>
+        <p14:creationId xmlns:p14="http://schemas.microsoft.com/office/powerpoint/2010/main" val="1393819813"/>
       </p:ext>
     </p:extLst>
   </p:cSld>
@@ -8416,7 +8912,7 @@
           <a:p>
             <a:r>
               <a:rPr lang="en-US" dirty="0" smtClean="0"/>
-              <a:t>Workflow Review Project: GitHub Games</a:t>
+              <a:t>User Accounts vs. Organization Accounts</a:t>
             </a:r>
           </a:p>
           <a:p>
@@ -8446,7 +8942,7 @@
     </p:spTree>
     <p:extLst>
       <p:ext uri="{BB962C8B-B14F-4D97-AF65-F5344CB8AC3E}">
-        <p14:creationId xmlns:p14="http://schemas.microsoft.com/office/powerpoint/2010/main" val="1393819813"/>
+        <p14:creationId xmlns:p14="http://schemas.microsoft.com/office/powerpoint/2010/main" val="1738652256"/>
       </p:ext>
     </p:extLst>
   </p:cSld>
@@ -8490,7 +8986,7 @@
           <a:p>
             <a:r>
               <a:rPr lang="en-US" dirty="0" smtClean="0"/>
-              <a:t>User Accounts vs. Organization Accounts</a:t>
+              <a:t>Introduction to GitHub Pages</a:t>
             </a:r>
           </a:p>
           <a:p>
@@ -8520,7 +9016,7 @@
     </p:spTree>
     <p:extLst>
       <p:ext uri="{BB962C8B-B14F-4D97-AF65-F5344CB8AC3E}">
-        <p14:creationId xmlns:p14="http://schemas.microsoft.com/office/powerpoint/2010/main" val="1738652256"/>
+        <p14:creationId xmlns:p14="http://schemas.microsoft.com/office/powerpoint/2010/main" val="62194951"/>
       </p:ext>
     </p:extLst>
   </p:cSld>
@@ -8564,7 +9060,7 @@
           <a:p>
             <a:r>
               <a:rPr lang="en-US" dirty="0" smtClean="0"/>
-              <a:t>Introduction to GitHub Pages</a:t>
+              <a:t>What is a Fork?</a:t>
             </a:r>
           </a:p>
           <a:p>
@@ -8594,7 +9090,7 @@
     </p:spTree>
     <p:extLst>
       <p:ext uri="{BB962C8B-B14F-4D97-AF65-F5344CB8AC3E}">
-        <p14:creationId xmlns:p14="http://schemas.microsoft.com/office/powerpoint/2010/main" val="62194951"/>
+        <p14:creationId xmlns:p14="http://schemas.microsoft.com/office/powerpoint/2010/main" val="4289902669"/>
       </p:ext>
     </p:extLst>
   </p:cSld>
@@ -8638,7 +9134,7 @@
           <a:p>
             <a:r>
               <a:rPr lang="en-US" dirty="0" smtClean="0"/>
-              <a:t>What is a Fork?</a:t>
+              <a:t>Creating a Fork</a:t>
             </a:r>
           </a:p>
           <a:p>
@@ -8668,7 +9164,7 @@
     </p:spTree>
     <p:extLst>
       <p:ext uri="{BB962C8B-B14F-4D97-AF65-F5344CB8AC3E}">
-        <p14:creationId xmlns:p14="http://schemas.microsoft.com/office/powerpoint/2010/main" val="4289902669"/>
+        <p14:creationId xmlns:p14="http://schemas.microsoft.com/office/powerpoint/2010/main" val="3694920311"/>
       </p:ext>
     </p:extLst>
   </p:cSld>
@@ -8712,8 +9208,11 @@
           <a:p>
             <a:r>
               <a:rPr lang="en-US" dirty="0" smtClean="0"/>
-              <a:t>Creating a Fork</a:t>
-            </a:r>
+              <a:t>Workflow Review: Updating the README.md</a:t>
+            </a:r>
+          </a:p>
+          <a:p>
+            <a:endParaRPr lang="en-US" dirty="0" smtClean="0"/>
           </a:p>
           <a:p>
             <a:endParaRPr lang="en-US" dirty="0"/>
@@ -8742,7 +9241,7 @@
     </p:spTree>
     <p:extLst>
       <p:ext uri="{BB962C8B-B14F-4D97-AF65-F5344CB8AC3E}">
-        <p14:creationId xmlns:p14="http://schemas.microsoft.com/office/powerpoint/2010/main" val="3694920311"/>
+        <p14:creationId xmlns:p14="http://schemas.microsoft.com/office/powerpoint/2010/main" val="3988982427"/>
       </p:ext>
     </p:extLst>
   </p:cSld>
@@ -8786,11 +9285,8 @@
           <a:p>
             <a:r>
               <a:rPr lang="en-US" dirty="0" smtClean="0"/>
-              <a:t>Workflow Review: Updating the README.md</a:t>
-            </a:r>
-          </a:p>
-          <a:p>
-            <a:endParaRPr lang="en-US" dirty="0" smtClean="0"/>
+              <a:t>Resolving Merge Conflicts</a:t>
+            </a:r>
           </a:p>
           <a:p>
             <a:endParaRPr lang="en-US" dirty="0"/>
@@ -8819,7 +9315,7 @@
     </p:spTree>
     <p:extLst>
       <p:ext uri="{BB962C8B-B14F-4D97-AF65-F5344CB8AC3E}">
-        <p14:creationId xmlns:p14="http://schemas.microsoft.com/office/powerpoint/2010/main" val="3988982427"/>
+        <p14:creationId xmlns:p14="http://schemas.microsoft.com/office/powerpoint/2010/main" val="3284727014"/>
       </p:ext>
     </p:extLst>
   </p:cSld>
@@ -8863,8 +9359,11 @@
           <a:p>
             <a:r>
               <a:rPr lang="en-US" dirty="0" smtClean="0"/>
-              <a:t>Resolving Merge Conflicts</a:t>
-            </a:r>
+              <a:t>Local Merge Conflicts</a:t>
+            </a:r>
+          </a:p>
+          <a:p>
+            <a:endParaRPr lang="en-US" dirty="0" smtClean="0"/>
           </a:p>
           <a:p>
             <a:endParaRPr lang="en-US" dirty="0"/>
@@ -8893,7 +9392,7 @@
     </p:spTree>
     <p:extLst>
       <p:ext uri="{BB962C8B-B14F-4D97-AF65-F5344CB8AC3E}">
-        <p14:creationId xmlns:p14="http://schemas.microsoft.com/office/powerpoint/2010/main" val="3284727014"/>
+        <p14:creationId xmlns:p14="http://schemas.microsoft.com/office/powerpoint/2010/main" val="3748171500"/>
       </p:ext>
     </p:extLst>
   </p:cSld>
@@ -9046,11 +9545,8 @@
           <a:p>
             <a:r>
               <a:rPr lang="en-US" dirty="0" smtClean="0"/>
-              <a:t>Local Merge Conflicts</a:t>
-            </a:r>
-          </a:p>
-          <a:p>
-            <a:endParaRPr lang="en-US" dirty="0" smtClean="0"/>
+              <a:t>Working with Multiple Remotes</a:t>
+            </a:r>
           </a:p>
           <a:p>
             <a:endParaRPr lang="en-US" dirty="0"/>
@@ -9079,7 +9575,7 @@
     </p:spTree>
     <p:extLst>
       <p:ext uri="{BB962C8B-B14F-4D97-AF65-F5344CB8AC3E}">
-        <p14:creationId xmlns:p14="http://schemas.microsoft.com/office/powerpoint/2010/main" val="3748171500"/>
+        <p14:creationId xmlns:p14="http://schemas.microsoft.com/office/powerpoint/2010/main" val="1917368738"/>
       </p:ext>
     </p:extLst>
   </p:cSld>
@@ -9123,7 +9619,7 @@
           <a:p>
             <a:r>
               <a:rPr lang="en-US" dirty="0" smtClean="0"/>
-              <a:t>Working with Multiple Remotes</a:t>
+              <a:t>Remote Merge Conflicts</a:t>
             </a:r>
           </a:p>
           <a:p>
@@ -9153,7 +9649,7 @@
     </p:spTree>
     <p:extLst>
       <p:ext uri="{BB962C8B-B14F-4D97-AF65-F5344CB8AC3E}">
-        <p14:creationId xmlns:p14="http://schemas.microsoft.com/office/powerpoint/2010/main" val="1917368738"/>
+        <p14:creationId xmlns:p14="http://schemas.microsoft.com/office/powerpoint/2010/main" val="3670999766"/>
       </p:ext>
     </p:extLst>
   </p:cSld>
@@ -9197,8 +9693,11 @@
           <a:p>
             <a:r>
               <a:rPr lang="en-US" dirty="0" smtClean="0"/>
-              <a:t>Remote Merge Conflicts</a:t>
-            </a:r>
+              <a:t>Exploring</a:t>
+            </a:r>
+          </a:p>
+          <a:p>
+            <a:endParaRPr lang="en-US" dirty="0" smtClean="0"/>
           </a:p>
           <a:p>
             <a:endParaRPr lang="en-US" dirty="0"/>
@@ -9227,7 +9726,7 @@
     </p:spTree>
     <p:extLst>
       <p:ext uri="{BB962C8B-B14F-4D97-AF65-F5344CB8AC3E}">
-        <p14:creationId xmlns:p14="http://schemas.microsoft.com/office/powerpoint/2010/main" val="3670999766"/>
+        <p14:creationId xmlns:p14="http://schemas.microsoft.com/office/powerpoint/2010/main" val="493543609"/>
       </p:ext>
     </p:extLst>
   </p:cSld>
@@ -9271,11 +9770,8 @@
           <a:p>
             <a:r>
               <a:rPr lang="en-US" dirty="0" smtClean="0"/>
-              <a:t>Exploring</a:t>
-            </a:r>
-          </a:p>
-          <a:p>
-            <a:endParaRPr lang="en-US" dirty="0" smtClean="0"/>
+              <a:t>Searching for Events in Your Code</a:t>
+            </a:r>
           </a:p>
           <a:p>
             <a:endParaRPr lang="en-US" dirty="0"/>
@@ -9304,7 +9800,7 @@
     </p:spTree>
     <p:extLst>
       <p:ext uri="{BB962C8B-B14F-4D97-AF65-F5344CB8AC3E}">
-        <p14:creationId xmlns:p14="http://schemas.microsoft.com/office/powerpoint/2010/main" val="493543609"/>
+        <p14:creationId xmlns:p14="http://schemas.microsoft.com/office/powerpoint/2010/main" val="1875893806"/>
       </p:ext>
     </p:extLst>
   </p:cSld>
@@ -9348,7 +9844,15 @@
           <a:p>
             <a:r>
               <a:rPr lang="en-US" dirty="0" smtClean="0"/>
-              <a:t>Searching for Events in Your Code</a:t>
+              <a:t>What is </a:t>
+            </a:r>
+            <a:r>
+              <a:rPr lang="en-US" dirty="0" err="1" smtClean="0"/>
+              <a:t>git</a:t>
+            </a:r>
+            <a:r>
+              <a:rPr lang="en-US" dirty="0" smtClean="0"/>
+              <a:t> bisect?</a:t>
             </a:r>
           </a:p>
           <a:p>
@@ -9378,7 +9882,7 @@
     </p:spTree>
     <p:extLst>
       <p:ext uri="{BB962C8B-B14F-4D97-AF65-F5344CB8AC3E}">
-        <p14:creationId xmlns:p14="http://schemas.microsoft.com/office/powerpoint/2010/main" val="1875893806"/>
+        <p14:creationId xmlns:p14="http://schemas.microsoft.com/office/powerpoint/2010/main" val="1371258636"/>
       </p:ext>
     </p:extLst>
   </p:cSld>
@@ -9422,16 +9926,11 @@
           <a:p>
             <a:r>
               <a:rPr lang="en-US" dirty="0" smtClean="0"/>
-              <a:t>What is </a:t>
-            </a:r>
-            <a:r>
-              <a:rPr lang="en-US" dirty="0" err="1" smtClean="0"/>
-              <a:t>git</a:t>
-            </a:r>
-            <a:r>
-              <a:rPr lang="en-US" dirty="0" smtClean="0"/>
-              <a:t> bisect?</a:t>
-            </a:r>
+              <a:t>Finding the Bug in Our Project</a:t>
+            </a:r>
+          </a:p>
+          <a:p>
+            <a:endParaRPr lang="en-US" dirty="0" smtClean="0"/>
           </a:p>
           <a:p>
             <a:endParaRPr lang="en-US" dirty="0"/>
@@ -9460,7 +9959,7 @@
     </p:spTree>
     <p:extLst>
       <p:ext uri="{BB962C8B-B14F-4D97-AF65-F5344CB8AC3E}">
-        <p14:creationId xmlns:p14="http://schemas.microsoft.com/office/powerpoint/2010/main" val="1371258636"/>
+        <p14:creationId xmlns:p14="http://schemas.microsoft.com/office/powerpoint/2010/main" val="3977652433"/>
       </p:ext>
     </p:extLst>
   </p:cSld>
@@ -9504,11 +10003,8 @@
           <a:p>
             <a:r>
               <a:rPr lang="en-US" dirty="0" smtClean="0"/>
-              <a:t>Finding the Bug in Our Project</a:t>
-            </a:r>
-          </a:p>
-          <a:p>
-            <a:endParaRPr lang="en-US" dirty="0" smtClean="0"/>
+              <a:t>Reverting Commits</a:t>
+            </a:r>
           </a:p>
           <a:p>
             <a:endParaRPr lang="en-US" dirty="0"/>
@@ -9537,7 +10033,7 @@
     </p:spTree>
     <p:extLst>
       <p:ext uri="{BB962C8B-B14F-4D97-AF65-F5344CB8AC3E}">
-        <p14:creationId xmlns:p14="http://schemas.microsoft.com/office/powerpoint/2010/main" val="3977652433"/>
+        <p14:creationId xmlns:p14="http://schemas.microsoft.com/office/powerpoint/2010/main" val="3723020561"/>
       </p:ext>
     </p:extLst>
   </p:cSld>
@@ -9581,7 +10077,7 @@
           <a:p>
             <a:r>
               <a:rPr lang="en-US" dirty="0" smtClean="0"/>
-              <a:t>Reverting Commits</a:t>
+              <a:t>How Commits Are Made</a:t>
             </a:r>
           </a:p>
           <a:p>
@@ -9611,7 +10107,7 @@
     </p:spTree>
     <p:extLst>
       <p:ext uri="{BB962C8B-B14F-4D97-AF65-F5344CB8AC3E}">
-        <p14:creationId xmlns:p14="http://schemas.microsoft.com/office/powerpoint/2010/main" val="3723020561"/>
+        <p14:creationId xmlns:p14="http://schemas.microsoft.com/office/powerpoint/2010/main" val="4178544162"/>
       </p:ext>
     </p:extLst>
   </p:cSld>
@@ -9655,7 +10151,7 @@
           <a:p>
             <a:r>
               <a:rPr lang="en-US" dirty="0" smtClean="0"/>
-              <a:t>How Commits Are Made</a:t>
+              <a:t>Safe Operations</a:t>
             </a:r>
           </a:p>
           <a:p>
@@ -9685,7 +10181,7 @@
     </p:spTree>
     <p:extLst>
       <p:ext uri="{BB962C8B-B14F-4D97-AF65-F5344CB8AC3E}">
-        <p14:creationId xmlns:p14="http://schemas.microsoft.com/office/powerpoint/2010/main" val="4178544162"/>
+        <p14:creationId xmlns:p14="http://schemas.microsoft.com/office/powerpoint/2010/main" val="1780660438"/>
       </p:ext>
     </p:extLst>
   </p:cSld>
@@ -9729,8 +10225,11 @@
           <a:p>
             <a:r>
               <a:rPr lang="en-US" dirty="0" smtClean="0"/>
-              <a:t>Safe Operations</a:t>
-            </a:r>
+              <a:t>Reverting Commits</a:t>
+            </a:r>
+          </a:p>
+          <a:p>
+            <a:endParaRPr lang="en-US" dirty="0" smtClean="0"/>
           </a:p>
           <a:p>
             <a:endParaRPr lang="en-US" dirty="0"/>
@@ -9759,7 +10258,7 @@
     </p:spTree>
     <p:extLst>
       <p:ext uri="{BB962C8B-B14F-4D97-AF65-F5344CB8AC3E}">
-        <p14:creationId xmlns:p14="http://schemas.microsoft.com/office/powerpoint/2010/main" val="1780660438"/>
+        <p14:creationId xmlns:p14="http://schemas.microsoft.com/office/powerpoint/2010/main" val="674809676"/>
       </p:ext>
     </p:extLst>
   </p:cSld>
@@ -10833,7 +11332,6 @@
               <a:rPr lang="en-US" sz="700" dirty="0"/>
               <a:t>Creating a Linear History</a:t>
             </a:r>
-            <a:endParaRPr lang="en-US" sz="700" dirty="0"/>
           </a:p>
         </p:txBody>
       </p:sp>
@@ -10908,11 +11406,16 @@
           <a:p>
             <a:r>
               <a:rPr lang="en-US" dirty="0" smtClean="0"/>
-              <a:t>Reverting Commits</a:t>
-            </a:r>
-          </a:p>
-          <a:p>
-            <a:endParaRPr lang="en-US" dirty="0" smtClean="0"/>
+              <a:t>Helpful </a:t>
+            </a:r>
+            <a:r>
+              <a:rPr lang="en-US" dirty="0" err="1" smtClean="0"/>
+              <a:t>Git</a:t>
+            </a:r>
+            <a:r>
+              <a:rPr lang="en-US" dirty="0" smtClean="0"/>
+              <a:t> Commands</a:t>
+            </a:r>
           </a:p>
           <a:p>
             <a:endParaRPr lang="en-US" dirty="0"/>
@@ -10941,7 +11444,7 @@
     </p:spTree>
     <p:extLst>
       <p:ext uri="{BB962C8B-B14F-4D97-AF65-F5344CB8AC3E}">
-        <p14:creationId xmlns:p14="http://schemas.microsoft.com/office/powerpoint/2010/main" val="674809676"/>
+        <p14:creationId xmlns:p14="http://schemas.microsoft.com/office/powerpoint/2010/main" val="3297397233"/>
       </p:ext>
     </p:extLst>
   </p:cSld>
@@ -10985,16 +11488,13 @@
           <a:p>
             <a:r>
               <a:rPr lang="en-US" dirty="0" smtClean="0"/>
-              <a:t>Helpful </a:t>
+              <a:t>Moving and Renaming Files with </a:t>
             </a:r>
             <a:r>
               <a:rPr lang="en-US" dirty="0" err="1" smtClean="0"/>
               <a:t>Git</a:t>
             </a:r>
-            <a:r>
-              <a:rPr lang="en-US" dirty="0" smtClean="0"/>
-              <a:t> Commands</a:t>
-            </a:r>
+            <a:endParaRPr lang="en-US" dirty="0" smtClean="0"/>
           </a:p>
           <a:p>
             <a:endParaRPr lang="en-US" dirty="0"/>
@@ -11023,7 +11523,7 @@
     </p:spTree>
     <p:extLst>
       <p:ext uri="{BB962C8B-B14F-4D97-AF65-F5344CB8AC3E}">
-        <p14:creationId xmlns:p14="http://schemas.microsoft.com/office/powerpoint/2010/main" val="3297397233"/>
+        <p14:creationId xmlns:p14="http://schemas.microsoft.com/office/powerpoint/2010/main" val="2917085269"/>
       </p:ext>
     </p:extLst>
   </p:cSld>
@@ -11067,12 +11567,10 @@
           <a:p>
             <a:r>
               <a:rPr lang="en-US" dirty="0" smtClean="0"/>
-              <a:t>Moving and Renaming Files with </a:t>
-            </a:r>
-            <a:r>
-              <a:rPr lang="en-US" dirty="0" err="1" smtClean="0"/>
-              <a:t>Git</a:t>
-            </a:r>
+              <a:t>Staging Hunks of Changes</a:t>
+            </a:r>
+          </a:p>
+          <a:p>
             <a:endParaRPr lang="en-US" dirty="0" smtClean="0"/>
           </a:p>
           <a:p>
@@ -11102,7 +11600,7 @@
     </p:spTree>
     <p:extLst>
       <p:ext uri="{BB962C8B-B14F-4D97-AF65-F5344CB8AC3E}">
-        <p14:creationId xmlns:p14="http://schemas.microsoft.com/office/powerpoint/2010/main" val="2917085269"/>
+        <p14:creationId xmlns:p14="http://schemas.microsoft.com/office/powerpoint/2010/main" val="3568907981"/>
       </p:ext>
     </p:extLst>
   </p:cSld>
@@ -11146,11 +11644,8 @@
           <a:p>
             <a:r>
               <a:rPr lang="en-US" dirty="0" smtClean="0"/>
-              <a:t>Staging Hunks of Changes</a:t>
-            </a:r>
-          </a:p>
-          <a:p>
-            <a:endParaRPr lang="en-US" dirty="0" smtClean="0"/>
+              <a:t>Viewing Local Changes</a:t>
+            </a:r>
           </a:p>
           <a:p>
             <a:endParaRPr lang="en-US" dirty="0"/>
@@ -11179,7 +11674,7 @@
     </p:spTree>
     <p:extLst>
       <p:ext uri="{BB962C8B-B14F-4D97-AF65-F5344CB8AC3E}">
-        <p14:creationId xmlns:p14="http://schemas.microsoft.com/office/powerpoint/2010/main" val="3568907981"/>
+        <p14:creationId xmlns:p14="http://schemas.microsoft.com/office/powerpoint/2010/main" val="4033805781"/>
       </p:ext>
     </p:extLst>
   </p:cSld>
@@ -11223,8 +11718,11 @@
           <a:p>
             <a:r>
               <a:rPr lang="en-US" dirty="0" smtClean="0"/>
-              <a:t>Viewing Local Changes</a:t>
-            </a:r>
+              <a:t>Comparing Changes within the Repository</a:t>
+            </a:r>
+          </a:p>
+          <a:p>
+            <a:endParaRPr lang="en-US" dirty="0" smtClean="0"/>
           </a:p>
           <a:p>
             <a:endParaRPr lang="en-US" dirty="0"/>
@@ -11253,7 +11751,7 @@
     </p:spTree>
     <p:extLst>
       <p:ext uri="{BB962C8B-B14F-4D97-AF65-F5344CB8AC3E}">
-        <p14:creationId xmlns:p14="http://schemas.microsoft.com/office/powerpoint/2010/main" val="4033805781"/>
+        <p14:creationId xmlns:p14="http://schemas.microsoft.com/office/powerpoint/2010/main" val="1621288598"/>
       </p:ext>
     </p:extLst>
   </p:cSld>
@@ -11297,11 +11795,8 @@
           <a:p>
             <a:r>
               <a:rPr lang="en-US" dirty="0" smtClean="0"/>
-              <a:t>Comparing Changes within the Repository</a:t>
-            </a:r>
-          </a:p>
-          <a:p>
-            <a:endParaRPr lang="en-US" dirty="0" smtClean="0"/>
+              <a:t>Creating a New Local Repository</a:t>
+            </a:r>
           </a:p>
           <a:p>
             <a:endParaRPr lang="en-US" dirty="0"/>
@@ -11330,7 +11825,7 @@
     </p:spTree>
     <p:extLst>
       <p:ext uri="{BB962C8B-B14F-4D97-AF65-F5344CB8AC3E}">
-        <p14:creationId xmlns:p14="http://schemas.microsoft.com/office/powerpoint/2010/main" val="1621288598"/>
+        <p14:creationId xmlns:p14="http://schemas.microsoft.com/office/powerpoint/2010/main" val="3165264734"/>
       </p:ext>
     </p:extLst>
   </p:cSld>
@@ -11374,8 +11869,11 @@
           <a:p>
             <a:r>
               <a:rPr lang="en-US" dirty="0" smtClean="0"/>
-              <a:t>Creating a New Local Repository</a:t>
-            </a:r>
+              <a:t>Initializing a New Local Repository</a:t>
+            </a:r>
+          </a:p>
+          <a:p>
+            <a:endParaRPr lang="en-US" dirty="0" smtClean="0"/>
           </a:p>
           <a:p>
             <a:endParaRPr lang="en-US" dirty="0"/>
@@ -11404,7 +11902,7 @@
     </p:spTree>
     <p:extLst>
       <p:ext uri="{BB962C8B-B14F-4D97-AF65-F5344CB8AC3E}">
-        <p14:creationId xmlns:p14="http://schemas.microsoft.com/office/powerpoint/2010/main" val="3165264734"/>
+        <p14:creationId xmlns:p14="http://schemas.microsoft.com/office/powerpoint/2010/main" val="213646934"/>
       </p:ext>
     </p:extLst>
   </p:cSld>
@@ -11448,11 +11946,8 @@
           <a:p>
             <a:r>
               <a:rPr lang="en-US" dirty="0" smtClean="0"/>
-              <a:t>Initializing a New Local Repository</a:t>
-            </a:r>
-          </a:p>
-          <a:p>
-            <a:endParaRPr lang="en-US" dirty="0" smtClean="0"/>
+              <a:t>Fixing Commit Mistakes</a:t>
+            </a:r>
           </a:p>
           <a:p>
             <a:endParaRPr lang="en-US" dirty="0"/>
@@ -11481,7 +11976,7 @@
     </p:spTree>
     <p:extLst>
       <p:ext uri="{BB962C8B-B14F-4D97-AF65-F5344CB8AC3E}">
-        <p14:creationId xmlns:p14="http://schemas.microsoft.com/office/powerpoint/2010/main" val="213646934"/>
+        <p14:creationId xmlns:p14="http://schemas.microsoft.com/office/powerpoint/2010/main" val="1048481250"/>
       </p:ext>
     </p:extLst>
   </p:cSld>
@@ -11525,8 +12020,11 @@
           <a:p>
             <a:r>
               <a:rPr lang="en-US" dirty="0" smtClean="0"/>
-              <a:t>Fixing Commit Mistakes</a:t>
-            </a:r>
+              <a:t>Revising Your Last Commit</a:t>
+            </a:r>
+          </a:p>
+          <a:p>
+            <a:endParaRPr lang="en-US" dirty="0" smtClean="0"/>
           </a:p>
           <a:p>
             <a:endParaRPr lang="en-US" dirty="0"/>
@@ -11555,7 +12053,7 @@
     </p:spTree>
     <p:extLst>
       <p:ext uri="{BB962C8B-B14F-4D97-AF65-F5344CB8AC3E}">
-        <p14:creationId xmlns:p14="http://schemas.microsoft.com/office/powerpoint/2010/main" val="1048481250"/>
+        <p14:creationId xmlns:p14="http://schemas.microsoft.com/office/powerpoint/2010/main" val="4264296602"/>
       </p:ext>
     </p:extLst>
   </p:cSld>
@@ -11599,11 +12097,16 @@
           <a:p>
             <a:r>
               <a:rPr lang="en-US" dirty="0" smtClean="0"/>
-              <a:t>Revising Your Last Commit</a:t>
-            </a:r>
-          </a:p>
-          <a:p>
-            <a:endParaRPr lang="en-US" dirty="0" smtClean="0"/>
+              <a:t>Rewriting History with </a:t>
+            </a:r>
+            <a:r>
+              <a:rPr lang="en-US" dirty="0" err="1" smtClean="0"/>
+              <a:t>Git</a:t>
+            </a:r>
+            <a:r>
+              <a:rPr lang="en-US" dirty="0" smtClean="0"/>
+              <a:t> Reset</a:t>
+            </a:r>
           </a:p>
           <a:p>
             <a:endParaRPr lang="en-US" dirty="0"/>
@@ -11632,7 +12135,7 @@
     </p:spTree>
     <p:extLst>
       <p:ext uri="{BB962C8B-B14F-4D97-AF65-F5344CB8AC3E}">
-        <p14:creationId xmlns:p14="http://schemas.microsoft.com/office/powerpoint/2010/main" val="4264296602"/>
+        <p14:creationId xmlns:p14="http://schemas.microsoft.com/office/powerpoint/2010/main" val="2864291666"/>
       </p:ext>
     </p:extLst>
   </p:cSld>
@@ -11766,15 +12269,7 @@
           <a:p>
             <a:r>
               <a:rPr lang="en-US" dirty="0" smtClean="0"/>
-              <a:t>Rewriting History with </a:t>
-            </a:r>
-            <a:r>
-              <a:rPr lang="en-US" dirty="0" err="1" smtClean="0"/>
-              <a:t>Git</a:t>
-            </a:r>
-            <a:r>
-              <a:rPr lang="en-US" dirty="0" smtClean="0"/>
-              <a:t> Reset</a:t>
+              <a:t>Understanding Reset</a:t>
             </a:r>
           </a:p>
           <a:p>
@@ -11804,7 +12299,7 @@
     </p:spTree>
     <p:extLst>
       <p:ext uri="{BB962C8B-B14F-4D97-AF65-F5344CB8AC3E}">
-        <p14:creationId xmlns:p14="http://schemas.microsoft.com/office/powerpoint/2010/main" val="2864291666"/>
+        <p14:creationId xmlns:p14="http://schemas.microsoft.com/office/powerpoint/2010/main" val="1925806125"/>
       </p:ext>
     </p:extLst>
   </p:cSld>
@@ -11848,7 +12343,7 @@
           <a:p>
             <a:r>
               <a:rPr lang="en-US" dirty="0" smtClean="0"/>
-              <a:t>Understanding Reset</a:t>
+              <a:t>Reset Modes</a:t>
             </a:r>
           </a:p>
           <a:p>
@@ -11878,7 +12373,7 @@
     </p:spTree>
     <p:extLst>
       <p:ext uri="{BB962C8B-B14F-4D97-AF65-F5344CB8AC3E}">
-        <p14:creationId xmlns:p14="http://schemas.microsoft.com/office/powerpoint/2010/main" val="1925806125"/>
+        <p14:creationId xmlns:p14="http://schemas.microsoft.com/office/powerpoint/2010/main" val="775940764"/>
       </p:ext>
     </p:extLst>
   </p:cSld>
@@ -11922,7 +12417,7 @@
           <a:p>
             <a:r>
               <a:rPr lang="en-US" dirty="0" smtClean="0"/>
-              <a:t>Reset Modes</a:t>
+              <a:t>Reset Soft</a:t>
             </a:r>
           </a:p>
           <a:p>
@@ -11952,7 +12447,7 @@
     </p:spTree>
     <p:extLst>
       <p:ext uri="{BB962C8B-B14F-4D97-AF65-F5344CB8AC3E}">
-        <p14:creationId xmlns:p14="http://schemas.microsoft.com/office/powerpoint/2010/main" val="775940764"/>
+        <p14:creationId xmlns:p14="http://schemas.microsoft.com/office/powerpoint/2010/main" val="2980060947"/>
       </p:ext>
     </p:extLst>
   </p:cSld>
@@ -11996,7 +12491,7 @@
           <a:p>
             <a:r>
               <a:rPr lang="en-US" dirty="0" smtClean="0"/>
-              <a:t>Reset Soft</a:t>
+              <a:t>Reset Mixed</a:t>
             </a:r>
           </a:p>
           <a:p>
@@ -12026,7 +12521,7 @@
     </p:spTree>
     <p:extLst>
       <p:ext uri="{BB962C8B-B14F-4D97-AF65-F5344CB8AC3E}">
-        <p14:creationId xmlns:p14="http://schemas.microsoft.com/office/powerpoint/2010/main" val="2980060947"/>
+        <p14:creationId xmlns:p14="http://schemas.microsoft.com/office/powerpoint/2010/main" val="135538285"/>
       </p:ext>
     </p:extLst>
   </p:cSld>
@@ -12070,7 +12565,7 @@
           <a:p>
             <a:r>
               <a:rPr lang="en-US" dirty="0" smtClean="0"/>
-              <a:t>Reset Mixed</a:t>
+              <a:t>Reset Hard</a:t>
             </a:r>
           </a:p>
           <a:p>
@@ -12100,7 +12595,7 @@
     </p:spTree>
     <p:extLst>
       <p:ext uri="{BB962C8B-B14F-4D97-AF65-F5344CB8AC3E}">
-        <p14:creationId xmlns:p14="http://schemas.microsoft.com/office/powerpoint/2010/main" val="135538285"/>
+        <p14:creationId xmlns:p14="http://schemas.microsoft.com/office/powerpoint/2010/main" val="3553184287"/>
       </p:ext>
     </p:extLst>
   </p:cSld>
@@ -12144,8 +12639,11 @@
           <a:p>
             <a:r>
               <a:rPr lang="en-US" dirty="0" smtClean="0"/>
-              <a:t>Reset Hard</a:t>
-            </a:r>
+              <a:t>Does Gone Really Mean Gone?</a:t>
+            </a:r>
+          </a:p>
+          <a:p>
+            <a:endParaRPr lang="en-US" dirty="0" smtClean="0"/>
           </a:p>
           <a:p>
             <a:endParaRPr lang="en-US" dirty="0"/>
@@ -12174,7 +12672,7 @@
     </p:spTree>
     <p:extLst>
       <p:ext uri="{BB962C8B-B14F-4D97-AF65-F5344CB8AC3E}">
-        <p14:creationId xmlns:p14="http://schemas.microsoft.com/office/powerpoint/2010/main" val="3553184287"/>
+        <p14:creationId xmlns:p14="http://schemas.microsoft.com/office/powerpoint/2010/main" val="317501530"/>
       </p:ext>
     </p:extLst>
   </p:cSld>
@@ -12218,11 +12716,8 @@
           <a:p>
             <a:r>
               <a:rPr lang="en-US" dirty="0" smtClean="0"/>
-              <a:t>Does Gone Really Mean Gone?</a:t>
-            </a:r>
-          </a:p>
-          <a:p>
-            <a:endParaRPr lang="en-US" dirty="0" smtClean="0"/>
+              <a:t>Getting it Back</a:t>
+            </a:r>
           </a:p>
           <a:p>
             <a:endParaRPr lang="en-US" dirty="0"/>
@@ -12251,7 +12746,7 @@
     </p:spTree>
     <p:extLst>
       <p:ext uri="{BB962C8B-B14F-4D97-AF65-F5344CB8AC3E}">
-        <p14:creationId xmlns:p14="http://schemas.microsoft.com/office/powerpoint/2010/main" val="317501530"/>
+        <p14:creationId xmlns:p14="http://schemas.microsoft.com/office/powerpoint/2010/main" val="1260059258"/>
       </p:ext>
     </p:extLst>
   </p:cSld>
@@ -12295,7 +12790,7 @@
           <a:p>
             <a:r>
               <a:rPr lang="en-US" dirty="0" smtClean="0"/>
-              <a:t>Getting it Back</a:t>
+              <a:t>You Just Want That One Commit</a:t>
             </a:r>
           </a:p>
           <a:p>
@@ -12325,7 +12820,7 @@
     </p:spTree>
     <p:extLst>
       <p:ext uri="{BB962C8B-B14F-4D97-AF65-F5344CB8AC3E}">
-        <p14:creationId xmlns:p14="http://schemas.microsoft.com/office/powerpoint/2010/main" val="1260059258"/>
+        <p14:creationId xmlns:p14="http://schemas.microsoft.com/office/powerpoint/2010/main" val="1378322444"/>
       </p:ext>
     </p:extLst>
   </p:cSld>
@@ -12369,8 +12864,11 @@
           <a:p>
             <a:r>
               <a:rPr lang="en-US" dirty="0" smtClean="0"/>
-              <a:t>You Just Want That One Commit</a:t>
-            </a:r>
+              <a:t>Oops, I Didn’t Mean to Reset</a:t>
+            </a:r>
+          </a:p>
+          <a:p>
+            <a:endParaRPr lang="en-US" dirty="0" smtClean="0"/>
           </a:p>
           <a:p>
             <a:endParaRPr lang="en-US" dirty="0"/>
@@ -12399,7 +12897,7 @@
     </p:spTree>
     <p:extLst>
       <p:ext uri="{BB962C8B-B14F-4D97-AF65-F5344CB8AC3E}">
-        <p14:creationId xmlns:p14="http://schemas.microsoft.com/office/powerpoint/2010/main" val="1378322444"/>
+        <p14:creationId xmlns:p14="http://schemas.microsoft.com/office/powerpoint/2010/main" val="1433208425"/>
       </p:ext>
     </p:extLst>
   </p:cSld>
@@ -12443,11 +12941,8 @@
           <a:p>
             <a:r>
               <a:rPr lang="en-US" dirty="0" smtClean="0"/>
-              <a:t>Oops, I Didn’t Mean to Reset</a:t>
-            </a:r>
-          </a:p>
-          <a:p>
-            <a:endParaRPr lang="en-US" dirty="0" smtClean="0"/>
+              <a:t>Merge Strategies: Rebase</a:t>
+            </a:r>
           </a:p>
           <a:p>
             <a:endParaRPr lang="en-US" dirty="0"/>
@@ -12476,7 +12971,7 @@
     </p:spTree>
     <p:extLst>
       <p:ext uri="{BB962C8B-B14F-4D97-AF65-F5344CB8AC3E}">
-        <p14:creationId xmlns:p14="http://schemas.microsoft.com/office/powerpoint/2010/main" val="1433208425"/>
+        <p14:creationId xmlns:p14="http://schemas.microsoft.com/office/powerpoint/2010/main" val="229526841"/>
       </p:ext>
     </p:extLst>
   </p:cSld>
@@ -12596,7 +13091,15 @@
           <a:p>
             <a:r>
               <a:rPr lang="en-US" dirty="0" smtClean="0"/>
-              <a:t>Merge Strategies: Rebase</a:t>
+              <a:t>About </a:t>
+            </a:r>
+            <a:r>
+              <a:rPr lang="en-US" dirty="0" err="1" smtClean="0"/>
+              <a:t>Git</a:t>
+            </a:r>
+            <a:r>
+              <a:rPr lang="en-US" dirty="0" smtClean="0"/>
+              <a:t> rebase</a:t>
             </a:r>
           </a:p>
           <a:p>
@@ -12626,7 +13129,7 @@
     </p:spTree>
     <p:extLst>
       <p:ext uri="{BB962C8B-B14F-4D97-AF65-F5344CB8AC3E}">
-        <p14:creationId xmlns:p14="http://schemas.microsoft.com/office/powerpoint/2010/main" val="229526841"/>
+        <p14:creationId xmlns:p14="http://schemas.microsoft.com/office/powerpoint/2010/main" val="2217509356"/>
       </p:ext>
     </p:extLst>
   </p:cSld>
@@ -12670,7 +13173,7 @@
           <a:p>
             <a:r>
               <a:rPr lang="en-US" dirty="0" smtClean="0"/>
-              <a:t>About </a:t>
+              <a:t>Understanding </a:t>
             </a:r>
             <a:r>
               <a:rPr lang="en-US" dirty="0" err="1" smtClean="0"/>
@@ -12678,7 +13181,7 @@
             </a:r>
             <a:r>
               <a:rPr lang="en-US" dirty="0" smtClean="0"/>
-              <a:t> rebase</a:t>
+              <a:t> Merge Strategies</a:t>
             </a:r>
           </a:p>
           <a:p>
@@ -12708,7 +13211,7 @@
     </p:spTree>
     <p:extLst>
       <p:ext uri="{BB962C8B-B14F-4D97-AF65-F5344CB8AC3E}">
-        <p14:creationId xmlns:p14="http://schemas.microsoft.com/office/powerpoint/2010/main" val="2217509356"/>
+        <p14:creationId xmlns:p14="http://schemas.microsoft.com/office/powerpoint/2010/main" val="1821902792"/>
       </p:ext>
     </p:extLst>
   </p:cSld>
@@ -12752,88 +13255,6 @@
           <a:p>
             <a:r>
               <a:rPr lang="en-US" dirty="0" smtClean="0"/>
-              <a:t>Understanding </a:t>
-            </a:r>
-            <a:r>
-              <a:rPr lang="en-US" dirty="0" err="1" smtClean="0"/>
-              <a:t>Git</a:t>
-            </a:r>
-            <a:r>
-              <a:rPr lang="en-US" dirty="0" smtClean="0"/>
-              <a:t> Merge Strategies</a:t>
-            </a:r>
-          </a:p>
-          <a:p>
-            <a:endParaRPr lang="en-US" dirty="0"/>
-          </a:p>
-        </p:txBody>
-      </p:sp>
-      <p:sp>
-        <p:nvSpPr>
-          <p:cNvPr id="3" name="Text Placeholder 2"/>
-          <p:cNvSpPr>
-            <a:spLocks noGrp="1"/>
-          </p:cNvSpPr>
-          <p:nvPr>
-            <p:ph type="body" sz="quarter" idx="10"/>
-          </p:nvPr>
-        </p:nvSpPr>
-        <p:spPr/>
-        <p:txBody>
-          <a:bodyPr/>
-          <a:lstStyle/>
-          <a:p>
-            <a:endParaRPr lang="en-US"/>
-          </a:p>
-        </p:txBody>
-      </p:sp>
-    </p:spTree>
-    <p:extLst>
-      <p:ext uri="{BB962C8B-B14F-4D97-AF65-F5344CB8AC3E}">
-        <p14:creationId xmlns:p14="http://schemas.microsoft.com/office/powerpoint/2010/main" val="1821902792"/>
-      </p:ext>
-    </p:extLst>
-  </p:cSld>
-  <p:clrMapOvr>
-    <a:masterClrMapping/>
-  </p:clrMapOvr>
-</p:sld>
-</file>
-
-<file path=ppt/slides/slide93.xml><?xml version="1.0" encoding="utf-8"?>
-<p:sld xmlns:a="http://schemas.openxmlformats.org/drawingml/2006/main" xmlns:r="http://schemas.openxmlformats.org/officeDocument/2006/relationships" xmlns:p="http://schemas.openxmlformats.org/presentationml/2006/main">
-  <p:cSld>
-    <p:spTree>
-      <p:nvGrpSpPr>
-        <p:cNvPr id="1" name=""/>
-        <p:cNvGrpSpPr/>
-        <p:nvPr/>
-      </p:nvGrpSpPr>
-      <p:grpSpPr>
-        <a:xfrm>
-          <a:off x="0" y="0"/>
-          <a:ext cx="0" cy="0"/>
-          <a:chOff x="0" y="0"/>
-          <a:chExt cx="0" cy="0"/>
-        </a:xfrm>
-      </p:grpSpPr>
-      <p:sp>
-        <p:nvSpPr>
-          <p:cNvPr id="2" name="Title 1"/>
-          <p:cNvSpPr>
-            <a:spLocks noGrp="1"/>
-          </p:cNvSpPr>
-          <p:nvPr>
-            <p:ph type="title"/>
-          </p:nvPr>
-        </p:nvSpPr>
-        <p:spPr/>
-        <p:txBody>
-          <a:bodyPr/>
-          <a:lstStyle/>
-          <a:p>
-            <a:r>
-              <a:rPr lang="en-US" dirty="0" smtClean="0"/>
               <a:t>Creating a Linear History</a:t>
             </a:r>
             <a:endParaRPr lang="en-US" dirty="0"/>
@@ -12872,7 +13293,7 @@
 </p:sld>
 </file>
 
-<file path=ppt/slides/slide94.xml><?xml version="1.0" encoding="utf-8"?>
+<file path=ppt/slides/slide93.xml><?xml version="1.0" encoding="utf-8"?>
 <p:sld xmlns:a="http://schemas.openxmlformats.org/drawingml/2006/main" xmlns:r="http://schemas.openxmlformats.org/officeDocument/2006/relationships" xmlns:p="http://schemas.openxmlformats.org/presentationml/2006/main">
   <p:cSld>
     <p:spTree>

--- a/ppt/XGHDEV.pptx
+++ b/ppt/XGHDEV.pptx
@@ -5,10 +5,10 @@
     <p:sldMasterId id="2147483660" r:id="rId4"/>
   </p:sldMasterIdLst>
   <p:notesMasterIdLst>
-    <p:notesMasterId r:id="rId99"/>
+    <p:notesMasterId r:id="rId92"/>
   </p:notesMasterIdLst>
   <p:handoutMasterIdLst>
-    <p:handoutMasterId r:id="rId100"/>
+    <p:handoutMasterId r:id="rId93"/>
   </p:handoutMasterIdLst>
   <p:sldIdLst>
     <p:sldId id="529" r:id="rId5"/>
@@ -63,48 +63,41 @@
     <p:sldId id="574" r:id="rId54"/>
     <p:sldId id="575" r:id="rId55"/>
     <p:sldId id="576" r:id="rId56"/>
-    <p:sldId id="577" r:id="rId57"/>
-    <p:sldId id="578" r:id="rId58"/>
-    <p:sldId id="579" r:id="rId59"/>
-    <p:sldId id="580" r:id="rId60"/>
-    <p:sldId id="581" r:id="rId61"/>
-    <p:sldId id="582" r:id="rId62"/>
-    <p:sldId id="583" r:id="rId63"/>
-    <p:sldId id="584" r:id="rId64"/>
-    <p:sldId id="585" r:id="rId65"/>
-    <p:sldId id="586" r:id="rId66"/>
-    <p:sldId id="587" r:id="rId67"/>
-    <p:sldId id="588" r:id="rId68"/>
-    <p:sldId id="589" r:id="rId69"/>
-    <p:sldId id="590" r:id="rId70"/>
-    <p:sldId id="591" r:id="rId71"/>
-    <p:sldId id="592" r:id="rId72"/>
-    <p:sldId id="593" r:id="rId73"/>
-    <p:sldId id="594" r:id="rId74"/>
-    <p:sldId id="595" r:id="rId75"/>
-    <p:sldId id="596" r:id="rId76"/>
-    <p:sldId id="597" r:id="rId77"/>
-    <p:sldId id="598" r:id="rId78"/>
-    <p:sldId id="599" r:id="rId79"/>
-    <p:sldId id="600" r:id="rId80"/>
-    <p:sldId id="601" r:id="rId81"/>
-    <p:sldId id="602" r:id="rId82"/>
-    <p:sldId id="603" r:id="rId83"/>
-    <p:sldId id="604" r:id="rId84"/>
-    <p:sldId id="605" r:id="rId85"/>
-    <p:sldId id="606" r:id="rId86"/>
-    <p:sldId id="607" r:id="rId87"/>
-    <p:sldId id="608" r:id="rId88"/>
-    <p:sldId id="609" r:id="rId89"/>
-    <p:sldId id="610" r:id="rId90"/>
-    <p:sldId id="611" r:id="rId91"/>
-    <p:sldId id="612" r:id="rId92"/>
-    <p:sldId id="613" r:id="rId93"/>
-    <p:sldId id="614" r:id="rId94"/>
-    <p:sldId id="615" r:id="rId95"/>
-    <p:sldId id="616" r:id="rId96"/>
-    <p:sldId id="617" r:id="rId97"/>
-    <p:sldId id="340" r:id="rId98"/>
+    <p:sldId id="578" r:id="rId57"/>
+    <p:sldId id="580" r:id="rId58"/>
+    <p:sldId id="581" r:id="rId59"/>
+    <p:sldId id="582" r:id="rId60"/>
+    <p:sldId id="583" r:id="rId61"/>
+    <p:sldId id="584" r:id="rId62"/>
+    <p:sldId id="585" r:id="rId63"/>
+    <p:sldId id="586" r:id="rId64"/>
+    <p:sldId id="588" r:id="rId65"/>
+    <p:sldId id="589" r:id="rId66"/>
+    <p:sldId id="591" r:id="rId67"/>
+    <p:sldId id="592" r:id="rId68"/>
+    <p:sldId id="593" r:id="rId69"/>
+    <p:sldId id="594" r:id="rId70"/>
+    <p:sldId id="595" r:id="rId71"/>
+    <p:sldId id="596" r:id="rId72"/>
+    <p:sldId id="598" r:id="rId73"/>
+    <p:sldId id="600" r:id="rId74"/>
+    <p:sldId id="602" r:id="rId75"/>
+    <p:sldId id="603" r:id="rId76"/>
+    <p:sldId id="604" r:id="rId77"/>
+    <p:sldId id="605" r:id="rId78"/>
+    <p:sldId id="606" r:id="rId79"/>
+    <p:sldId id="607" r:id="rId80"/>
+    <p:sldId id="608" r:id="rId81"/>
+    <p:sldId id="609" r:id="rId82"/>
+    <p:sldId id="610" r:id="rId83"/>
+    <p:sldId id="611" r:id="rId84"/>
+    <p:sldId id="612" r:id="rId85"/>
+    <p:sldId id="613" r:id="rId86"/>
+    <p:sldId id="614" r:id="rId87"/>
+    <p:sldId id="615" r:id="rId88"/>
+    <p:sldId id="616" r:id="rId89"/>
+    <p:sldId id="617" r:id="rId90"/>
+    <p:sldId id="340" r:id="rId91"/>
   </p:sldIdLst>
   <p:sldSz cx="12192000" cy="6858000"/>
   <p:notesSz cx="9309100" cy="7053263"/>
@@ -330,9 +323,7 @@
         </p14:section>
         <p14:section name="Untitled Section" id="{2BC59CD6-F524-4BA6-9C6B-F7D22B2BD690}">
           <p14:sldIdLst>
-            <p14:sldId id="577"/>
             <p14:sldId id="578"/>
-            <p14:sldId id="579"/>
             <p14:sldId id="580"/>
             <p14:sldId id="581"/>
             <p14:sldId id="582"/>
@@ -348,14 +339,12 @@
           <p14:sldIdLst>
             <p14:sldId id="585"/>
             <p14:sldId id="586"/>
-            <p14:sldId id="587"/>
           </p14:sldIdLst>
         </p14:section>
         <p14:section name="Untitled Section" id="{988A1EBB-382A-4E1A-B2BB-EF5B18536D0B}">
           <p14:sldIdLst>
             <p14:sldId id="588"/>
             <p14:sldId id="589"/>
-            <p14:sldId id="590"/>
           </p14:sldIdLst>
         </p14:section>
         <p14:section name="Untitled Section" id="{C527B722-A7AC-4B27-BC9F-0C7B0550B196}">
@@ -370,15 +359,12 @@
           <p14:sldIdLst>
             <p14:sldId id="595"/>
             <p14:sldId id="596"/>
-            <p14:sldId id="597"/>
           </p14:sldIdLst>
         </p14:section>
         <p14:section name="Untitled Section" id="{C5ACDF26-9607-41A6-A287-851B7D7C4808}">
           <p14:sldIdLst>
             <p14:sldId id="598"/>
-            <p14:sldId id="599"/>
             <p14:sldId id="600"/>
-            <p14:sldId id="601"/>
             <p14:sldId id="602"/>
             <p14:sldId id="603"/>
             <p14:sldId id="604"/>
@@ -1647,7 +1633,7 @@
               <a:pPr>
                 <a:defRPr/>
               </a:pPr>
-              <a:t>94</a:t>
+              <a:t>87</a:t>
             </a:fld>
             <a:endParaRPr lang="en-US"/>
           </a:p>
@@ -2104,36 +2090,6 @@
           </a:p>
         </p:txBody>
       </p:sp>
-      <p:pic>
-        <p:nvPicPr>
-          <p:cNvPr id="3" name="Picture 2"/>
-          <p:cNvPicPr>
-            <a:picLocks noChangeAspect="1"/>
-          </p:cNvPicPr>
-          <p:nvPr userDrawn="1"/>
-        </p:nvPicPr>
-        <p:blipFill>
-          <a:blip r:embed="rId2">
-            <a:extLst>
-              <a:ext uri="{28A0092B-C50C-407E-A947-70E740481C1C}">
-                <a14:useLocalDpi xmlns:a14="http://schemas.microsoft.com/office/drawing/2010/main" val="0"/>
-              </a:ext>
-            </a:extLst>
-          </a:blip>
-          <a:stretch>
-            <a:fillRect/>
-          </a:stretch>
-        </p:blipFill>
-        <p:spPr>
-          <a:xfrm>
-            <a:off x="838200" y="914400"/>
-            <a:ext cx="3178629" cy="661042"/>
-          </a:xfrm>
-          <a:prstGeom prst="rect">
-            <a:avLst/>
-          </a:prstGeom>
-        </p:spPr>
-      </p:pic>
     </p:spTree>
     <p:extLst>
       <p:ext uri="{BB962C8B-B14F-4D97-AF65-F5344CB8AC3E}">
@@ -6337,7 +6293,47 @@
           <a:bodyPr/>
           <a:lstStyle/>
           <a:p>
-            <a:endParaRPr lang="en-US"/>
+            <a:r>
+              <a:rPr lang="en-US" sz="1600" dirty="0"/>
+              <a:t>1. Create a new file with the following file name YOUR-USERNAME-YOUR-HOMETOWN.md.</a:t>
+            </a:r>
+          </a:p>
+          <a:p>
+            <a:r>
+              <a:rPr lang="en-US" sz="1600" dirty="0"/>
+              <a:t>For example, githubteacher-san-francisco.md.</a:t>
+            </a:r>
+          </a:p>
+          <a:p>
+            <a:r>
+              <a:rPr lang="en-US" sz="1600" dirty="0"/>
+              <a:t>2. Add a skeleton for your file with the following lines:</a:t>
+            </a:r>
+          </a:p>
+          <a:p>
+            <a:r>
+              <a:rPr lang="en-US" sz="1600" dirty="0"/>
+              <a:t>3. # HOMETOWN recommendations</a:t>
+            </a:r>
+          </a:p>
+          <a:p>
+            <a:r>
+              <a:rPr lang="en-US" sz="1600" dirty="0"/>
+              <a:t>4. ## Great Places to Eat</a:t>
+            </a:r>
+          </a:p>
+          <a:p>
+            <a:r>
+              <a:rPr lang="en-US" sz="1600" dirty="0"/>
+              <a:t>5. ## Fun Things to Do</a:t>
+            </a:r>
+          </a:p>
+          <a:p>
+            <a:r>
+              <a:rPr lang="en-US" sz="1600" dirty="0"/>
+              <a:t>6. Save your file.</a:t>
+            </a:r>
+            <a:endParaRPr lang="en-US" sz="1600" dirty="0"/>
           </a:p>
         </p:txBody>
       </p:sp>
@@ -6411,10 +6407,66 @@
           <a:bodyPr/>
           <a:lstStyle/>
           <a:p>
-            <a:endParaRPr lang="en-US"/>
-          </a:p>
-        </p:txBody>
-      </p:sp>
+            <a:r>
+              <a:rPr lang="en-SE" dirty="0" smtClean="0"/>
+              <a:t>Files are:</a:t>
+            </a:r>
+          </a:p>
+          <a:p>
+            <a:pPr lvl="1"/>
+            <a:r>
+              <a:rPr lang="en-SE" dirty="0" smtClean="0"/>
+              <a:t>Untracked</a:t>
+            </a:r>
+          </a:p>
+          <a:p>
+            <a:pPr lvl="1"/>
+            <a:r>
+              <a:rPr lang="en-SE" dirty="0" smtClean="0"/>
+              <a:t>Modified</a:t>
+            </a:r>
+          </a:p>
+          <a:p>
+            <a:pPr lvl="1"/>
+            <a:r>
+              <a:rPr lang="en-SE" dirty="0" smtClean="0"/>
+              <a:t>Staged</a:t>
+            </a:r>
+          </a:p>
+          <a:p>
+            <a:pPr lvl="1"/>
+            <a:r>
+              <a:rPr lang="en-SE" dirty="0" smtClean="0"/>
+              <a:t>Committed</a:t>
+            </a:r>
+            <a:endParaRPr lang="en-US" dirty="0"/>
+          </a:p>
+        </p:txBody>
+      </p:sp>
+      <p:pic>
+        <p:nvPicPr>
+          <p:cNvPr id="4" name="Picture 3"/>
+          <p:cNvPicPr>
+            <a:picLocks noChangeAspect="1"/>
+          </p:cNvPicPr>
+          <p:nvPr/>
+        </p:nvPicPr>
+        <p:blipFill>
+          <a:blip r:embed="rId2"/>
+          <a:stretch>
+            <a:fillRect/>
+          </a:stretch>
+        </p:blipFill>
+        <p:spPr>
+          <a:xfrm>
+            <a:off x="4038600" y="1295400"/>
+            <a:ext cx="7763958" cy="3172268"/>
+          </a:xfrm>
+          <a:prstGeom prst="rect">
+            <a:avLst/>
+          </a:prstGeom>
+        </p:spPr>
+      </p:pic>
     </p:spTree>
     <p:extLst>
       <p:ext uri="{BB962C8B-B14F-4D97-AF65-F5344CB8AC3E}">
@@ -6470,25 +6522,6 @@
           </a:p>
         </p:txBody>
       </p:sp>
-      <p:sp>
-        <p:nvSpPr>
-          <p:cNvPr id="3" name="Text Placeholder 2"/>
-          <p:cNvSpPr>
-            <a:spLocks noGrp="1"/>
-          </p:cNvSpPr>
-          <p:nvPr>
-            <p:ph type="body" sz="quarter" idx="10"/>
-          </p:nvPr>
-        </p:nvSpPr>
-        <p:spPr/>
-        <p:txBody>
-          <a:bodyPr/>
-          <a:lstStyle/>
-          <a:p>
-            <a:endParaRPr lang="en-US"/>
-          </a:p>
-        </p:txBody>
-      </p:sp>
     </p:spTree>
     <p:extLst>
       <p:ext uri="{BB962C8B-B14F-4D97-AF65-F5344CB8AC3E}">
@@ -6633,7 +6666,77 @@
           <a:bodyPr/>
           <a:lstStyle/>
           <a:p>
-            <a:endParaRPr lang="en-US"/>
+            <a:r>
+              <a:rPr lang="en-US" sz="1200" dirty="0"/>
+              <a:t>1. Click the Pull Request tab.</a:t>
+            </a:r>
+          </a:p>
+          <a:p>
+            <a:r>
+              <a:rPr lang="en-US" sz="1200" dirty="0"/>
+              <a:t>2. Click New Pull Request.</a:t>
+            </a:r>
+          </a:p>
+          <a:p>
+            <a:r>
+              <a:rPr lang="en-US" sz="1200" dirty="0"/>
+              <a:t>3. In the base dropdown, choose master</a:t>
+            </a:r>
+          </a:p>
+          <a:p>
+            <a:r>
+              <a:rPr lang="en-US" sz="1200" dirty="0"/>
+              <a:t>4. In the compare dropdown, choose your branch.</a:t>
+            </a:r>
+          </a:p>
+          <a:p>
+            <a:r>
+              <a:rPr lang="en-US" sz="1200" dirty="0"/>
+              <a:t>5. Type a subject line and enter a comment.</a:t>
+            </a:r>
+          </a:p>
+          <a:p>
+            <a:r>
+              <a:rPr lang="en-US" sz="1200" dirty="0"/>
+              <a:t>6. Use markdown formatting to add a header and a checklist to your Pull Request.</a:t>
+            </a:r>
+          </a:p>
+          <a:p>
+            <a:r>
+              <a:rPr lang="en-US" sz="1200" dirty="0"/>
+              <a:t>7. Include one of the keywords: closes, fixes, or resolves followed by the issue number</a:t>
+            </a:r>
+          </a:p>
+          <a:p>
+            <a:r>
+              <a:rPr lang="en-US" sz="1200" dirty="0"/>
+              <a:t>you created earlier to note which Issue the Pull Request should close. Example: This</a:t>
+            </a:r>
+          </a:p>
+          <a:p>
+            <a:r>
+              <a:rPr lang="en-US" sz="1200" dirty="0"/>
+              <a:t>resolves #3</a:t>
+            </a:r>
+          </a:p>
+          <a:p>
+            <a:r>
+              <a:rPr lang="en-US" sz="1200" dirty="0"/>
+              <a:t>8. Click Preview to see how your Pull Request will look.</a:t>
+            </a:r>
+          </a:p>
+          <a:p>
+            <a:r>
+              <a:rPr lang="en-US" sz="1200" dirty="0"/>
+              <a:t>9. Assign the Pull Request to yourself.</a:t>
+            </a:r>
+          </a:p>
+          <a:p>
+            <a:r>
+              <a:rPr lang="en-US" sz="1200" dirty="0"/>
+              <a:t>10. Click Create pull request.</a:t>
+            </a:r>
+            <a:endParaRPr lang="en-US" sz="1200" dirty="0"/>
           </a:p>
         </p:txBody>
       </p:sp>
@@ -6707,7 +6810,23 @@
           <a:bodyPr/>
           <a:lstStyle/>
           <a:p>
-            <a:endParaRPr lang="en-US"/>
+            <a:r>
+              <a:rPr lang="en-US" dirty="0"/>
+              <a:t>Conversation view</a:t>
+            </a:r>
+          </a:p>
+          <a:p>
+            <a:r>
+              <a:rPr lang="en-US" dirty="0"/>
+              <a:t>Commits view</a:t>
+            </a:r>
+          </a:p>
+          <a:p>
+            <a:r>
+              <a:rPr lang="en-US" dirty="0"/>
+              <a:t>Files changed view</a:t>
+            </a:r>
+            <a:endParaRPr lang="en-US" dirty="0"/>
           </a:p>
         </p:txBody>
       </p:sp>
@@ -7327,7 +7446,71 @@
           <a:bodyPr/>
           <a:lstStyle/>
           <a:p>
-            <a:endParaRPr lang="en-US"/>
+            <a:r>
+              <a:rPr lang="en-US" sz="1400" dirty="0"/>
+              <a:t>1. Click the Pull Request tab.</a:t>
+            </a:r>
+          </a:p>
+          <a:p>
+            <a:r>
+              <a:rPr lang="en-US" sz="1400" dirty="0"/>
+              <a:t>2. Use the Author drop down to locate your partner’s pull request.</a:t>
+            </a:r>
+          </a:p>
+          <a:p>
+            <a:r>
+              <a:rPr lang="en-US" sz="1400" dirty="0"/>
+              <a:t>3. Click Files Changed.</a:t>
+            </a:r>
+          </a:p>
+          <a:p>
+            <a:r>
+              <a:rPr lang="en-US" sz="1400" dirty="0"/>
+              <a:t>4. Hover over a single line in the file to see the blue +. Click the + to add a line comment.</a:t>
+            </a:r>
+          </a:p>
+          <a:p>
+            <a:r>
+              <a:rPr lang="en-US" sz="1400" dirty="0"/>
+              <a:t>5. Comment on the line and click Start review.</a:t>
+            </a:r>
+          </a:p>
+          <a:p>
+            <a:r>
+              <a:rPr lang="en-US" sz="1400" dirty="0"/>
+              <a:t>6. Repeat these steps to add 2-3 comments on the file.</a:t>
+            </a:r>
+          </a:p>
+          <a:p>
+            <a:r>
+              <a:rPr lang="en-US" sz="1400" dirty="0"/>
+              <a:t>7. Click Review in the top right corner.</a:t>
+            </a:r>
+          </a:p>
+          <a:p>
+            <a:r>
+              <a:rPr lang="en-US" sz="1400" dirty="0"/>
+              <a:t>8. Choose whether to Approve or Request changes</a:t>
+            </a:r>
+          </a:p>
+          <a:p>
+            <a:r>
+              <a:rPr lang="en-US" sz="1400" dirty="0"/>
+              <a:t>9. Enter a general comment for the review.</a:t>
+            </a:r>
+          </a:p>
+          <a:p>
+            <a:r>
+              <a:rPr lang="en-US" sz="1400" dirty="0"/>
+              <a:t>10. Click Submit review</a:t>
+            </a:r>
+          </a:p>
+          <a:p>
+            <a:r>
+              <a:rPr lang="en-US" sz="1400" dirty="0"/>
+              <a:t>11. Click the Conversation view to check out your completed review.</a:t>
+            </a:r>
+            <a:endParaRPr lang="en-US" sz="1400" dirty="0"/>
           </a:p>
         </p:txBody>
       </p:sp>
@@ -7386,25 +7569,6 @@
           </a:p>
         </p:txBody>
       </p:sp>
-      <p:sp>
-        <p:nvSpPr>
-          <p:cNvPr id="3" name="Text Placeholder 2"/>
-          <p:cNvSpPr>
-            <a:spLocks noGrp="1"/>
-          </p:cNvSpPr>
-          <p:nvPr>
-            <p:ph type="body" sz="quarter" idx="10"/>
-          </p:nvPr>
-        </p:nvSpPr>
-        <p:spPr/>
-        <p:txBody>
-          <a:bodyPr/>
-          <a:lstStyle/>
-          <a:p>
-            <a:endParaRPr lang="en-US"/>
-          </a:p>
-        </p:txBody>
-      </p:sp>
     </p:spTree>
     <p:extLst>
       <p:ext uri="{BB962C8B-B14F-4D97-AF65-F5344CB8AC3E}">
@@ -7475,7 +7639,49 @@
           <a:bodyPr/>
           <a:lstStyle/>
           <a:p>
-            <a:endParaRPr lang="en-US"/>
+            <a:r>
+              <a:rPr lang="en-US" dirty="0"/>
+              <a:t>1. Click the pencil icon in the top right corner of the diff to edit the file using the GitHub </a:t>
+            </a:r>
+            <a:r>
+              <a:rPr lang="en-US" dirty="0" smtClean="0"/>
+              <a:t>file</a:t>
+            </a:r>
+            <a:r>
+              <a:rPr lang="en-SE" dirty="0" smtClean="0"/>
+              <a:t> </a:t>
+            </a:r>
+            <a:r>
+              <a:rPr lang="en-US" dirty="0" smtClean="0"/>
+              <a:t>editor</a:t>
+            </a:r>
+            <a:r>
+              <a:rPr lang="en-US" dirty="0"/>
+              <a:t>.</a:t>
+            </a:r>
+          </a:p>
+          <a:p>
+            <a:r>
+              <a:rPr lang="en-US" dirty="0"/>
+              <a:t>2. Add recommendations to the file based on the comments from your reviewer or your </a:t>
+            </a:r>
+            <a:r>
+              <a:rPr lang="en-US" dirty="0" smtClean="0"/>
+              <a:t>personal</a:t>
+            </a:r>
+            <a:r>
+              <a:rPr lang="en-SE" dirty="0" smtClean="0"/>
+              <a:t> </a:t>
+            </a:r>
+            <a:r>
+              <a:rPr lang="en-US" dirty="0" smtClean="0"/>
+              <a:t>experience</a:t>
+            </a:r>
+            <a:r>
+              <a:rPr lang="en-US" dirty="0"/>
+              <a:t>.</a:t>
+            </a:r>
+            <a:endParaRPr lang="en-US" dirty="0"/>
           </a:p>
         </p:txBody>
       </p:sp>
@@ -7549,7 +7755,29 @@
           <a:bodyPr/>
           <a:lstStyle/>
           <a:p>
-            <a:endParaRPr lang="en-US"/>
+            <a:r>
+              <a:rPr lang="en-US" dirty="0"/>
+              <a:t>1. Scroll to the bottom of the page to find the Commit changes dialog box.</a:t>
+            </a:r>
+          </a:p>
+          <a:p>
+            <a:r>
+              <a:rPr lang="en-US" dirty="0"/>
+              <a:t>2. Type a Commit message.</a:t>
+            </a:r>
+          </a:p>
+          <a:p>
+            <a:r>
+              <a:rPr lang="en-US" dirty="0"/>
+              <a:t>3. Choose the option to Commit directly to your branch.</a:t>
+            </a:r>
+          </a:p>
+          <a:p>
+            <a:r>
+              <a:rPr lang="en-US" dirty="0"/>
+              <a:t>4. Click Commit changes.</a:t>
+            </a:r>
+            <a:endParaRPr lang="en-US" dirty="0"/>
           </a:p>
         </p:txBody>
       </p:sp>
@@ -7608,25 +7836,6 @@
           </a:p>
         </p:txBody>
       </p:sp>
-      <p:sp>
-        <p:nvSpPr>
-          <p:cNvPr id="3" name="Text Placeholder 2"/>
-          <p:cNvSpPr>
-            <a:spLocks noGrp="1"/>
-          </p:cNvSpPr>
-          <p:nvPr>
-            <p:ph type="body" sz="quarter" idx="10"/>
-          </p:nvPr>
-        </p:nvSpPr>
-        <p:spPr/>
-        <p:txBody>
-          <a:bodyPr/>
-          <a:lstStyle/>
-          <a:p>
-            <a:endParaRPr lang="en-US"/>
-          </a:p>
-        </p:txBody>
-      </p:sp>
     </p:spTree>
     <p:extLst>
       <p:ext uri="{BB962C8B-B14F-4D97-AF65-F5344CB8AC3E}">
@@ -7697,7 +7906,111 @@
           <a:bodyPr/>
           <a:lstStyle/>
           <a:p>
-            <a:endParaRPr lang="en-US"/>
+            <a:r>
+              <a:rPr lang="en-SE" dirty="0" smtClean="0"/>
+              <a:t>W</a:t>
+            </a:r>
+            <a:r>
+              <a:rPr lang="en-US" dirty="0" smtClean="0"/>
+              <a:t>ho </a:t>
+            </a:r>
+            <a:r>
+              <a:rPr lang="en-US" dirty="0"/>
+              <a:t>should merge a </a:t>
+            </a:r>
+            <a:r>
+              <a:rPr lang="en-US" dirty="0" smtClean="0"/>
+              <a:t>pull</a:t>
+            </a:r>
+            <a:r>
+              <a:rPr lang="en-SE" dirty="0" smtClean="0"/>
+              <a:t> </a:t>
+            </a:r>
+            <a:r>
+              <a:rPr lang="en-US" dirty="0" smtClean="0"/>
+              <a:t>request</a:t>
+            </a:r>
+            <a:r>
+              <a:rPr lang="en-SE" dirty="0" smtClean="0"/>
+              <a:t>?</a:t>
+            </a:r>
+            <a:endParaRPr lang="en-US" dirty="0"/>
+          </a:p>
+          <a:p>
+            <a:pPr lvl="1"/>
+            <a:r>
+              <a:rPr lang="en-SE" dirty="0" smtClean="0"/>
+              <a:t>T</a:t>
+            </a:r>
+            <a:r>
+              <a:rPr lang="en-US" dirty="0" smtClean="0"/>
+              <a:t>he </a:t>
+            </a:r>
+            <a:r>
+              <a:rPr lang="en-US" dirty="0"/>
+              <a:t>person who created the pull </a:t>
+            </a:r>
+            <a:r>
+              <a:rPr lang="en-US" dirty="0" smtClean="0"/>
+              <a:t>request</a:t>
+            </a:r>
+            <a:r>
+              <a:rPr lang="en-SE" dirty="0" smtClean="0"/>
+              <a:t>?</a:t>
+            </a:r>
+            <a:endParaRPr lang="en-US" dirty="0"/>
+          </a:p>
+          <a:p>
+            <a:pPr lvl="1"/>
+            <a:r>
+              <a:rPr lang="en-SE" dirty="0" smtClean="0"/>
+              <a:t>A</a:t>
+            </a:r>
+            <a:r>
+              <a:rPr lang="en-US" dirty="0" smtClean="0"/>
+              <a:t> </a:t>
+            </a:r>
+            <a:r>
+              <a:rPr lang="en-US" dirty="0"/>
+              <a:t>single person within the project </a:t>
+            </a:r>
+            <a:r>
+              <a:rPr lang="en-US" dirty="0" smtClean="0"/>
+              <a:t>team</a:t>
+            </a:r>
+            <a:r>
+              <a:rPr lang="en-SE" dirty="0" smtClean="0"/>
+              <a:t>?</a:t>
+            </a:r>
+            <a:endParaRPr lang="en-US" dirty="0"/>
+          </a:p>
+          <a:p>
+            <a:pPr lvl="1"/>
+            <a:r>
+              <a:rPr lang="en-SE" dirty="0" smtClean="0"/>
+              <a:t>A</a:t>
+            </a:r>
+            <a:r>
+              <a:rPr lang="en-US" dirty="0" err="1" smtClean="0"/>
+              <a:t>nyone</a:t>
+            </a:r>
+            <a:r>
+              <a:rPr lang="en-US" dirty="0" smtClean="0"/>
+              <a:t> </a:t>
+            </a:r>
+            <a:r>
+              <a:rPr lang="en-US" dirty="0"/>
+              <a:t>other than the person who created the pull </a:t>
+            </a:r>
+            <a:r>
+              <a:rPr lang="en-US" dirty="0" smtClean="0"/>
+              <a:t>request</a:t>
+            </a:r>
+            <a:r>
+              <a:rPr lang="en-SE" dirty="0" smtClean="0"/>
+              <a:t>?</a:t>
+            </a:r>
+            <a:endParaRPr lang="en-US" dirty="0"/>
           </a:p>
         </p:txBody>
       </p:sp>
@@ -7771,7 +8084,48 @@
           <a:bodyPr/>
           <a:lstStyle/>
           <a:p>
-            <a:endParaRPr lang="en-US"/>
+            <a:r>
+              <a:rPr lang="en-US" sz="1800" dirty="0"/>
+              <a:t>1.	Navigate to your Pull Request (HINT: Use the Author or Assignee drop downs to find your Pull Request quickly) </a:t>
+            </a:r>
+          </a:p>
+          <a:p>
+            <a:r>
+              <a:rPr lang="en-US" sz="1800" dirty="0"/>
+              <a:t>2.	Click Conversation </a:t>
+            </a:r>
+          </a:p>
+          <a:p>
+            <a:r>
+              <a:rPr lang="en-US" sz="1800" dirty="0"/>
+              <a:t>3.	Scroll to the bottom of the Pull Request and click the Merge pull request button </a:t>
+            </a:r>
+          </a:p>
+          <a:p>
+            <a:r>
+              <a:rPr lang="en-US" sz="1800" dirty="0"/>
+              <a:t>4. Click Confirm merge </a:t>
+            </a:r>
+            <a:endParaRPr lang="en-SE" sz="1800" dirty="0" smtClean="0"/>
+          </a:p>
+          <a:p>
+            <a:r>
+              <a:rPr lang="en-US" sz="1800" dirty="0" smtClean="0"/>
+              <a:t>5</a:t>
+            </a:r>
+            <a:r>
+              <a:rPr lang="en-US" sz="1800" dirty="0"/>
+              <a:t>. Click Delete branch </a:t>
+            </a:r>
+          </a:p>
+          <a:p>
+            <a:r>
+              <a:rPr lang="en-US" sz="1800" dirty="0"/>
+              <a:t>6. Click Issues and confirm your original issue has been closed </a:t>
+            </a:r>
+          </a:p>
+          <a:p>
+            <a:endParaRPr lang="en-US" sz="1800" dirty="0"/>
           </a:p>
         </p:txBody>
       </p:sp>
@@ -7845,7 +8199,35 @@
           <a:bodyPr/>
           <a:lstStyle/>
           <a:p>
-            <a:endParaRPr lang="en-US"/>
+            <a:r>
+              <a:rPr lang="en-US" dirty="0"/>
+              <a:t>1.	Start by switching back to your default branch: </a:t>
+            </a:r>
+            <a:r>
+              <a:rPr lang="en-US" dirty="0" err="1"/>
+              <a:t>git</a:t>
+            </a:r>
+            <a:r>
+              <a:rPr lang="en-US" dirty="0"/>
+              <a:t> checkout master </a:t>
+            </a:r>
+          </a:p>
+          <a:p>
+            <a:r>
+              <a:rPr lang="en-US" dirty="0"/>
+              <a:t>2.	Retrieve all of the changes from GitHub: </a:t>
+            </a:r>
+            <a:r>
+              <a:rPr lang="en-US" dirty="0" err="1"/>
+              <a:t>git</a:t>
+            </a:r>
+            <a:r>
+              <a:rPr lang="en-US" dirty="0"/>
+              <a:t> pull </a:t>
+            </a:r>
+          </a:p>
+          <a:p>
+            <a:endParaRPr lang="en-US" dirty="0"/>
           </a:p>
         </p:txBody>
       </p:sp>
@@ -7922,7 +8304,77 @@
           <a:bodyPr/>
           <a:lstStyle/>
           <a:p>
-            <a:endParaRPr lang="en-US"/>
+            <a:r>
+              <a:rPr lang="en-US" sz="2000" dirty="0"/>
+              <a:t>1.	Take a look at your local branches: </a:t>
+            </a:r>
+            <a:r>
+              <a:rPr lang="en-US" sz="2000" dirty="0" err="1"/>
+              <a:t>git</a:t>
+            </a:r>
+            <a:r>
+              <a:rPr lang="en-US" sz="2000" dirty="0"/>
+              <a:t> branch --all </a:t>
+            </a:r>
+          </a:p>
+          <a:p>
+            <a:r>
+              <a:rPr lang="en-US" sz="2000" dirty="0"/>
+              <a:t>2.	Let’s see which branches are safe to delete: </a:t>
+            </a:r>
+            <a:r>
+              <a:rPr lang="en-US" sz="2000" dirty="0" err="1"/>
+              <a:t>git</a:t>
+            </a:r>
+            <a:r>
+              <a:rPr lang="en-US" sz="2000" dirty="0"/>
+              <a:t> branch --merged </a:t>
+            </a:r>
+          </a:p>
+          <a:p>
+            <a:r>
+              <a:rPr lang="en-US" sz="2000" dirty="0"/>
+              <a:t>3.	Delete the local branch: </a:t>
+            </a:r>
+            <a:r>
+              <a:rPr lang="en-US" sz="2000" dirty="0" err="1"/>
+              <a:t>git</a:t>
+            </a:r>
+            <a:r>
+              <a:rPr lang="en-US" sz="2000" dirty="0"/>
+              <a:t> branch -d &lt;branch-name&gt; </a:t>
+            </a:r>
+          </a:p>
+          <a:p>
+            <a:r>
+              <a:rPr lang="en-US" sz="2000" dirty="0"/>
+              <a:t>4.	Take another look at the list: </a:t>
+            </a:r>
+            <a:r>
+              <a:rPr lang="en-US" sz="2000" dirty="0" err="1"/>
+              <a:t>git</a:t>
+            </a:r>
+            <a:r>
+              <a:rPr lang="en-US" sz="2000" dirty="0"/>
+              <a:t> branch --all </a:t>
+            </a:r>
+          </a:p>
+          <a:p>
+            <a:r>
+              <a:rPr lang="en-US" sz="2000" dirty="0"/>
+              <a:t>5.	Your local branch is gone but the remote tracking branch is still there. Delete the remote tracking branch: </a:t>
+            </a:r>
+            <a:r>
+              <a:rPr lang="en-US" sz="2000" dirty="0" err="1"/>
+              <a:t>git</a:t>
+            </a:r>
+            <a:r>
+              <a:rPr lang="en-US" sz="2000" dirty="0"/>
+              <a:t> pull --prune </a:t>
+            </a:r>
+          </a:p>
+          <a:p>
+            <a:endParaRPr lang="en-US" sz="2000" dirty="0"/>
           </a:p>
         </p:txBody>
       </p:sp>
@@ -7981,25 +8433,6 @@
           </a:p>
         </p:txBody>
       </p:sp>
-      <p:sp>
-        <p:nvSpPr>
-          <p:cNvPr id="3" name="Text Placeholder 2"/>
-          <p:cNvSpPr>
-            <a:spLocks noGrp="1"/>
-          </p:cNvSpPr>
-          <p:nvPr>
-            <p:ph type="body" sz="quarter" idx="10"/>
-          </p:nvPr>
-        </p:nvSpPr>
-        <p:spPr/>
-        <p:txBody>
-          <a:bodyPr/>
-          <a:lstStyle/>
-          <a:p>
-            <a:endParaRPr lang="en-US"/>
-          </a:p>
-        </p:txBody>
-      </p:sp>
     </p:spTree>
     <p:extLst>
       <p:ext uri="{BB962C8B-B14F-4D97-AF65-F5344CB8AC3E}">
@@ -8184,7 +8617,137 @@
           <a:bodyPr/>
           <a:lstStyle/>
           <a:p>
-            <a:endParaRPr lang="en-US"/>
+            <a:r>
+              <a:rPr lang="en-US" sz="2000" dirty="0"/>
+              <a:t>$ </a:t>
+            </a:r>
+            <a:r>
+              <a:rPr lang="en-US" sz="2000" dirty="0" err="1"/>
+              <a:t>git</a:t>
+            </a:r>
+            <a:r>
+              <a:rPr lang="en-US" sz="2000" dirty="0"/>
+              <a:t> log </a:t>
+            </a:r>
+          </a:p>
+          <a:p>
+            <a:r>
+              <a:rPr lang="en-US" sz="2000" dirty="0"/>
+              <a:t>$ </a:t>
+            </a:r>
+            <a:r>
+              <a:rPr lang="en-US" sz="2000" dirty="0" err="1"/>
+              <a:t>git</a:t>
+            </a:r>
+            <a:r>
+              <a:rPr lang="en-US" sz="2000" dirty="0"/>
+              <a:t> log --</a:t>
+            </a:r>
+            <a:r>
+              <a:rPr lang="en-US" sz="2000" dirty="0" err="1"/>
+              <a:t>oneline</a:t>
+            </a:r>
+            <a:r>
+              <a:rPr lang="en-US" sz="2000" dirty="0"/>
+              <a:t> </a:t>
+            </a:r>
+          </a:p>
+          <a:p>
+            <a:r>
+              <a:rPr lang="en-US" sz="2000" dirty="0"/>
+              <a:t>$ </a:t>
+            </a:r>
+            <a:r>
+              <a:rPr lang="en-US" sz="2000" dirty="0" err="1"/>
+              <a:t>git</a:t>
+            </a:r>
+            <a:r>
+              <a:rPr lang="en-US" sz="2000" dirty="0"/>
+              <a:t> log --</a:t>
+            </a:r>
+            <a:r>
+              <a:rPr lang="en-US" sz="2000" dirty="0" err="1"/>
+              <a:t>oneline</a:t>
+            </a:r>
+            <a:r>
+              <a:rPr lang="en-US" sz="2000" dirty="0"/>
+              <a:t> --graph </a:t>
+            </a:r>
+          </a:p>
+          <a:p>
+            <a:r>
+              <a:rPr lang="en-US" sz="2000" dirty="0"/>
+              <a:t>$ </a:t>
+            </a:r>
+            <a:r>
+              <a:rPr lang="en-US" sz="2000" dirty="0" err="1"/>
+              <a:t>git</a:t>
+            </a:r>
+            <a:r>
+              <a:rPr lang="en-US" sz="2000" dirty="0"/>
+              <a:t> log --</a:t>
+            </a:r>
+            <a:r>
+              <a:rPr lang="en-US" sz="2000" dirty="0" err="1"/>
+              <a:t>oneline</a:t>
+            </a:r>
+            <a:r>
+              <a:rPr lang="en-US" sz="2000" dirty="0"/>
+              <a:t> --graph --decorate </a:t>
+            </a:r>
+          </a:p>
+          <a:p>
+            <a:r>
+              <a:rPr lang="en-US" sz="2000" dirty="0"/>
+              <a:t>$ </a:t>
+            </a:r>
+            <a:r>
+              <a:rPr lang="en-US" sz="2000" dirty="0" err="1"/>
+              <a:t>git</a:t>
+            </a:r>
+            <a:r>
+              <a:rPr lang="en-US" sz="2000" dirty="0"/>
+              <a:t> log --</a:t>
+            </a:r>
+            <a:r>
+              <a:rPr lang="en-US" sz="2000" dirty="0" err="1"/>
+              <a:t>oneline</a:t>
+            </a:r>
+            <a:r>
+              <a:rPr lang="en-US" sz="2000" dirty="0"/>
+              <a:t> --graph --decorate --all </a:t>
+            </a:r>
+          </a:p>
+          <a:p>
+            <a:r>
+              <a:rPr lang="en-US" sz="2000" dirty="0"/>
+              <a:t>$ </a:t>
+            </a:r>
+            <a:r>
+              <a:rPr lang="en-US" sz="2000" dirty="0" err="1"/>
+              <a:t>git</a:t>
+            </a:r>
+            <a:r>
+              <a:rPr lang="en-US" sz="2000" dirty="0"/>
+              <a:t> log --stat </a:t>
+            </a:r>
+          </a:p>
+          <a:p>
+            <a:r>
+              <a:rPr lang="en-US" sz="2000" dirty="0"/>
+              <a:t>$ </a:t>
+            </a:r>
+            <a:r>
+              <a:rPr lang="en-US" sz="2000" dirty="0" err="1"/>
+              <a:t>git</a:t>
+            </a:r>
+            <a:r>
+              <a:rPr lang="en-US" sz="2000" dirty="0"/>
+              <a:t> log --patch </a:t>
+            </a:r>
+          </a:p>
+          <a:p>
+            <a:endParaRPr lang="en-US" sz="2000" dirty="0"/>
           </a:p>
         </p:txBody>
       </p:sp>
@@ -8243,25 +8806,6 @@
           </a:p>
         </p:txBody>
       </p:sp>
-      <p:sp>
-        <p:nvSpPr>
-          <p:cNvPr id="3" name="Text Placeholder 2"/>
-          <p:cNvSpPr>
-            <a:spLocks noGrp="1"/>
-          </p:cNvSpPr>
-          <p:nvPr>
-            <p:ph type="body" sz="quarter" idx="10"/>
-          </p:nvPr>
-        </p:nvSpPr>
-        <p:spPr/>
-        <p:txBody>
-          <a:bodyPr/>
-          <a:lstStyle/>
-          <a:p>
-            <a:endParaRPr lang="en-US"/>
-          </a:p>
-        </p:txBody>
-      </p:sp>
     </p:spTree>
     <p:extLst>
       <p:ext uri="{BB962C8B-B14F-4D97-AF65-F5344CB8AC3E}">
@@ -8335,7 +8879,114 @@
           <a:bodyPr/>
           <a:lstStyle/>
           <a:p>
-            <a:endParaRPr lang="en-US"/>
+            <a:r>
+              <a:rPr lang="en-US" b="1" dirty="0"/>
+              <a:t>Original Command</a:t>
+            </a:r>
+            <a:r>
+              <a:rPr lang="en-US" dirty="0"/>
+              <a:t> </a:t>
+            </a:r>
+          </a:p>
+          <a:p>
+            <a:pPr lvl="1"/>
+            <a:r>
+              <a:rPr lang="en-US" dirty="0"/>
+              <a:t>$ </a:t>
+            </a:r>
+            <a:r>
+              <a:rPr lang="en-US" dirty="0" err="1"/>
+              <a:t>git</a:t>
+            </a:r>
+            <a:r>
+              <a:rPr lang="en-US" dirty="0"/>
+              <a:t> log --</a:t>
+            </a:r>
+            <a:r>
+              <a:rPr lang="en-US" dirty="0" err="1"/>
+              <a:t>oneline</a:t>
+            </a:r>
+            <a:r>
+              <a:rPr lang="en-US" dirty="0"/>
+              <a:t> --graph --decorate --all </a:t>
+            </a:r>
+          </a:p>
+          <a:p>
+            <a:r>
+              <a:rPr lang="en-US" b="1" dirty="0"/>
+              <a:t>Creating the Alias</a:t>
+            </a:r>
+            <a:r>
+              <a:rPr lang="en-US" dirty="0"/>
+              <a:t> </a:t>
+            </a:r>
+          </a:p>
+          <a:p>
+            <a:pPr lvl="1"/>
+            <a:r>
+              <a:rPr lang="en-US" dirty="0"/>
+              <a:t>$ </a:t>
+            </a:r>
+            <a:r>
+              <a:rPr lang="en-US" dirty="0" err="1"/>
+              <a:t>git</a:t>
+            </a:r>
+            <a:r>
+              <a:rPr lang="en-US" dirty="0"/>
+              <a:t> </a:t>
+            </a:r>
+            <a:r>
+              <a:rPr lang="en-US" dirty="0" err="1"/>
+              <a:t>config</a:t>
+            </a:r>
+            <a:r>
+              <a:rPr lang="en-US" dirty="0"/>
+              <a:t> --global </a:t>
+            </a:r>
+            <a:r>
+              <a:rPr lang="en-US" dirty="0" err="1"/>
+              <a:t>alias.lol</a:t>
+            </a:r>
+            <a:r>
+              <a:rPr lang="en-US" dirty="0"/>
+              <a:t> "log --</a:t>
+            </a:r>
+            <a:r>
+              <a:rPr lang="en-US" dirty="0" err="1"/>
+              <a:t>oneline</a:t>
+            </a:r>
+            <a:r>
+              <a:rPr lang="en-US" dirty="0"/>
+              <a:t> --graph --decorate --all" </a:t>
+            </a:r>
+          </a:p>
+          <a:p>
+            <a:r>
+              <a:rPr lang="en-US" b="1" dirty="0"/>
+              <a:t>Using the Alias</a:t>
+            </a:r>
+            <a:r>
+              <a:rPr lang="en-US" dirty="0"/>
+              <a:t> </a:t>
+            </a:r>
+          </a:p>
+          <a:p>
+            <a:pPr lvl="1"/>
+            <a:r>
+              <a:rPr lang="en-US" dirty="0"/>
+              <a:t>$ </a:t>
+            </a:r>
+            <a:r>
+              <a:rPr lang="en-US" dirty="0" err="1"/>
+              <a:t>git</a:t>
+            </a:r>
+            <a:r>
+              <a:rPr lang="en-US" dirty="0"/>
+              <a:t> lol </a:t>
+            </a:r>
+          </a:p>
+          <a:p>
+            <a:endParaRPr lang="en-US" dirty="0"/>
           </a:p>
         </p:txBody>
       </p:sp>
@@ -8386,7 +9037,7 @@
           <a:p>
             <a:r>
               <a:rPr lang="en-US" dirty="0" smtClean="0"/>
-              <a:t>Workflow Review Project: GitHub Games</a:t>
+              <a:t>User Accounts vs. Organization Accounts</a:t>
             </a:r>
           </a:p>
           <a:p>
@@ -8409,14 +9060,24 @@
           <a:bodyPr/>
           <a:lstStyle/>
           <a:p>
-            <a:endParaRPr lang="en-US"/>
+            <a:r>
+              <a:rPr lang="en-SE" dirty="0" smtClean="0"/>
+              <a:t>User: directly associated with User Id</a:t>
+            </a:r>
+          </a:p>
+          <a:p>
+            <a:r>
+              <a:rPr lang="en-SE" dirty="0" smtClean="0"/>
+              <a:t>Organization: container for User Ids</a:t>
+            </a:r>
+            <a:endParaRPr lang="en-US" dirty="0"/>
           </a:p>
         </p:txBody>
       </p:sp>
     </p:spTree>
     <p:extLst>
       <p:ext uri="{BB962C8B-B14F-4D97-AF65-F5344CB8AC3E}">
-        <p14:creationId xmlns:p14="http://schemas.microsoft.com/office/powerpoint/2010/main" val="1393819813"/>
+        <p14:creationId xmlns:p14="http://schemas.microsoft.com/office/powerpoint/2010/main" val="1738652256"/>
       </p:ext>
     </p:extLst>
   </p:cSld>
@@ -8460,7 +9121,7 @@
           <a:p>
             <a:r>
               <a:rPr lang="en-US" dirty="0" smtClean="0"/>
-              <a:t>User Accounts vs. Organization Accounts</a:t>
+              <a:t>What is a Fork?</a:t>
             </a:r>
           </a:p>
           <a:p>
@@ -8483,14 +9144,18 @@
           <a:bodyPr/>
           <a:lstStyle/>
           <a:p>
-            <a:endParaRPr lang="en-US"/>
+            <a:r>
+              <a:rPr lang="en-SE" dirty="0" smtClean="0"/>
+              <a:t>Full copy of a repository from one account to another</a:t>
+            </a:r>
+            <a:endParaRPr lang="en-US" dirty="0"/>
           </a:p>
         </p:txBody>
       </p:sp>
     </p:spTree>
     <p:extLst>
       <p:ext uri="{BB962C8B-B14F-4D97-AF65-F5344CB8AC3E}">
-        <p14:creationId xmlns:p14="http://schemas.microsoft.com/office/powerpoint/2010/main" val="1738652256"/>
+        <p14:creationId xmlns:p14="http://schemas.microsoft.com/office/powerpoint/2010/main" val="4289902669"/>
       </p:ext>
     </p:extLst>
   </p:cSld>
@@ -8534,7 +9199,7 @@
           <a:p>
             <a:r>
               <a:rPr lang="en-US" dirty="0" smtClean="0"/>
-              <a:t>Introduction to GitHub Pages</a:t>
+              <a:t>Creating a Fork</a:t>
             </a:r>
           </a:p>
           <a:p>
@@ -8557,14 +9222,60 @@
           <a:bodyPr/>
           <a:lstStyle/>
           <a:p>
-            <a:endParaRPr lang="en-US"/>
+            <a:pPr lvl="0"/>
+            <a:r>
+              <a:rPr lang="en-US" dirty="0"/>
+              <a:t>Navigate to the repo </a:t>
+            </a:r>
+            <a:r>
+              <a:rPr lang="en-SE" dirty="0" smtClean="0"/>
+              <a:t>dan-ONLC/XGHDEV</a:t>
+            </a:r>
+            <a:r>
+              <a:rPr lang="en-SE" i="1" dirty="0" smtClean="0"/>
+              <a:t>{nnnn}</a:t>
+            </a:r>
+            <a:endParaRPr lang="en-US" dirty="0"/>
+          </a:p>
+          <a:p>
+            <a:pPr lvl="0"/>
+            <a:r>
+              <a:rPr lang="en-US" dirty="0"/>
+              <a:t>Click </a:t>
+            </a:r>
+            <a:r>
+              <a:rPr lang="en-US" b="1" dirty="0"/>
+              <a:t>Fork</a:t>
+            </a:r>
+            <a:r>
+              <a:rPr lang="en-US" dirty="0"/>
+              <a:t>. </a:t>
+            </a:r>
+          </a:p>
+          <a:p>
+            <a:pPr lvl="0"/>
+            <a:r>
+              <a:rPr lang="en-US" dirty="0"/>
+              <a:t>Select the account where you would like the fork to reside. </a:t>
+            </a:r>
+            <a:r>
+              <a:rPr lang="en-US" b="1" dirty="0"/>
+              <a:t>Note:</a:t>
+            </a:r>
+            <a:r>
+              <a:rPr lang="en-US" dirty="0"/>
+              <a:t> you may not see this step if you only have one GitHub account. </a:t>
+            </a:r>
+          </a:p>
+          <a:p>
+            <a:endParaRPr lang="en-US" dirty="0"/>
           </a:p>
         </p:txBody>
       </p:sp>
     </p:spTree>
     <p:extLst>
       <p:ext uri="{BB962C8B-B14F-4D97-AF65-F5344CB8AC3E}">
-        <p14:creationId xmlns:p14="http://schemas.microsoft.com/office/powerpoint/2010/main" val="62194951"/>
+        <p14:creationId xmlns:p14="http://schemas.microsoft.com/office/powerpoint/2010/main" val="3694920311"/>
       </p:ext>
     </p:extLst>
   </p:cSld>
@@ -8608,8 +9319,11 @@
           <a:p>
             <a:r>
               <a:rPr lang="en-US" dirty="0" smtClean="0"/>
-              <a:t>What is a Fork?</a:t>
-            </a:r>
+              <a:t>Workflow Review: Updating the README.md</a:t>
+            </a:r>
+          </a:p>
+          <a:p>
+            <a:endParaRPr lang="en-US" dirty="0" smtClean="0"/>
           </a:p>
           <a:p>
             <a:endParaRPr lang="en-US" dirty="0"/>
@@ -8631,14 +9345,125 @@
           <a:bodyPr/>
           <a:lstStyle/>
           <a:p>
-            <a:endParaRPr lang="en-US"/>
+            <a:pPr lvl="0"/>
+            <a:r>
+              <a:rPr lang="en-US" sz="1600" dirty="0"/>
+              <a:t>Clone your fork of the repository: </a:t>
+            </a:r>
+            <a:r>
+              <a:rPr lang="en-US" sz="1600" dirty="0" err="1"/>
+              <a:t>git</a:t>
+            </a:r>
+            <a:r>
+              <a:rPr lang="en-US" sz="1600" dirty="0"/>
+              <a:t> clone </a:t>
+            </a:r>
+            <a:r>
+              <a:rPr lang="en-US" sz="1600" u="sng" dirty="0"/>
+              <a:t>https://github.com/YOURUSERNAME/github-games.git</a:t>
+            </a:r>
+            <a:r>
+              <a:rPr lang="en-US" sz="1600" dirty="0"/>
+              <a:t> </a:t>
+            </a:r>
+          </a:p>
+          <a:p>
+            <a:pPr lvl="0"/>
+            <a:r>
+              <a:rPr lang="en-US" sz="1600" dirty="0"/>
+              <a:t>Create a new branch called readme-update: </a:t>
+            </a:r>
+            <a:r>
+              <a:rPr lang="en-US" sz="1600" dirty="0" err="1"/>
+              <a:t>git</a:t>
+            </a:r>
+            <a:r>
+              <a:rPr lang="en-US" sz="1600" dirty="0"/>
+              <a:t> checkout -b readme-update </a:t>
+            </a:r>
+          </a:p>
+          <a:p>
+            <a:pPr lvl="0"/>
+            <a:r>
+              <a:rPr lang="en-US" sz="1600" dirty="0"/>
+              <a:t>Edit the URL in the README.md. </a:t>
+            </a:r>
+          </a:p>
+          <a:p>
+            <a:pPr lvl="0"/>
+            <a:r>
+              <a:rPr lang="en-US" sz="1600" dirty="0"/>
+              <a:t>Commit the changes to your branch. </a:t>
+            </a:r>
+          </a:p>
+          <a:p>
+            <a:pPr lvl="0"/>
+            <a:r>
+              <a:rPr lang="en-US" sz="1600" dirty="0"/>
+              <a:t>Push your branch to GitHub: </a:t>
+            </a:r>
+            <a:r>
+              <a:rPr lang="en-US" sz="1600" dirty="0" err="1"/>
+              <a:t>git</a:t>
+            </a:r>
+            <a:r>
+              <a:rPr lang="en-US" sz="1600" dirty="0"/>
+              <a:t> push -u origin readme-update </a:t>
+            </a:r>
+          </a:p>
+          <a:p>
+            <a:pPr lvl="0"/>
+            <a:r>
+              <a:rPr lang="en-US" sz="1600" dirty="0"/>
+              <a:t>Create a Pull Request </a:t>
+            </a:r>
+            <a:r>
+              <a:rPr lang="en-US" sz="1600" b="1" dirty="0"/>
+              <a:t>in your repository</a:t>
+            </a:r>
+            <a:r>
+              <a:rPr lang="en-US" sz="1600" dirty="0"/>
+              <a:t>. </a:t>
+            </a:r>
+          </a:p>
+          <a:p>
+            <a:pPr lvl="0"/>
+            <a:r>
+              <a:rPr lang="en-US" sz="1600" dirty="0"/>
+              <a:t>Merge your Pull Request. </a:t>
+            </a:r>
+          </a:p>
+          <a:p>
+            <a:pPr lvl="0"/>
+            <a:r>
+              <a:rPr lang="en-US" sz="1600" dirty="0"/>
+              <a:t>Delete the branch on GitHub. </a:t>
+            </a:r>
+          </a:p>
+          <a:p>
+            <a:pPr lvl="0"/>
+            <a:r>
+              <a:rPr lang="en-US" sz="1600" dirty="0"/>
+              <a:t>Update your local copy of the repository: </a:t>
+            </a:r>
+            <a:r>
+              <a:rPr lang="en-US" sz="1600" dirty="0" err="1"/>
+              <a:t>git</a:t>
+            </a:r>
+            <a:r>
+              <a:rPr lang="en-US" sz="1600" dirty="0"/>
+              <a:t> pull --prune </a:t>
+            </a:r>
+          </a:p>
+          <a:p>
+            <a:endParaRPr lang="en-US" sz="1600" dirty="0"/>
           </a:p>
         </p:txBody>
       </p:sp>
     </p:spTree>
     <p:extLst>
       <p:ext uri="{BB962C8B-B14F-4D97-AF65-F5344CB8AC3E}">
-        <p14:creationId xmlns:p14="http://schemas.microsoft.com/office/powerpoint/2010/main" val="4289902669"/>
+        <p14:creationId xmlns:p14="http://schemas.microsoft.com/office/powerpoint/2010/main" val="3988982427"/>
       </p:ext>
     </p:extLst>
   </p:cSld>
@@ -8682,37 +9507,18 @@
           <a:p>
             <a:r>
               <a:rPr lang="en-US" dirty="0" smtClean="0"/>
-              <a:t>Creating a Fork</a:t>
+              <a:t>Resolving Merge Conflicts</a:t>
             </a:r>
           </a:p>
           <a:p>
             <a:endParaRPr lang="en-US" dirty="0"/>
-          </a:p>
-        </p:txBody>
-      </p:sp>
-      <p:sp>
-        <p:nvSpPr>
-          <p:cNvPr id="3" name="Text Placeholder 2"/>
-          <p:cNvSpPr>
-            <a:spLocks noGrp="1"/>
-          </p:cNvSpPr>
-          <p:nvPr>
-            <p:ph type="body" sz="quarter" idx="10"/>
-          </p:nvPr>
-        </p:nvSpPr>
-        <p:spPr/>
-        <p:txBody>
-          <a:bodyPr/>
-          <a:lstStyle/>
-          <a:p>
-            <a:endParaRPr lang="en-US"/>
           </a:p>
         </p:txBody>
       </p:sp>
     </p:spTree>
     <p:extLst>
       <p:ext uri="{BB962C8B-B14F-4D97-AF65-F5344CB8AC3E}">
-        <p14:creationId xmlns:p14="http://schemas.microsoft.com/office/powerpoint/2010/main" val="3694920311"/>
+        <p14:creationId xmlns:p14="http://schemas.microsoft.com/office/powerpoint/2010/main" val="3284727014"/>
       </p:ext>
     </p:extLst>
   </p:cSld>
@@ -8756,7 +9562,7 @@
           <a:p>
             <a:r>
               <a:rPr lang="en-US" dirty="0" smtClean="0"/>
-              <a:t>Workflow Review: Updating the README.md</a:t>
+              <a:t>Local Merge Conflicts</a:t>
             </a:r>
           </a:p>
           <a:p>
@@ -8782,14 +9588,215 @@
           <a:bodyPr/>
           <a:lstStyle/>
           <a:p>
-            <a:endParaRPr lang="en-US"/>
+            <a:pPr lvl="0"/>
+            <a:r>
+              <a:rPr lang="en-US" sz="1100" dirty="0"/>
+              <a:t>Determine which file(s) are in conflict: </a:t>
+            </a:r>
+            <a:r>
+              <a:rPr lang="en-US" sz="1100" dirty="0" err="1"/>
+              <a:t>git</a:t>
+            </a:r>
+            <a:r>
+              <a:rPr lang="en-US" sz="1100" dirty="0"/>
+              <a:t> status </a:t>
+            </a:r>
+          </a:p>
+          <a:p>
+            <a:pPr lvl="0"/>
+            <a:r>
+              <a:rPr lang="en-US" sz="1100" dirty="0"/>
+              <a:t>Open the file(s) listed under </a:t>
+            </a:r>
+            <a:r>
+              <a:rPr lang="en-US" sz="1100" b="1" dirty="0"/>
+              <a:t>Unmerged Paths:</a:t>
+            </a:r>
+            <a:r>
+              <a:rPr lang="en-US" sz="1100" dirty="0"/>
+              <a:t> in your text editor. </a:t>
+            </a:r>
+          </a:p>
+          <a:p>
+            <a:pPr lvl="0"/>
+            <a:r>
+              <a:rPr lang="en-US" sz="1100" dirty="0"/>
+              <a:t>Look for the merge conflict markers (shown below). </a:t>
+            </a:r>
+          </a:p>
+          <a:p>
+            <a:pPr marL="798513" lvl="5" indent="0">
+              <a:spcBef>
+                <a:spcPts val="0"/>
+              </a:spcBef>
+              <a:buNone/>
+            </a:pPr>
+            <a:r>
+              <a:rPr lang="en-US" sz="900" dirty="0">
+                <a:latin typeface="Courier New" panose="02070309020205020404" pitchFamily="49" charset="0"/>
+                <a:cs typeface="Courier New" panose="02070309020205020404" pitchFamily="49" charset="0"/>
+              </a:rPr>
+              <a:t>&lt;&lt;&lt;&lt;&lt;&lt;&lt;&lt;&lt; HEAD </a:t>
+            </a:r>
+          </a:p>
+          <a:p>
+            <a:pPr marL="798513" lvl="5" indent="0">
+              <a:spcBef>
+                <a:spcPts val="0"/>
+              </a:spcBef>
+              <a:buNone/>
+            </a:pPr>
+            <a:r>
+              <a:rPr lang="en-US" sz="900" dirty="0">
+                <a:latin typeface="Courier New" panose="02070309020205020404" pitchFamily="49" charset="0"/>
+                <a:cs typeface="Courier New" panose="02070309020205020404" pitchFamily="49" charset="0"/>
+              </a:rPr>
+              <a:t>Some text </a:t>
+            </a:r>
+          </a:p>
+          <a:p>
+            <a:pPr marL="798513" lvl="5" indent="0">
+              <a:spcBef>
+                <a:spcPts val="0"/>
+              </a:spcBef>
+              <a:buNone/>
+            </a:pPr>
+            <a:r>
+              <a:rPr lang="en-US" sz="900" dirty="0">
+                <a:latin typeface="Courier New" panose="02070309020205020404" pitchFamily="49" charset="0"/>
+                <a:cs typeface="Courier New" panose="02070309020205020404" pitchFamily="49" charset="0"/>
+              </a:rPr>
+              <a:t>========= </a:t>
+            </a:r>
+          </a:p>
+          <a:p>
+            <a:pPr marL="798513" lvl="5" indent="0">
+              <a:spcBef>
+                <a:spcPts val="0"/>
+              </a:spcBef>
+              <a:buNone/>
+            </a:pPr>
+            <a:r>
+              <a:rPr lang="en-US" sz="900" dirty="0">
+                <a:latin typeface="Courier New" panose="02070309020205020404" pitchFamily="49" charset="0"/>
+                <a:cs typeface="Courier New" panose="02070309020205020404" pitchFamily="49" charset="0"/>
+              </a:rPr>
+              <a:t>Some more text </a:t>
+            </a:r>
+          </a:p>
+          <a:p>
+            <a:pPr marL="798513" lvl="5" indent="0">
+              <a:spcBef>
+                <a:spcPts val="0"/>
+              </a:spcBef>
+              <a:buNone/>
+            </a:pPr>
+            <a:r>
+              <a:rPr lang="en-US" sz="900" dirty="0">
+                <a:latin typeface="Courier New" panose="02070309020205020404" pitchFamily="49" charset="0"/>
+                <a:cs typeface="Courier New" panose="02070309020205020404" pitchFamily="49" charset="0"/>
+              </a:rPr>
+              <a:t>&gt;&gt;&gt;&gt;&gt;&gt;&gt;&gt;&gt; stats-update </a:t>
+            </a:r>
+          </a:p>
+          <a:p>
+            <a:pPr lvl="0"/>
+            <a:r>
+              <a:rPr lang="en-US" sz="1100" dirty="0" smtClean="0"/>
+              <a:t>Choose </a:t>
+            </a:r>
+            <a:r>
+              <a:rPr lang="en-US" sz="1100" dirty="0"/>
+              <a:t>which version of the code you would like to keep. </a:t>
+            </a:r>
+          </a:p>
+          <a:p>
+            <a:pPr lvl="0"/>
+            <a:r>
+              <a:rPr lang="en-US" sz="1100" dirty="0"/>
+              <a:t>Delete the conflict markers. </a:t>
+            </a:r>
+          </a:p>
+          <a:p>
+            <a:pPr lvl="0"/>
+            <a:r>
+              <a:rPr lang="en-US" sz="1100" dirty="0"/>
+              <a:t>Save the file. </a:t>
+            </a:r>
+          </a:p>
+          <a:p>
+            <a:pPr lvl="0"/>
+            <a:r>
+              <a:rPr lang="en-US" sz="1100" dirty="0"/>
+              <a:t>Close the text editor. </a:t>
+            </a:r>
+          </a:p>
+          <a:p>
+            <a:pPr lvl="0"/>
+            <a:r>
+              <a:rPr lang="en-US" sz="1100" dirty="0"/>
+              <a:t>Check to see what </a:t>
+            </a:r>
+            <a:r>
+              <a:rPr lang="en-US" sz="1100" dirty="0" err="1"/>
+              <a:t>git</a:t>
+            </a:r>
+            <a:r>
+              <a:rPr lang="en-US" sz="1100" dirty="0"/>
+              <a:t> is tracking: </a:t>
+            </a:r>
+            <a:r>
+              <a:rPr lang="en-US" sz="1100" dirty="0" err="1"/>
+              <a:t>git</a:t>
+            </a:r>
+            <a:r>
+              <a:rPr lang="en-US" sz="1100" dirty="0"/>
+              <a:t> status </a:t>
+            </a:r>
+          </a:p>
+          <a:p>
+            <a:pPr lvl="0"/>
+            <a:r>
+              <a:rPr lang="en-US" sz="1100" dirty="0"/>
+              <a:t>Mark the file as resolved: </a:t>
+            </a:r>
+            <a:r>
+              <a:rPr lang="en-US" sz="1100" dirty="0" err="1"/>
+              <a:t>git</a:t>
+            </a:r>
+            <a:r>
+              <a:rPr lang="en-US" sz="1100" dirty="0"/>
+              <a:t> add index.html </a:t>
+            </a:r>
+          </a:p>
+          <a:p>
+            <a:pPr lvl="0"/>
+            <a:r>
+              <a:rPr lang="en-US" sz="1100" dirty="0"/>
+              <a:t>Complete the merge: </a:t>
+            </a:r>
+            <a:r>
+              <a:rPr lang="en-US" sz="1100" dirty="0" err="1"/>
+              <a:t>git</a:t>
+            </a:r>
+            <a:r>
+              <a:rPr lang="en-US" sz="1100" dirty="0"/>
+              <a:t> commit </a:t>
+            </a:r>
+          </a:p>
+          <a:p>
+            <a:pPr lvl="0"/>
+            <a:r>
+              <a:rPr lang="en-US" sz="1100" dirty="0"/>
+              <a:t>Save the default commit message. </a:t>
+            </a:r>
           </a:p>
         </p:txBody>
       </p:sp>
     </p:spTree>
     <p:extLst>
       <p:ext uri="{BB962C8B-B14F-4D97-AF65-F5344CB8AC3E}">
-        <p14:creationId xmlns:p14="http://schemas.microsoft.com/office/powerpoint/2010/main" val="3988982427"/>
+        <p14:creationId xmlns:p14="http://schemas.microsoft.com/office/powerpoint/2010/main" val="3748171500"/>
       </p:ext>
     </p:extLst>
   </p:cSld>
@@ -8833,37 +9840,18 @@
           <a:p>
             <a:r>
               <a:rPr lang="en-US" dirty="0" smtClean="0"/>
-              <a:t>Resolving Merge Conflicts</a:t>
+              <a:t>Working with Multiple Remotes</a:t>
             </a:r>
           </a:p>
           <a:p>
             <a:endParaRPr lang="en-US" dirty="0"/>
-          </a:p>
-        </p:txBody>
-      </p:sp>
-      <p:sp>
-        <p:nvSpPr>
-          <p:cNvPr id="3" name="Text Placeholder 2"/>
-          <p:cNvSpPr>
-            <a:spLocks noGrp="1"/>
-          </p:cNvSpPr>
-          <p:nvPr>
-            <p:ph type="body" sz="quarter" idx="10"/>
-          </p:nvPr>
-        </p:nvSpPr>
-        <p:spPr/>
-        <p:txBody>
-          <a:bodyPr/>
-          <a:lstStyle/>
-          <a:p>
-            <a:endParaRPr lang="en-US"/>
           </a:p>
         </p:txBody>
       </p:sp>
     </p:spTree>
     <p:extLst>
       <p:ext uri="{BB962C8B-B14F-4D97-AF65-F5344CB8AC3E}">
-        <p14:creationId xmlns:p14="http://schemas.microsoft.com/office/powerpoint/2010/main" val="3284727014"/>
+        <p14:creationId xmlns:p14="http://schemas.microsoft.com/office/powerpoint/2010/main" val="1917368738"/>
       </p:ext>
     </p:extLst>
   </p:cSld>
@@ -9016,11 +10004,8 @@
           <a:p>
             <a:r>
               <a:rPr lang="en-US" dirty="0" smtClean="0"/>
-              <a:t>Local Merge Conflicts</a:t>
-            </a:r>
-          </a:p>
-          <a:p>
-            <a:endParaRPr lang="en-US" dirty="0" smtClean="0"/>
+              <a:t>Remote Merge Conflicts</a:t>
+            </a:r>
           </a:p>
           <a:p>
             <a:endParaRPr lang="en-US" dirty="0"/>
@@ -9042,14 +10027,159 @@
           <a:bodyPr/>
           <a:lstStyle/>
           <a:p>
-            <a:endParaRPr lang="en-US"/>
+            <a:r>
+              <a:rPr lang="en-US" sz="1600" dirty="0"/>
+              <a:t>1.	Add a new remote from the upstream fork: </a:t>
+            </a:r>
+            <a:r>
+              <a:rPr lang="en-US" sz="1600" dirty="0" err="1"/>
+              <a:t>git</a:t>
+            </a:r>
+            <a:r>
+              <a:rPr lang="en-US" sz="1600" dirty="0"/>
+              <a:t> remote add upstreamhttps://</a:t>
+            </a:r>
+            <a:r>
+              <a:rPr lang="en-US" sz="1600" dirty="0" smtClean="0"/>
+              <a:t>github.com</a:t>
+            </a:r>
+            <a:r>
+              <a:rPr lang="en-SE" sz="1600" dirty="0" smtClean="0"/>
+              <a:t>/Dan-ONLC/XGHDEV</a:t>
+            </a:r>
+            <a:r>
+              <a:rPr lang="en-SE" sz="1600" i="1" dirty="0" smtClean="0"/>
+              <a:t>{nnnn}</a:t>
+            </a:r>
+            <a:r>
+              <a:rPr lang="en-US" sz="1600" dirty="0" smtClean="0"/>
+              <a:t>.</a:t>
+            </a:r>
+            <a:r>
+              <a:rPr lang="en-US" sz="1600" dirty="0" err="1" smtClean="0"/>
+              <a:t>git</a:t>
+            </a:r>
+            <a:r>
+              <a:rPr lang="en-US" sz="1600" dirty="0" smtClean="0"/>
+              <a:t> </a:t>
+            </a:r>
+            <a:endParaRPr lang="en-US" sz="1600" dirty="0"/>
+          </a:p>
+          <a:p>
+            <a:r>
+              <a:rPr lang="en-US" sz="1600" dirty="0"/>
+              <a:t>2.	Confirm your remote settings: </a:t>
+            </a:r>
+            <a:r>
+              <a:rPr lang="en-US" sz="1600" dirty="0" err="1"/>
+              <a:t>git</a:t>
+            </a:r>
+            <a:r>
+              <a:rPr lang="en-US" sz="1600" dirty="0"/>
+              <a:t> remote -v </a:t>
+            </a:r>
+          </a:p>
+          <a:p>
+            <a:r>
+              <a:rPr lang="en-US" sz="1600" dirty="0"/>
+              <a:t>3.	Pull down the remote tracking branches from the upstream fork: </a:t>
+            </a:r>
+            <a:r>
+              <a:rPr lang="en-US" sz="1600" dirty="0" err="1"/>
+              <a:t>git</a:t>
+            </a:r>
+            <a:r>
+              <a:rPr lang="en-US" sz="1600" dirty="0"/>
+              <a:t> fetch upstream </a:t>
+            </a:r>
+          </a:p>
+          <a:p>
+            <a:r>
+              <a:rPr lang="en-US" sz="1600" dirty="0"/>
+              <a:t>4.	Create a local branch called shape-colors based on the shape-colors branch in your remote fork of the repository: </a:t>
+            </a:r>
+            <a:r>
+              <a:rPr lang="en-US" sz="1600" dirty="0" err="1"/>
+              <a:t>git</a:t>
+            </a:r>
+            <a:r>
+              <a:rPr lang="en-US" sz="1600" dirty="0"/>
+              <a:t> checkout -b shape-colors origin/</a:t>
+            </a:r>
+            <a:r>
+              <a:rPr lang="en-US" sz="1600" dirty="0" err="1"/>
+              <a:t>shapecolors</a:t>
+            </a:r>
+            <a:r>
+              <a:rPr lang="en-US" sz="1600" dirty="0"/>
+              <a:t> </a:t>
+            </a:r>
+          </a:p>
+          <a:p>
+            <a:r>
+              <a:rPr lang="en-US" sz="1600" dirty="0"/>
+              <a:t>5.	See the difference between your branch and the upstream branch: </a:t>
+            </a:r>
+            <a:r>
+              <a:rPr lang="en-US" sz="1600" dirty="0" err="1"/>
+              <a:t>git</a:t>
+            </a:r>
+            <a:r>
+              <a:rPr lang="en-US" sz="1600" dirty="0"/>
+              <a:t> diff </a:t>
+            </a:r>
+            <a:r>
+              <a:rPr lang="en-US" sz="1600" dirty="0" err="1"/>
+              <a:t>shapecolors</a:t>
+            </a:r>
+            <a:r>
+              <a:rPr lang="en-US" sz="1600" dirty="0"/>
+              <a:t> upstream/shape-colors </a:t>
+            </a:r>
+          </a:p>
+          <a:p>
+            <a:r>
+              <a:rPr lang="en-US" sz="1600" dirty="0"/>
+              <a:t>6.	Merge in the changes from the upstream fork’s shape-colors branch: </a:t>
+            </a:r>
+            <a:r>
+              <a:rPr lang="en-US" sz="1600" dirty="0" err="1"/>
+              <a:t>git</a:t>
+            </a:r>
+            <a:r>
+              <a:rPr lang="en-US" sz="1600" dirty="0"/>
+              <a:t> merge upstream/shape-colors </a:t>
+            </a:r>
+          </a:p>
+          <a:p>
+            <a:r>
+              <a:rPr lang="en-US" sz="1600" dirty="0"/>
+              <a:t>7.	Update your remote fork with your local changes: </a:t>
+            </a:r>
+            <a:r>
+              <a:rPr lang="en-US" sz="1600" dirty="0" err="1"/>
+              <a:t>git</a:t>
+            </a:r>
+            <a:r>
+              <a:rPr lang="en-US" sz="1600" dirty="0"/>
+              <a:t> push </a:t>
+            </a:r>
+          </a:p>
+          <a:p>
+            <a:r>
+              <a:rPr lang="en-US" sz="1600" dirty="0"/>
+              <a:t>8.	Create a Pull Request in your repository. </a:t>
+            </a:r>
+          </a:p>
+          <a:p>
+            <a:endParaRPr lang="en-US" sz="1600" dirty="0"/>
           </a:p>
         </p:txBody>
       </p:sp>
     </p:spTree>
     <p:extLst>
       <p:ext uri="{BB962C8B-B14F-4D97-AF65-F5344CB8AC3E}">
-        <p14:creationId xmlns:p14="http://schemas.microsoft.com/office/powerpoint/2010/main" val="3748171500"/>
+        <p14:creationId xmlns:p14="http://schemas.microsoft.com/office/powerpoint/2010/main" val="3670999766"/>
       </p:ext>
     </p:extLst>
   </p:cSld>
@@ -9093,37 +10223,18 @@
           <a:p>
             <a:r>
               <a:rPr lang="en-US" dirty="0" smtClean="0"/>
-              <a:t>Working with Multiple Remotes</a:t>
+              <a:t>Searching for Events in Your Code</a:t>
             </a:r>
           </a:p>
           <a:p>
             <a:endParaRPr lang="en-US" dirty="0"/>
-          </a:p>
-        </p:txBody>
-      </p:sp>
-      <p:sp>
-        <p:nvSpPr>
-          <p:cNvPr id="3" name="Text Placeholder 2"/>
-          <p:cNvSpPr>
-            <a:spLocks noGrp="1"/>
-          </p:cNvSpPr>
-          <p:nvPr>
-            <p:ph type="body" sz="quarter" idx="10"/>
-          </p:nvPr>
-        </p:nvSpPr>
-        <p:spPr/>
-        <p:txBody>
-          <a:bodyPr/>
-          <a:lstStyle/>
-          <a:p>
-            <a:endParaRPr lang="en-US"/>
           </a:p>
         </p:txBody>
       </p:sp>
     </p:spTree>
     <p:extLst>
       <p:ext uri="{BB962C8B-B14F-4D97-AF65-F5344CB8AC3E}">
-        <p14:creationId xmlns:p14="http://schemas.microsoft.com/office/powerpoint/2010/main" val="1917368738"/>
+        <p14:creationId xmlns:p14="http://schemas.microsoft.com/office/powerpoint/2010/main" val="1875893806"/>
       </p:ext>
     </p:extLst>
   </p:cSld>
@@ -9167,7 +10278,15 @@
           <a:p>
             <a:r>
               <a:rPr lang="en-US" dirty="0" smtClean="0"/>
-              <a:t>Remote Merge Conflicts</a:t>
+              <a:t>What is </a:t>
+            </a:r>
+            <a:r>
+              <a:rPr lang="en-US" dirty="0" err="1" smtClean="0"/>
+              <a:t>git</a:t>
+            </a:r>
+            <a:r>
+              <a:rPr lang="en-US" dirty="0" smtClean="0"/>
+              <a:t> bisect?</a:t>
             </a:r>
           </a:p>
           <a:p>
@@ -9190,14 +10309,65 @@
           <a:bodyPr/>
           <a:lstStyle/>
           <a:p>
-            <a:endParaRPr lang="en-US"/>
+            <a:r>
+              <a:rPr lang="en-US" dirty="0"/>
+              <a:t>can help </a:t>
+            </a:r>
+            <a:r>
+              <a:rPr lang="en-US" dirty="0" smtClean="0"/>
+              <a:t>us detect specific events in our code</a:t>
+            </a:r>
+            <a:endParaRPr lang="en-SE" dirty="0" smtClean="0"/>
+          </a:p>
+          <a:p>
+            <a:pPr lvl="1"/>
+            <a:r>
+              <a:rPr lang="en-US" dirty="0"/>
+              <a:t>a bug was </a:t>
+            </a:r>
+            <a:r>
+              <a:rPr lang="en-US" dirty="0" smtClean="0"/>
+              <a:t>introduced</a:t>
+            </a:r>
+            <a:endParaRPr lang="en-US" dirty="0"/>
+          </a:p>
+          <a:p>
+            <a:pPr lvl="1"/>
+            <a:r>
+              <a:rPr lang="en-US" dirty="0"/>
+              <a:t>a new feature was </a:t>
+            </a:r>
+            <a:r>
+              <a:rPr lang="en-US" dirty="0" smtClean="0"/>
+              <a:t>added </a:t>
+            </a:r>
+            <a:endParaRPr lang="en-US" dirty="0"/>
+          </a:p>
+          <a:p>
+            <a:pPr lvl="1"/>
+            <a:r>
+              <a:rPr lang="en-US" dirty="0"/>
+              <a:t>a benchmark’s performance </a:t>
+            </a:r>
+            <a:r>
+              <a:rPr lang="en-US" dirty="0" smtClean="0"/>
+              <a:t>improved</a:t>
+            </a:r>
+            <a:endParaRPr lang="en-US" dirty="0"/>
+          </a:p>
+          <a:p>
+            <a:r>
+              <a:rPr lang="en-US" dirty="0"/>
+              <a:t>works by cutting the history between two points in half and then checking you out to that commit</a:t>
+            </a:r>
+            <a:endParaRPr lang="en-US" dirty="0"/>
           </a:p>
         </p:txBody>
       </p:sp>
     </p:spTree>
     <p:extLst>
       <p:ext uri="{BB962C8B-B14F-4D97-AF65-F5344CB8AC3E}">
-        <p14:creationId xmlns:p14="http://schemas.microsoft.com/office/powerpoint/2010/main" val="3670999766"/>
+        <p14:creationId xmlns:p14="http://schemas.microsoft.com/office/powerpoint/2010/main" val="1371258636"/>
       </p:ext>
     </p:extLst>
   </p:cSld>
@@ -9241,40 +10411,18 @@
           <a:p>
             <a:r>
               <a:rPr lang="en-US" dirty="0" smtClean="0"/>
-              <a:t>Exploring</a:t>
-            </a:r>
-          </a:p>
-          <a:p>
-            <a:endParaRPr lang="en-US" dirty="0" smtClean="0"/>
+              <a:t>Reverting Commits</a:t>
+            </a:r>
           </a:p>
           <a:p>
             <a:endParaRPr lang="en-US" dirty="0"/>
-          </a:p>
-        </p:txBody>
-      </p:sp>
-      <p:sp>
-        <p:nvSpPr>
-          <p:cNvPr id="3" name="Text Placeholder 2"/>
-          <p:cNvSpPr>
-            <a:spLocks noGrp="1"/>
-          </p:cNvSpPr>
-          <p:nvPr>
-            <p:ph type="body" sz="quarter" idx="10"/>
-          </p:nvPr>
-        </p:nvSpPr>
-        <p:spPr/>
-        <p:txBody>
-          <a:bodyPr/>
-          <a:lstStyle/>
-          <a:p>
-            <a:endParaRPr lang="en-US"/>
           </a:p>
         </p:txBody>
       </p:sp>
     </p:spTree>
     <p:extLst>
       <p:ext uri="{BB962C8B-B14F-4D97-AF65-F5344CB8AC3E}">
-        <p14:creationId xmlns:p14="http://schemas.microsoft.com/office/powerpoint/2010/main" val="493543609"/>
+        <p14:creationId xmlns:p14="http://schemas.microsoft.com/office/powerpoint/2010/main" val="3723020561"/>
       </p:ext>
     </p:extLst>
   </p:cSld>
@@ -9318,7 +10466,7 @@
           <a:p>
             <a:r>
               <a:rPr lang="en-US" dirty="0" smtClean="0"/>
-              <a:t>Searching for Events in Your Code</a:t>
+              <a:t>How Commits Are Made</a:t>
             </a:r>
           </a:p>
           <a:p>
@@ -9341,14 +10489,42 @@
           <a:bodyPr/>
           <a:lstStyle/>
           <a:p>
-            <a:endParaRPr lang="en-US"/>
-          </a:p>
-        </p:txBody>
-      </p:sp>
+            <a:r>
+              <a:rPr lang="en-SE" dirty="0" smtClean="0"/>
+              <a:t>Commit=unique snapshot</a:t>
+            </a:r>
+            <a:endParaRPr lang="en-US" dirty="0"/>
+          </a:p>
+        </p:txBody>
+      </p:sp>
+      <p:pic>
+        <p:nvPicPr>
+          <p:cNvPr id="4" name="Picture 3"/>
+          <p:cNvPicPr>
+            <a:picLocks noChangeAspect="1"/>
+          </p:cNvPicPr>
+          <p:nvPr/>
+        </p:nvPicPr>
+        <p:blipFill>
+          <a:blip r:embed="rId2"/>
+          <a:stretch>
+            <a:fillRect/>
+          </a:stretch>
+        </p:blipFill>
+        <p:spPr>
+          <a:xfrm>
+            <a:off x="6086631" y="1828799"/>
+            <a:ext cx="5343369" cy="3016703"/>
+          </a:xfrm>
+          <a:prstGeom prst="rect">
+            <a:avLst/>
+          </a:prstGeom>
+        </p:spPr>
+      </p:pic>
     </p:spTree>
     <p:extLst>
       <p:ext uri="{BB962C8B-B14F-4D97-AF65-F5344CB8AC3E}">
-        <p14:creationId xmlns:p14="http://schemas.microsoft.com/office/powerpoint/2010/main" val="1875893806"/>
+        <p14:creationId xmlns:p14="http://schemas.microsoft.com/office/powerpoint/2010/main" val="4178544162"/>
       </p:ext>
     </p:extLst>
   </p:cSld>
@@ -9392,15 +10568,7 @@
           <a:p>
             <a:r>
               <a:rPr lang="en-US" dirty="0" smtClean="0"/>
-              <a:t>What is </a:t>
-            </a:r>
-            <a:r>
-              <a:rPr lang="en-US" dirty="0" err="1" smtClean="0"/>
-              <a:t>git</a:t>
-            </a:r>
-            <a:r>
-              <a:rPr lang="en-US" dirty="0" smtClean="0"/>
-              <a:t> bisect?</a:t>
+              <a:t>Safe Operations</a:t>
             </a:r>
           </a:p>
           <a:p>
@@ -9423,14 +10591,484 @@
           <a:bodyPr/>
           <a:lstStyle/>
           <a:p>
-            <a:endParaRPr lang="en-US"/>
-          </a:p>
-        </p:txBody>
-      </p:sp>
+            <a:endParaRPr lang="en-US" dirty="0"/>
+          </a:p>
+        </p:txBody>
+      </p:sp>
+      <p:graphicFrame>
+        <p:nvGraphicFramePr>
+          <p:cNvPr id="4" name="Table 3"/>
+          <p:cNvGraphicFramePr>
+            <a:graphicFrameLocks noGrp="1"/>
+          </p:cNvGraphicFramePr>
+          <p:nvPr>
+            <p:extLst>
+              <p:ext uri="{D42A27DB-BD31-4B8C-83A1-F6EECF244321}">
+                <p14:modId xmlns:p14="http://schemas.microsoft.com/office/powerpoint/2010/main" val="3588169533"/>
+              </p:ext>
+            </p:extLst>
+          </p:nvPr>
+        </p:nvGraphicFramePr>
+        <p:xfrm>
+          <a:off x="2286000" y="3619500"/>
+          <a:ext cx="5923915" cy="1819910"/>
+        </p:xfrm>
+        <a:graphic>
+          <a:graphicData uri="http://schemas.openxmlformats.org/drawingml/2006/table">
+            <a:tbl>
+              <a:tblPr firstRow="1" firstCol="1" bandRow="1">
+                <a:tableStyleId>{5C22544A-7EE6-4342-B048-85BDC9FD1C3A}</a:tableStyleId>
+              </a:tblPr>
+              <a:tblGrid>
+                <a:gridCol w="1736090">
+                  <a:extLst>
+                    <a:ext uri="{9D8B030D-6E8A-4147-A177-3AD203B41FA5}">
+                      <a16:colId xmlns:a16="http://schemas.microsoft.com/office/drawing/2014/main" val="3269074308"/>
+                    </a:ext>
+                  </a:extLst>
+                </a:gridCol>
+                <a:gridCol w="4187825">
+                  <a:extLst>
+                    <a:ext uri="{9D8B030D-6E8A-4147-A177-3AD203B41FA5}">
+                      <a16:colId xmlns:a16="http://schemas.microsoft.com/office/drawing/2014/main" val="2559044364"/>
+                    </a:ext>
+                  </a:extLst>
+                </a:gridCol>
+              </a:tblGrid>
+              <a:tr h="305435">
+                <a:tc>
+                  <a:txBody>
+                    <a:bodyPr/>
+                    <a:lstStyle/>
+                    <a:p>
+                      <a:pPr marL="3175" indent="-6350">
+                        <a:lnSpc>
+                          <a:spcPct val="107000"/>
+                        </a:lnSpc>
+                        <a:spcAft>
+                          <a:spcPts val="0"/>
+                        </a:spcAft>
+                      </a:pPr>
+                      <a:r>
+                        <a:rPr lang="en-US" sz="1200">
+                          <a:effectLst/>
+                        </a:rPr>
+                        <a:t>Command </a:t>
+                      </a:r>
+                      <a:endParaRPr lang="en-US" sz="1200">
+                        <a:solidFill>
+                          <a:srgbClr val="000000"/>
+                        </a:solidFill>
+                        <a:effectLst/>
+                        <a:latin typeface="Times New Roman" panose="02020603050405020304" pitchFamily="18" charset="0"/>
+                        <a:ea typeface="Times New Roman" panose="02020603050405020304" pitchFamily="18" charset="0"/>
+                        <a:cs typeface="Times New Roman" panose="02020603050405020304" pitchFamily="18" charset="0"/>
+                      </a:endParaRPr>
+                    </a:p>
+                  </a:txBody>
+                  <a:tcPr marL="104140" marR="73025" marT="59690" marB="0" anchor="ctr"/>
+                </a:tc>
+                <a:tc>
+                  <a:txBody>
+                    <a:bodyPr/>
+                    <a:lstStyle/>
+                    <a:p>
+                      <a:pPr marL="6985" indent="-6350">
+                        <a:lnSpc>
+                          <a:spcPct val="107000"/>
+                        </a:lnSpc>
+                        <a:spcAft>
+                          <a:spcPts val="0"/>
+                        </a:spcAft>
+                      </a:pPr>
+                      <a:r>
+                        <a:rPr lang="en-US" sz="1200">
+                          <a:effectLst/>
+                        </a:rPr>
+                        <a:t>Cautions </a:t>
+                      </a:r>
+                      <a:endParaRPr lang="en-US" sz="1200">
+                        <a:solidFill>
+                          <a:srgbClr val="000000"/>
+                        </a:solidFill>
+                        <a:effectLst/>
+                        <a:latin typeface="Times New Roman" panose="02020603050405020304" pitchFamily="18" charset="0"/>
+                        <a:ea typeface="Times New Roman" panose="02020603050405020304" pitchFamily="18" charset="0"/>
+                        <a:cs typeface="Times New Roman" panose="02020603050405020304" pitchFamily="18" charset="0"/>
+                      </a:endParaRPr>
+                    </a:p>
+                  </a:txBody>
+                  <a:tcPr marL="104140" marR="73025" marT="59690" marB="0" anchor="ctr"/>
+                </a:tc>
+                <a:extLst>
+                  <a:ext uri="{0D108BD9-81ED-4DB2-BD59-A6C34878D82A}">
+                    <a16:rowId xmlns:a16="http://schemas.microsoft.com/office/drawing/2014/main" val="2770292893"/>
+                  </a:ext>
+                </a:extLst>
+              </a:tr>
+              <a:tr h="295910">
+                <a:tc>
+                  <a:txBody>
+                    <a:bodyPr/>
+                    <a:lstStyle/>
+                    <a:p>
+                      <a:pPr marL="3175" indent="-6350">
+                        <a:lnSpc>
+                          <a:spcPct val="107000"/>
+                        </a:lnSpc>
+                        <a:spcAft>
+                          <a:spcPts val="0"/>
+                        </a:spcAft>
+                      </a:pPr>
+                      <a:r>
+                        <a:rPr lang="en-US" sz="1200" dirty="0">
+                          <a:effectLst/>
+                        </a:rPr>
+                        <a:t>revert </a:t>
+                      </a:r>
+                      <a:endParaRPr lang="en-US" sz="1200" dirty="0">
+                        <a:solidFill>
+                          <a:srgbClr val="000000"/>
+                        </a:solidFill>
+                        <a:effectLst/>
+                        <a:latin typeface="Times New Roman" panose="02020603050405020304" pitchFamily="18" charset="0"/>
+                        <a:ea typeface="Times New Roman" panose="02020603050405020304" pitchFamily="18" charset="0"/>
+                        <a:cs typeface="Times New Roman" panose="02020603050405020304" pitchFamily="18" charset="0"/>
+                      </a:endParaRPr>
+                    </a:p>
+                  </a:txBody>
+                  <a:tcPr marL="104140" marR="73025" marT="59690" marB="0"/>
+                </a:tc>
+                <a:tc>
+                  <a:txBody>
+                    <a:bodyPr/>
+                    <a:lstStyle/>
+                    <a:p>
+                      <a:pPr marL="6985" indent="-6350">
+                        <a:lnSpc>
+                          <a:spcPct val="107000"/>
+                        </a:lnSpc>
+                        <a:spcAft>
+                          <a:spcPts val="0"/>
+                        </a:spcAft>
+                      </a:pPr>
+                      <a:r>
+                        <a:rPr lang="en-US" sz="1200">
+                          <a:effectLst/>
+                        </a:rPr>
+                        <a:t>Generally safe since it creates a new commit. </a:t>
+                      </a:r>
+                      <a:endParaRPr lang="en-US" sz="1200">
+                        <a:solidFill>
+                          <a:srgbClr val="000000"/>
+                        </a:solidFill>
+                        <a:effectLst/>
+                        <a:latin typeface="Times New Roman" panose="02020603050405020304" pitchFamily="18" charset="0"/>
+                        <a:ea typeface="Times New Roman" panose="02020603050405020304" pitchFamily="18" charset="0"/>
+                        <a:cs typeface="Times New Roman" panose="02020603050405020304" pitchFamily="18" charset="0"/>
+                      </a:endParaRPr>
+                    </a:p>
+                  </a:txBody>
+                  <a:tcPr marL="104140" marR="73025" marT="59690" marB="0"/>
+                </a:tc>
+                <a:extLst>
+                  <a:ext uri="{0D108BD9-81ED-4DB2-BD59-A6C34878D82A}">
+                    <a16:rowId xmlns:a16="http://schemas.microsoft.com/office/drawing/2014/main" val="3448046409"/>
+                  </a:ext>
+                </a:extLst>
+              </a:tr>
+              <a:tr h="295275">
+                <a:tc>
+                  <a:txBody>
+                    <a:bodyPr/>
+                    <a:lstStyle/>
+                    <a:p>
+                      <a:pPr marL="3175" indent="-6350">
+                        <a:lnSpc>
+                          <a:spcPct val="107000"/>
+                        </a:lnSpc>
+                        <a:spcAft>
+                          <a:spcPts val="0"/>
+                        </a:spcAft>
+                      </a:pPr>
+                      <a:r>
+                        <a:rPr lang="en-US" sz="1200" dirty="0">
+                          <a:effectLst/>
+                        </a:rPr>
+                        <a:t>commit --amend </a:t>
+                      </a:r>
+                      <a:endParaRPr lang="en-US" sz="1200" dirty="0">
+                        <a:solidFill>
+                          <a:srgbClr val="000000"/>
+                        </a:solidFill>
+                        <a:effectLst/>
+                        <a:latin typeface="Times New Roman" panose="02020603050405020304" pitchFamily="18" charset="0"/>
+                        <a:ea typeface="Times New Roman" panose="02020603050405020304" pitchFamily="18" charset="0"/>
+                        <a:cs typeface="Times New Roman" panose="02020603050405020304" pitchFamily="18" charset="0"/>
+                      </a:endParaRPr>
+                    </a:p>
+                  </a:txBody>
+                  <a:tcPr marL="104140" marR="73025" marT="59690" marB="0"/>
+                </a:tc>
+                <a:tc>
+                  <a:txBody>
+                    <a:bodyPr/>
+                    <a:lstStyle/>
+                    <a:p>
+                      <a:pPr marL="6985" indent="-6350">
+                        <a:lnSpc>
+                          <a:spcPct val="107000"/>
+                        </a:lnSpc>
+                        <a:spcAft>
+                          <a:spcPts val="0"/>
+                        </a:spcAft>
+                      </a:pPr>
+                      <a:r>
+                        <a:rPr lang="en-US" sz="1200">
+                          <a:effectLst/>
+                        </a:rPr>
+                        <a:t>Only use on local commits. </a:t>
+                      </a:r>
+                      <a:endParaRPr lang="en-US" sz="1200">
+                        <a:solidFill>
+                          <a:srgbClr val="000000"/>
+                        </a:solidFill>
+                        <a:effectLst/>
+                        <a:latin typeface="Times New Roman" panose="02020603050405020304" pitchFamily="18" charset="0"/>
+                        <a:ea typeface="Times New Roman" panose="02020603050405020304" pitchFamily="18" charset="0"/>
+                        <a:cs typeface="Times New Roman" panose="02020603050405020304" pitchFamily="18" charset="0"/>
+                      </a:endParaRPr>
+                    </a:p>
+                  </a:txBody>
+                  <a:tcPr marL="104140" marR="73025" marT="59690" marB="0"/>
+                </a:tc>
+                <a:extLst>
+                  <a:ext uri="{0D108BD9-81ED-4DB2-BD59-A6C34878D82A}">
+                    <a16:rowId xmlns:a16="http://schemas.microsoft.com/office/drawing/2014/main" val="3390221186"/>
+                  </a:ext>
+                </a:extLst>
+              </a:tr>
+              <a:tr h="295910">
+                <a:tc>
+                  <a:txBody>
+                    <a:bodyPr/>
+                    <a:lstStyle/>
+                    <a:p>
+                      <a:pPr marL="3175" indent="-6350">
+                        <a:lnSpc>
+                          <a:spcPct val="107000"/>
+                        </a:lnSpc>
+                        <a:spcAft>
+                          <a:spcPts val="0"/>
+                        </a:spcAft>
+                      </a:pPr>
+                      <a:r>
+                        <a:rPr lang="en-US" sz="1200" dirty="0">
+                          <a:effectLst/>
+                        </a:rPr>
+                        <a:t>reset </a:t>
+                      </a:r>
+                      <a:endParaRPr lang="en-US" sz="1200" dirty="0">
+                        <a:solidFill>
+                          <a:srgbClr val="000000"/>
+                        </a:solidFill>
+                        <a:effectLst/>
+                        <a:latin typeface="Times New Roman" panose="02020603050405020304" pitchFamily="18" charset="0"/>
+                        <a:ea typeface="Times New Roman" panose="02020603050405020304" pitchFamily="18" charset="0"/>
+                        <a:cs typeface="Times New Roman" panose="02020603050405020304" pitchFamily="18" charset="0"/>
+                      </a:endParaRPr>
+                    </a:p>
+                  </a:txBody>
+                  <a:tcPr marL="104140" marR="73025" marT="59690" marB="0"/>
+                </a:tc>
+                <a:tc>
+                  <a:txBody>
+                    <a:bodyPr/>
+                    <a:lstStyle/>
+                    <a:p>
+                      <a:pPr marL="6985" indent="-6350">
+                        <a:lnSpc>
+                          <a:spcPct val="107000"/>
+                        </a:lnSpc>
+                        <a:spcAft>
+                          <a:spcPts val="0"/>
+                        </a:spcAft>
+                      </a:pPr>
+                      <a:r>
+                        <a:rPr lang="en-US" sz="1200">
+                          <a:effectLst/>
+                        </a:rPr>
+                        <a:t>Only use on local commits. </a:t>
+                      </a:r>
+                      <a:endParaRPr lang="en-US" sz="1200">
+                        <a:solidFill>
+                          <a:srgbClr val="000000"/>
+                        </a:solidFill>
+                        <a:effectLst/>
+                        <a:latin typeface="Times New Roman" panose="02020603050405020304" pitchFamily="18" charset="0"/>
+                        <a:ea typeface="Times New Roman" panose="02020603050405020304" pitchFamily="18" charset="0"/>
+                        <a:cs typeface="Times New Roman" panose="02020603050405020304" pitchFamily="18" charset="0"/>
+                      </a:endParaRPr>
+                    </a:p>
+                  </a:txBody>
+                  <a:tcPr marL="104140" marR="73025" marT="59690" marB="0"/>
+                </a:tc>
+                <a:extLst>
+                  <a:ext uri="{0D108BD9-81ED-4DB2-BD59-A6C34878D82A}">
+                    <a16:rowId xmlns:a16="http://schemas.microsoft.com/office/drawing/2014/main" val="2246502389"/>
+                  </a:ext>
+                </a:extLst>
+              </a:tr>
+              <a:tr h="295910">
+                <a:tc>
+                  <a:txBody>
+                    <a:bodyPr/>
+                    <a:lstStyle/>
+                    <a:p>
+                      <a:pPr marL="3175" indent="-6350">
+                        <a:lnSpc>
+                          <a:spcPct val="107000"/>
+                        </a:lnSpc>
+                        <a:spcAft>
+                          <a:spcPts val="0"/>
+                        </a:spcAft>
+                      </a:pPr>
+                      <a:r>
+                        <a:rPr lang="en-US" sz="1200" dirty="0">
+                          <a:effectLst/>
+                        </a:rPr>
+                        <a:t>cherry-pick </a:t>
+                      </a:r>
+                      <a:endParaRPr lang="en-US" sz="1200" dirty="0">
+                        <a:solidFill>
+                          <a:srgbClr val="000000"/>
+                        </a:solidFill>
+                        <a:effectLst/>
+                        <a:latin typeface="Times New Roman" panose="02020603050405020304" pitchFamily="18" charset="0"/>
+                        <a:ea typeface="Times New Roman" panose="02020603050405020304" pitchFamily="18" charset="0"/>
+                        <a:cs typeface="Times New Roman" panose="02020603050405020304" pitchFamily="18" charset="0"/>
+                      </a:endParaRPr>
+                    </a:p>
+                  </a:txBody>
+                  <a:tcPr marL="104140" marR="73025" marT="59690" marB="0"/>
+                </a:tc>
+                <a:tc>
+                  <a:txBody>
+                    <a:bodyPr/>
+                    <a:lstStyle/>
+                    <a:p>
+                      <a:pPr marL="6985" indent="-6350">
+                        <a:lnSpc>
+                          <a:spcPct val="107000"/>
+                        </a:lnSpc>
+                        <a:spcAft>
+                          <a:spcPts val="0"/>
+                        </a:spcAft>
+                      </a:pPr>
+                      <a:r>
+                        <a:rPr lang="en-US" sz="1200">
+                          <a:effectLst/>
+                        </a:rPr>
+                        <a:t>Only use on local commits. </a:t>
+                      </a:r>
+                      <a:endParaRPr lang="en-US" sz="1200">
+                        <a:solidFill>
+                          <a:srgbClr val="000000"/>
+                        </a:solidFill>
+                        <a:effectLst/>
+                        <a:latin typeface="Times New Roman" panose="02020603050405020304" pitchFamily="18" charset="0"/>
+                        <a:ea typeface="Times New Roman" panose="02020603050405020304" pitchFamily="18" charset="0"/>
+                        <a:cs typeface="Times New Roman" panose="02020603050405020304" pitchFamily="18" charset="0"/>
+                      </a:endParaRPr>
+                    </a:p>
+                  </a:txBody>
+                  <a:tcPr marL="104140" marR="73025" marT="59690" marB="0"/>
+                </a:tc>
+                <a:extLst>
+                  <a:ext uri="{0D108BD9-81ED-4DB2-BD59-A6C34878D82A}">
+                    <a16:rowId xmlns:a16="http://schemas.microsoft.com/office/drawing/2014/main" val="1896435048"/>
+                  </a:ext>
+                </a:extLst>
+              </a:tr>
+              <a:tr h="331470">
+                <a:tc>
+                  <a:txBody>
+                    <a:bodyPr/>
+                    <a:lstStyle/>
+                    <a:p>
+                      <a:pPr marL="3175" indent="-6350">
+                        <a:lnSpc>
+                          <a:spcPct val="107000"/>
+                        </a:lnSpc>
+                        <a:spcAft>
+                          <a:spcPts val="0"/>
+                        </a:spcAft>
+                      </a:pPr>
+                      <a:r>
+                        <a:rPr lang="en-US" sz="1200" dirty="0">
+                          <a:effectLst/>
+                        </a:rPr>
+                        <a:t>rebase </a:t>
+                      </a:r>
+                      <a:endParaRPr lang="en-US" sz="1200" dirty="0">
+                        <a:solidFill>
+                          <a:srgbClr val="000000"/>
+                        </a:solidFill>
+                        <a:effectLst/>
+                        <a:latin typeface="Times New Roman" panose="02020603050405020304" pitchFamily="18" charset="0"/>
+                        <a:ea typeface="Times New Roman" panose="02020603050405020304" pitchFamily="18" charset="0"/>
+                        <a:cs typeface="Times New Roman" panose="02020603050405020304" pitchFamily="18" charset="0"/>
+                      </a:endParaRPr>
+                    </a:p>
+                  </a:txBody>
+                  <a:tcPr marL="104140" marR="73025" marT="59690" marB="0"/>
+                </a:tc>
+                <a:tc>
+                  <a:txBody>
+                    <a:bodyPr/>
+                    <a:lstStyle/>
+                    <a:p>
+                      <a:pPr marL="6985" indent="-6350">
+                        <a:lnSpc>
+                          <a:spcPct val="107000"/>
+                        </a:lnSpc>
+                        <a:spcAft>
+                          <a:spcPts val="0"/>
+                        </a:spcAft>
+                      </a:pPr>
+                      <a:r>
+                        <a:rPr lang="en-US" sz="1200" dirty="0">
+                          <a:effectLst/>
+                        </a:rPr>
+                        <a:t>Only use on local commits. </a:t>
+                      </a:r>
+                      <a:endParaRPr lang="en-US" sz="1200" dirty="0">
+                        <a:solidFill>
+                          <a:srgbClr val="000000"/>
+                        </a:solidFill>
+                        <a:effectLst/>
+                        <a:latin typeface="Times New Roman" panose="02020603050405020304" pitchFamily="18" charset="0"/>
+                        <a:ea typeface="Times New Roman" panose="02020603050405020304" pitchFamily="18" charset="0"/>
+                        <a:cs typeface="Times New Roman" panose="02020603050405020304" pitchFamily="18" charset="0"/>
+                      </a:endParaRPr>
+                    </a:p>
+                  </a:txBody>
+                  <a:tcPr marL="104140" marR="73025" marT="59690" marB="0"/>
+                </a:tc>
+                <a:extLst>
+                  <a:ext uri="{0D108BD9-81ED-4DB2-BD59-A6C34878D82A}">
+                    <a16:rowId xmlns:a16="http://schemas.microsoft.com/office/drawing/2014/main" val="3459542395"/>
+                  </a:ext>
+                </a:extLst>
+              </a:tr>
+            </a:tbl>
+          </a:graphicData>
+        </a:graphic>
+      </p:graphicFrame>
     </p:spTree>
     <p:extLst>
       <p:ext uri="{BB962C8B-B14F-4D97-AF65-F5344CB8AC3E}">
-        <p14:creationId xmlns:p14="http://schemas.microsoft.com/office/powerpoint/2010/main" val="1371258636"/>
+        <p14:creationId xmlns:p14="http://schemas.microsoft.com/office/powerpoint/2010/main" val="1780660438"/>
       </p:ext>
     </p:extLst>
   </p:cSld>
@@ -9474,7 +11112,7 @@
           <a:p>
             <a:r>
               <a:rPr lang="en-US" dirty="0" smtClean="0"/>
-              <a:t>Finding the Bug in Our Project</a:t>
+              <a:t>Reverting Commits</a:t>
             </a:r>
           </a:p>
           <a:p>
@@ -9500,14 +11138,43 @@
           <a:bodyPr/>
           <a:lstStyle/>
           <a:p>
-            <a:endParaRPr lang="en-US"/>
+            <a:pPr lvl="0"/>
+            <a:r>
+              <a:rPr lang="en-US" dirty="0"/>
+              <a:t>Initialize the revert: </a:t>
+            </a:r>
+            <a:r>
+              <a:rPr lang="en-US" dirty="0" err="1"/>
+              <a:t>git</a:t>
+            </a:r>
+            <a:r>
+              <a:rPr lang="en-US" dirty="0"/>
+              <a:t> revert &lt;SHA&gt; </a:t>
+            </a:r>
+          </a:p>
+          <a:p>
+            <a:pPr lvl="0"/>
+            <a:r>
+              <a:rPr lang="en-US" dirty="0"/>
+              <a:t>Type a commit message. </a:t>
+            </a:r>
+          </a:p>
+          <a:p>
+            <a:pPr lvl="0"/>
+            <a:r>
+              <a:rPr lang="en-US" dirty="0"/>
+              <a:t>Push your changes to GitHub. </a:t>
+            </a:r>
+          </a:p>
+          <a:p>
+            <a:endParaRPr lang="en-US" dirty="0"/>
           </a:p>
         </p:txBody>
       </p:sp>
     </p:spTree>
     <p:extLst>
       <p:ext uri="{BB962C8B-B14F-4D97-AF65-F5344CB8AC3E}">
-        <p14:creationId xmlns:p14="http://schemas.microsoft.com/office/powerpoint/2010/main" val="3977652433"/>
+        <p14:creationId xmlns:p14="http://schemas.microsoft.com/office/powerpoint/2010/main" val="674809676"/>
       </p:ext>
     </p:extLst>
   </p:cSld>
@@ -9551,37 +11218,26 @@
           <a:p>
             <a:r>
               <a:rPr lang="en-US" dirty="0" smtClean="0"/>
-              <a:t>Reverting Commits</a:t>
+              <a:t>Helpful </a:t>
+            </a:r>
+            <a:r>
+              <a:rPr lang="en-US" dirty="0" err="1" smtClean="0"/>
+              <a:t>Git</a:t>
+            </a:r>
+            <a:r>
+              <a:rPr lang="en-US" dirty="0" smtClean="0"/>
+              <a:t> Commands</a:t>
             </a:r>
           </a:p>
           <a:p>
             <a:endParaRPr lang="en-US" dirty="0"/>
-          </a:p>
-        </p:txBody>
-      </p:sp>
-      <p:sp>
-        <p:nvSpPr>
-          <p:cNvPr id="3" name="Text Placeholder 2"/>
-          <p:cNvSpPr>
-            <a:spLocks noGrp="1"/>
-          </p:cNvSpPr>
-          <p:nvPr>
-            <p:ph type="body" sz="quarter" idx="10"/>
-          </p:nvPr>
-        </p:nvSpPr>
-        <p:spPr/>
-        <p:txBody>
-          <a:bodyPr/>
-          <a:lstStyle/>
-          <a:p>
-            <a:endParaRPr lang="en-US"/>
           </a:p>
         </p:txBody>
       </p:sp>
     </p:spTree>
     <p:extLst>
       <p:ext uri="{BB962C8B-B14F-4D97-AF65-F5344CB8AC3E}">
-        <p14:creationId xmlns:p14="http://schemas.microsoft.com/office/powerpoint/2010/main" val="3723020561"/>
+        <p14:creationId xmlns:p14="http://schemas.microsoft.com/office/powerpoint/2010/main" val="3297397233"/>
       </p:ext>
     </p:extLst>
   </p:cSld>
@@ -9625,8 +11281,13 @@
           <a:p>
             <a:r>
               <a:rPr lang="en-US" dirty="0" smtClean="0"/>
-              <a:t>How Commits Are Made</a:t>
-            </a:r>
+              <a:t>Moving and Renaming Files with </a:t>
+            </a:r>
+            <a:r>
+              <a:rPr lang="en-US" dirty="0" err="1" smtClean="0"/>
+              <a:t>Git</a:t>
+            </a:r>
+            <a:endParaRPr lang="en-US" dirty="0" smtClean="0"/>
           </a:p>
           <a:p>
             <a:endParaRPr lang="en-US" dirty="0"/>
@@ -9648,14 +11309,47 @@
           <a:bodyPr/>
           <a:lstStyle/>
           <a:p>
-            <a:endParaRPr lang="en-US"/>
+            <a:pPr lvl="0"/>
+            <a:r>
+              <a:rPr lang="en-US" sz="2000" dirty="0" err="1" smtClean="0"/>
+              <a:t>git</a:t>
+            </a:r>
+            <a:r>
+              <a:rPr lang="en-US" sz="2000" dirty="0" smtClean="0"/>
+              <a:t> </a:t>
+            </a:r>
+            <a:r>
+              <a:rPr lang="en-US" sz="2000" dirty="0"/>
+              <a:t>mv </a:t>
+            </a:r>
+            <a:r>
+              <a:rPr lang="en-SE" sz="2000" dirty="0" smtClean="0"/>
+              <a:t>&lt;file&gt;</a:t>
+            </a:r>
+            <a:r>
+              <a:rPr lang="en-US" sz="2000" dirty="0" smtClean="0"/>
+              <a:t> </a:t>
+            </a:r>
+            <a:r>
+              <a:rPr lang="en-SE" sz="2000" dirty="0" smtClean="0"/>
+              <a:t>&lt;newpath&gt;</a:t>
+            </a:r>
+            <a:r>
+              <a:rPr lang="en-US" sz="2000" dirty="0" smtClean="0"/>
+              <a:t>/</a:t>
+            </a:r>
+            <a:r>
+              <a:rPr lang="en-SE" sz="2000" dirty="0" smtClean="0"/>
+              <a:t>&lt;newname&gt;</a:t>
+            </a:r>
+            <a:endParaRPr lang="en-US" sz="2000" dirty="0"/>
           </a:p>
         </p:txBody>
       </p:sp>
     </p:spTree>
     <p:extLst>
       <p:ext uri="{BB962C8B-B14F-4D97-AF65-F5344CB8AC3E}">
-        <p14:creationId xmlns:p14="http://schemas.microsoft.com/office/powerpoint/2010/main" val="4178544162"/>
+        <p14:creationId xmlns:p14="http://schemas.microsoft.com/office/powerpoint/2010/main" val="2917085269"/>
       </p:ext>
     </p:extLst>
   </p:cSld>
@@ -9699,7 +11393,7 @@
           <a:p>
             <a:r>
               <a:rPr lang="en-US" dirty="0" smtClean="0"/>
-              <a:t>Safe Operations</a:t>
+              <a:t>Viewing Local Changes</a:t>
             </a:r>
           </a:p>
           <a:p>
@@ -9722,14 +11416,92 @@
           <a:bodyPr/>
           <a:lstStyle/>
           <a:p>
-            <a:endParaRPr lang="en-US"/>
-          </a:p>
-        </p:txBody>
-      </p:sp>
+            <a:r>
+              <a:rPr lang="en-US" dirty="0"/>
+              <a:t>$ </a:t>
+            </a:r>
+            <a:r>
+              <a:rPr lang="en-US" dirty="0" err="1"/>
+              <a:t>git</a:t>
+            </a:r>
+            <a:r>
+              <a:rPr lang="en-US" dirty="0"/>
+              <a:t> diff </a:t>
+            </a:r>
+          </a:p>
+          <a:p>
+            <a:r>
+              <a:rPr lang="en-US" dirty="0"/>
+              <a:t>$ </a:t>
+            </a:r>
+            <a:r>
+              <a:rPr lang="en-US" dirty="0" err="1"/>
+              <a:t>git</a:t>
+            </a:r>
+            <a:r>
+              <a:rPr lang="en-US" dirty="0"/>
+              <a:t> diff --staged </a:t>
+            </a:r>
+          </a:p>
+          <a:p>
+            <a:r>
+              <a:rPr lang="en-US" dirty="0"/>
+              <a:t>$ </a:t>
+            </a:r>
+            <a:r>
+              <a:rPr lang="en-US" dirty="0" err="1"/>
+              <a:t>git</a:t>
+            </a:r>
+            <a:r>
+              <a:rPr lang="en-US" dirty="0"/>
+              <a:t> diff HEAD </a:t>
+            </a:r>
+          </a:p>
+          <a:p>
+            <a:r>
+              <a:rPr lang="en-US" dirty="0"/>
+              <a:t>$ </a:t>
+            </a:r>
+            <a:r>
+              <a:rPr lang="en-US" dirty="0" err="1"/>
+              <a:t>git</a:t>
+            </a:r>
+            <a:r>
+              <a:rPr lang="en-US" dirty="0"/>
+              <a:t> diff --color-words </a:t>
+            </a:r>
+          </a:p>
+          <a:p>
+            <a:endParaRPr lang="en-US" dirty="0"/>
+          </a:p>
+        </p:txBody>
+      </p:sp>
+      <p:pic>
+        <p:nvPicPr>
+          <p:cNvPr id="4" name="Picture 3"/>
+          <p:cNvPicPr/>
+          <p:nvPr/>
+        </p:nvPicPr>
+        <p:blipFill>
+          <a:blip r:embed="rId2"/>
+          <a:stretch>
+            <a:fillRect/>
+          </a:stretch>
+        </p:blipFill>
+        <p:spPr>
+          <a:xfrm>
+            <a:off x="5861685" y="1828800"/>
+            <a:ext cx="5568315" cy="2910840"/>
+          </a:xfrm>
+          <a:prstGeom prst="rect">
+            <a:avLst/>
+          </a:prstGeom>
+        </p:spPr>
+      </p:pic>
     </p:spTree>
     <p:extLst>
       <p:ext uri="{BB962C8B-B14F-4D97-AF65-F5344CB8AC3E}">
-        <p14:creationId xmlns:p14="http://schemas.microsoft.com/office/powerpoint/2010/main" val="1780660438"/>
+        <p14:creationId xmlns:p14="http://schemas.microsoft.com/office/powerpoint/2010/main" val="4033805781"/>
       </p:ext>
     </p:extLst>
   </p:cSld>
@@ -10877,11 +12649,8 @@
           <a:p>
             <a:r>
               <a:rPr lang="en-US" dirty="0" smtClean="0"/>
-              <a:t>Reverting Commits</a:t>
-            </a:r>
-          </a:p>
-          <a:p>
-            <a:endParaRPr lang="en-US" dirty="0" smtClean="0"/>
+              <a:t>Creating a New Local Repository</a:t>
+            </a:r>
           </a:p>
           <a:p>
             <a:endParaRPr lang="en-US" dirty="0"/>
@@ -10903,14 +12672,73 @@
           <a:bodyPr/>
           <a:lstStyle/>
           <a:p>
-            <a:endParaRPr lang="en-US"/>
+            <a:pPr lvl="0"/>
+            <a:r>
+              <a:rPr lang="en-US" sz="2000" dirty="0"/>
+              <a:t>Navigate to the directory where you will place your practice repo (cd .. to get back to the parent folder). </a:t>
+            </a:r>
+          </a:p>
+          <a:p>
+            <a:pPr lvl="0"/>
+            <a:r>
+              <a:rPr lang="en-US" sz="2000" dirty="0"/>
+              <a:t>Create a new directory and initialize it as a </a:t>
+            </a:r>
+            <a:r>
+              <a:rPr lang="en-US" sz="2000" dirty="0" err="1"/>
+              <a:t>git</a:t>
+            </a:r>
+            <a:r>
+              <a:rPr lang="en-US" sz="2000" dirty="0"/>
+              <a:t> repository: </a:t>
+            </a:r>
+            <a:r>
+              <a:rPr lang="en-US" sz="2000" dirty="0" err="1"/>
+              <a:t>git</a:t>
+            </a:r>
+            <a:r>
+              <a:rPr lang="en-US" sz="2000" dirty="0"/>
+              <a:t> </a:t>
+            </a:r>
+            <a:r>
+              <a:rPr lang="en-US" sz="2000" dirty="0" err="1"/>
+              <a:t>init</a:t>
+            </a:r>
+            <a:r>
+              <a:rPr lang="en-US" sz="2000" dirty="0"/>
+              <a:t> practice-repo </a:t>
+            </a:r>
+          </a:p>
+          <a:p>
+            <a:pPr lvl="0"/>
+            <a:r>
+              <a:rPr lang="en-US" sz="2000" dirty="0"/>
+              <a:t>CD into your new repository: cd practice-repo </a:t>
+            </a:r>
+          </a:p>
+          <a:p>
+            <a:pPr lvl="0"/>
+            <a:r>
+              <a:rPr lang="en-US" sz="2000" dirty="0"/>
+              <a:t>Create an empty new file named README.md: touch README.md </a:t>
+            </a:r>
+          </a:p>
+          <a:p>
+            <a:pPr lvl="0"/>
+            <a:r>
+              <a:rPr lang="en-US" sz="2000" dirty="0"/>
+              <a:t>Add and commit the README.md file. </a:t>
+            </a:r>
+          </a:p>
+          <a:p>
+            <a:endParaRPr lang="en-US" sz="2000" dirty="0"/>
           </a:p>
         </p:txBody>
       </p:sp>
     </p:spTree>
     <p:extLst>
       <p:ext uri="{BB962C8B-B14F-4D97-AF65-F5344CB8AC3E}">
-        <p14:creationId xmlns:p14="http://schemas.microsoft.com/office/powerpoint/2010/main" val="674809676"/>
+        <p14:creationId xmlns:p14="http://schemas.microsoft.com/office/powerpoint/2010/main" val="3165264734"/>
       </p:ext>
     </p:extLst>
   </p:cSld>
@@ -10954,45 +12782,18 @@
           <a:p>
             <a:r>
               <a:rPr lang="en-US" dirty="0" smtClean="0"/>
-              <a:t>Helpful </a:t>
-            </a:r>
-            <a:r>
-              <a:rPr lang="en-US" dirty="0" err="1" smtClean="0"/>
-              <a:t>Git</a:t>
-            </a:r>
-            <a:r>
-              <a:rPr lang="en-US" dirty="0" smtClean="0"/>
-              <a:t> Commands</a:t>
+              <a:t>Fixing Commit Mistakes</a:t>
             </a:r>
           </a:p>
           <a:p>
             <a:endParaRPr lang="en-US" dirty="0"/>
-          </a:p>
-        </p:txBody>
-      </p:sp>
-      <p:sp>
-        <p:nvSpPr>
-          <p:cNvPr id="3" name="Text Placeholder 2"/>
-          <p:cNvSpPr>
-            <a:spLocks noGrp="1"/>
-          </p:cNvSpPr>
-          <p:nvPr>
-            <p:ph type="body" sz="quarter" idx="10"/>
-          </p:nvPr>
-        </p:nvSpPr>
-        <p:spPr/>
-        <p:txBody>
-          <a:bodyPr/>
-          <a:lstStyle/>
-          <a:p>
-            <a:endParaRPr lang="en-US"/>
           </a:p>
         </p:txBody>
       </p:sp>
     </p:spTree>
     <p:extLst>
       <p:ext uri="{BB962C8B-B14F-4D97-AF65-F5344CB8AC3E}">
-        <p14:creationId xmlns:p14="http://schemas.microsoft.com/office/powerpoint/2010/main" val="3297397233"/>
+        <p14:creationId xmlns:p14="http://schemas.microsoft.com/office/powerpoint/2010/main" val="1048481250"/>
       </p:ext>
     </p:extLst>
   </p:cSld>
@@ -11036,12 +12837,10 @@
           <a:p>
             <a:r>
               <a:rPr lang="en-US" dirty="0" smtClean="0"/>
-              <a:t>Moving and Renaming Files with </a:t>
-            </a:r>
-            <a:r>
-              <a:rPr lang="en-US" dirty="0" err="1" smtClean="0"/>
-              <a:t>Git</a:t>
-            </a:r>
+              <a:t>Revising Your Last Commit</a:t>
+            </a:r>
+          </a:p>
+          <a:p>
             <a:endParaRPr lang="en-US" dirty="0" smtClean="0"/>
           </a:p>
           <a:p>
@@ -11064,14 +12863,54 @@
           <a:bodyPr/>
           <a:lstStyle/>
           <a:p>
-            <a:endParaRPr lang="en-US"/>
+            <a:pPr lvl="0"/>
+            <a:r>
+              <a:rPr lang="en-US" dirty="0"/>
+              <a:t>Create a new file: touch file7.txt </a:t>
+            </a:r>
+          </a:p>
+          <a:p>
+            <a:pPr lvl="0"/>
+            <a:r>
+              <a:rPr lang="en-US" dirty="0"/>
+              <a:t>When you are adding files to the previous commit, they should be in the staging area. Move your file to the staging area: </a:t>
+            </a:r>
+            <a:r>
+              <a:rPr lang="en-US" dirty="0" err="1"/>
+              <a:t>git</a:t>
+            </a:r>
+            <a:r>
+              <a:rPr lang="en-US" dirty="0"/>
+              <a:t> add file7.txt </a:t>
+            </a:r>
+          </a:p>
+          <a:p>
+            <a:pPr lvl="0"/>
+            <a:r>
+              <a:rPr lang="en-US" dirty="0" err="1"/>
+              <a:t>git</a:t>
+            </a:r>
+            <a:r>
+              <a:rPr lang="en-US" dirty="0"/>
+              <a:t> commit --amend </a:t>
+            </a:r>
+          </a:p>
+          <a:p>
+            <a:pPr lvl="0"/>
+            <a:r>
+              <a:rPr lang="en-US" dirty="0"/>
+              <a:t>The text editor will open, allowing you to edit your commit message. </a:t>
+            </a:r>
+          </a:p>
+          <a:p>
+            <a:endParaRPr lang="en-US" dirty="0"/>
           </a:p>
         </p:txBody>
       </p:sp>
     </p:spTree>
     <p:extLst>
       <p:ext uri="{BB962C8B-B14F-4D97-AF65-F5344CB8AC3E}">
-        <p14:creationId xmlns:p14="http://schemas.microsoft.com/office/powerpoint/2010/main" val="2917085269"/>
+        <p14:creationId xmlns:p14="http://schemas.microsoft.com/office/powerpoint/2010/main" val="4264296602"/>
       </p:ext>
     </p:extLst>
   </p:cSld>
@@ -11115,40 +12954,26 @@
           <a:p>
             <a:r>
               <a:rPr lang="en-US" dirty="0" smtClean="0"/>
-              <a:t>Staging Hunks of Changes</a:t>
-            </a:r>
-          </a:p>
-          <a:p>
-            <a:endParaRPr lang="en-US" dirty="0" smtClean="0"/>
+              <a:t>Rewriting History with </a:t>
+            </a:r>
+            <a:r>
+              <a:rPr lang="en-US" dirty="0" err="1" smtClean="0"/>
+              <a:t>Git</a:t>
+            </a:r>
+            <a:r>
+              <a:rPr lang="en-US" dirty="0" smtClean="0"/>
+              <a:t> Reset</a:t>
+            </a:r>
           </a:p>
           <a:p>
             <a:endParaRPr lang="en-US" dirty="0"/>
-          </a:p>
-        </p:txBody>
-      </p:sp>
-      <p:sp>
-        <p:nvSpPr>
-          <p:cNvPr id="3" name="Text Placeholder 2"/>
-          <p:cNvSpPr>
-            <a:spLocks noGrp="1"/>
-          </p:cNvSpPr>
-          <p:nvPr>
-            <p:ph type="body" sz="quarter" idx="10"/>
-          </p:nvPr>
-        </p:nvSpPr>
-        <p:spPr/>
-        <p:txBody>
-          <a:bodyPr/>
-          <a:lstStyle/>
-          <a:p>
-            <a:endParaRPr lang="en-US"/>
           </a:p>
         </p:txBody>
       </p:sp>
     </p:spTree>
     <p:extLst>
       <p:ext uri="{BB962C8B-B14F-4D97-AF65-F5344CB8AC3E}">
-        <p14:creationId xmlns:p14="http://schemas.microsoft.com/office/powerpoint/2010/main" val="3568907981"/>
+        <p14:creationId xmlns:p14="http://schemas.microsoft.com/office/powerpoint/2010/main" val="2864291666"/>
       </p:ext>
     </p:extLst>
   </p:cSld>
@@ -11192,7 +13017,7 @@
           <a:p>
             <a:r>
               <a:rPr lang="en-US" dirty="0" smtClean="0"/>
-              <a:t>Viewing Local Changes</a:t>
+              <a:t>Understanding Reset</a:t>
             </a:r>
           </a:p>
           <a:p>
@@ -11219,10 +13044,32 @@
           </a:p>
         </p:txBody>
       </p:sp>
+      <p:pic>
+        <p:nvPicPr>
+          <p:cNvPr id="4" name="Picture 3"/>
+          <p:cNvPicPr/>
+          <p:nvPr/>
+        </p:nvPicPr>
+        <p:blipFill>
+          <a:blip r:embed="rId2"/>
+          <a:stretch>
+            <a:fillRect/>
+          </a:stretch>
+        </p:blipFill>
+        <p:spPr>
+          <a:xfrm>
+            <a:off x="5751830" y="1725295"/>
+            <a:ext cx="5678170" cy="3788410"/>
+          </a:xfrm>
+          <a:prstGeom prst="rect">
+            <a:avLst/>
+          </a:prstGeom>
+        </p:spPr>
+      </p:pic>
     </p:spTree>
     <p:extLst>
       <p:ext uri="{BB962C8B-B14F-4D97-AF65-F5344CB8AC3E}">
-        <p14:creationId xmlns:p14="http://schemas.microsoft.com/office/powerpoint/2010/main" val="4033805781"/>
+        <p14:creationId xmlns:p14="http://schemas.microsoft.com/office/powerpoint/2010/main" val="1925806125"/>
       </p:ext>
     </p:extLst>
   </p:cSld>
@@ -11266,11 +13113,8 @@
           <a:p>
             <a:r>
               <a:rPr lang="en-US" dirty="0" smtClean="0"/>
-              <a:t>Comparing Changes within the Repository</a:t>
-            </a:r>
-          </a:p>
-          <a:p>
-            <a:endParaRPr lang="en-US" dirty="0" smtClean="0"/>
+              <a:t>Reset Modes</a:t>
+            </a:r>
           </a:p>
           <a:p>
             <a:endParaRPr lang="en-US" dirty="0"/>
@@ -11292,14 +13136,69 @@
           <a:bodyPr/>
           <a:lstStyle/>
           <a:p>
-            <a:endParaRPr lang="en-US"/>
-          </a:p>
-        </p:txBody>
-      </p:sp>
+            <a:r>
+              <a:rPr lang="en-US" dirty="0" smtClean="0"/>
+              <a:t>S</a:t>
+            </a:r>
+            <a:r>
+              <a:rPr lang="en-SE" dirty="0" smtClean="0"/>
+              <a:t>oft</a:t>
+            </a:r>
+          </a:p>
+          <a:p>
+            <a:r>
+              <a:rPr lang="en-US" dirty="0" smtClean="0"/>
+              <a:t>M</a:t>
+            </a:r>
+            <a:r>
+              <a:rPr lang="en-SE" dirty="0" smtClean="0"/>
+              <a:t>ixed</a:t>
+            </a:r>
+          </a:p>
+          <a:p>
+            <a:r>
+              <a:rPr lang="en-US" dirty="0" smtClean="0"/>
+              <a:t>H</a:t>
+            </a:r>
+            <a:r>
+              <a:rPr lang="en-SE" dirty="0" smtClean="0"/>
+              <a:t>ard</a:t>
+            </a:r>
+          </a:p>
+          <a:p>
+            <a:pPr marL="0" indent="0">
+              <a:buNone/>
+            </a:pPr>
+            <a:endParaRPr lang="en-US" dirty="0"/>
+          </a:p>
+        </p:txBody>
+      </p:sp>
+      <p:pic>
+        <p:nvPicPr>
+          <p:cNvPr id="4" name="Picture 3"/>
+          <p:cNvPicPr/>
+          <p:nvPr/>
+        </p:nvPicPr>
+        <p:blipFill>
+          <a:blip r:embed="rId2"/>
+          <a:stretch>
+            <a:fillRect/>
+          </a:stretch>
+        </p:blipFill>
+        <p:spPr>
+          <a:xfrm>
+            <a:off x="5943600" y="914400"/>
+            <a:ext cx="5684520" cy="4306570"/>
+          </a:xfrm>
+          <a:prstGeom prst="rect">
+            <a:avLst/>
+          </a:prstGeom>
+        </p:spPr>
+      </p:pic>
     </p:spTree>
     <p:extLst>
       <p:ext uri="{BB962C8B-B14F-4D97-AF65-F5344CB8AC3E}">
-        <p14:creationId xmlns:p14="http://schemas.microsoft.com/office/powerpoint/2010/main" val="1621288598"/>
+        <p14:creationId xmlns:p14="http://schemas.microsoft.com/office/powerpoint/2010/main" val="775940764"/>
       </p:ext>
     </p:extLst>
   </p:cSld>
@@ -11343,7 +13242,7 @@
           <a:p>
             <a:r>
               <a:rPr lang="en-US" dirty="0" smtClean="0"/>
-              <a:t>Creating a New Local Repository</a:t>
+              <a:t>Reset Soft</a:t>
             </a:r>
           </a:p>
           <a:p>
@@ -11366,14 +13265,92 @@
           <a:bodyPr/>
           <a:lstStyle/>
           <a:p>
-            <a:endParaRPr lang="en-US"/>
+            <a:r>
+              <a:rPr lang="en-US" sz="2000" dirty="0"/>
+              <a:t>1.	View the history of our project: </a:t>
+            </a:r>
+            <a:r>
+              <a:rPr lang="en-US" sz="2000" dirty="0" err="1"/>
+              <a:t>git</a:t>
+            </a:r>
+            <a:r>
+              <a:rPr lang="en-US" sz="2000" dirty="0"/>
+              <a:t> log --</a:t>
+            </a:r>
+            <a:r>
+              <a:rPr lang="en-US" sz="2000" dirty="0" err="1"/>
+              <a:t>oneline</a:t>
+            </a:r>
+            <a:r>
+              <a:rPr lang="en-US" sz="2000" dirty="0"/>
+              <a:t> --decorate </a:t>
+            </a:r>
+          </a:p>
+          <a:p>
+            <a:r>
+              <a:rPr lang="en-US" sz="2000" dirty="0"/>
+              <a:t>2.	Identify the current location of HEAD. </a:t>
+            </a:r>
+          </a:p>
+          <a:p>
+            <a:r>
+              <a:rPr lang="en-US" sz="2000" dirty="0"/>
+              <a:t>3.	Go back two commits in history: </a:t>
+            </a:r>
+            <a:r>
+              <a:rPr lang="en-US" sz="2000" dirty="0" err="1"/>
+              <a:t>git</a:t>
+            </a:r>
+            <a:r>
+              <a:rPr lang="en-US" sz="2000" dirty="0"/>
+              <a:t> reset --soft HEAD~2 </a:t>
+            </a:r>
+          </a:p>
+          <a:p>
+            <a:r>
+              <a:rPr lang="en-US" sz="2000" dirty="0"/>
+              <a:t>4.	See the tip of our branch (and HEAD) is now sitting two commits earlier than it was before: </a:t>
+            </a:r>
+            <a:r>
+              <a:rPr lang="en-US" sz="2000" dirty="0" err="1"/>
+              <a:t>git</a:t>
+            </a:r>
+            <a:r>
+              <a:rPr lang="en-US" sz="2000" dirty="0"/>
+              <a:t> log --</a:t>
+            </a:r>
+            <a:r>
+              <a:rPr lang="en-US" sz="2000" dirty="0" err="1"/>
+              <a:t>oneline</a:t>
+            </a:r>
+            <a:r>
+              <a:rPr lang="en-US" sz="2000" dirty="0"/>
+              <a:t> --decorate </a:t>
+            </a:r>
+          </a:p>
+          <a:p>
+            <a:r>
+              <a:rPr lang="en-US" sz="2000" dirty="0"/>
+              <a:t>5.	The changes we made in the last two commits should be in the staging area: </a:t>
+            </a:r>
+            <a:r>
+              <a:rPr lang="en-US" sz="2000" dirty="0" err="1"/>
+              <a:t>git</a:t>
+            </a:r>
+            <a:r>
+              <a:rPr lang="en-US" sz="2000" dirty="0"/>
+              <a:t> status </a:t>
+            </a:r>
+          </a:p>
+          <a:p>
+            <a:endParaRPr lang="en-US" sz="2000" dirty="0"/>
           </a:p>
         </p:txBody>
       </p:sp>
     </p:spTree>
     <p:extLst>
       <p:ext uri="{BB962C8B-B14F-4D97-AF65-F5344CB8AC3E}">
-        <p14:creationId xmlns:p14="http://schemas.microsoft.com/office/powerpoint/2010/main" val="3165264734"/>
+        <p14:creationId xmlns:p14="http://schemas.microsoft.com/office/powerpoint/2010/main" val="2980060947"/>
       </p:ext>
     </p:extLst>
   </p:cSld>
@@ -11417,11 +13394,8 @@
           <a:p>
             <a:r>
               <a:rPr lang="en-US" dirty="0" smtClean="0"/>
-              <a:t>Initializing a New Local Repository</a:t>
-            </a:r>
-          </a:p>
-          <a:p>
-            <a:endParaRPr lang="en-US" dirty="0" smtClean="0"/>
+              <a:t>Reset Mixed</a:t>
+            </a:r>
           </a:p>
           <a:p>
             <a:endParaRPr lang="en-US" dirty="0"/>
@@ -11450,7 +13424,7 @@
     </p:spTree>
     <p:extLst>
       <p:ext uri="{BB962C8B-B14F-4D97-AF65-F5344CB8AC3E}">
-        <p14:creationId xmlns:p14="http://schemas.microsoft.com/office/powerpoint/2010/main" val="213646934"/>
+        <p14:creationId xmlns:p14="http://schemas.microsoft.com/office/powerpoint/2010/main" val="135538285"/>
       </p:ext>
     </p:extLst>
   </p:cSld>
@@ -11494,7 +13468,7 @@
           <a:p>
             <a:r>
               <a:rPr lang="en-US" dirty="0" smtClean="0"/>
-              <a:t>Fixing Commit Mistakes</a:t>
+              <a:t>Reset Hard</a:t>
             </a:r>
           </a:p>
           <a:p>
@@ -11524,7 +13498,7 @@
     </p:spTree>
     <p:extLst>
       <p:ext uri="{BB962C8B-B14F-4D97-AF65-F5344CB8AC3E}">
-        <p14:creationId xmlns:p14="http://schemas.microsoft.com/office/powerpoint/2010/main" val="1048481250"/>
+        <p14:creationId xmlns:p14="http://schemas.microsoft.com/office/powerpoint/2010/main" val="3553184287"/>
       </p:ext>
     </p:extLst>
   </p:cSld>
@@ -11568,7 +13542,7 @@
           <a:p>
             <a:r>
               <a:rPr lang="en-US" dirty="0" smtClean="0"/>
-              <a:t>Revising Your Last Commit</a:t>
+              <a:t>Does Gone Really Mean Gone?</a:t>
             </a:r>
           </a:p>
           <a:p>
@@ -11601,7 +13575,7 @@
     </p:spTree>
     <p:extLst>
       <p:ext uri="{BB962C8B-B14F-4D97-AF65-F5344CB8AC3E}">
-        <p14:creationId xmlns:p14="http://schemas.microsoft.com/office/powerpoint/2010/main" val="4264296602"/>
+        <p14:creationId xmlns:p14="http://schemas.microsoft.com/office/powerpoint/2010/main" val="317501530"/>
       </p:ext>
     </p:extLst>
   </p:cSld>
@@ -11735,15 +13709,7 @@
           <a:p>
             <a:r>
               <a:rPr lang="en-US" dirty="0" smtClean="0"/>
-              <a:t>Rewriting History with </a:t>
-            </a:r>
-            <a:r>
-              <a:rPr lang="en-US" dirty="0" err="1" smtClean="0"/>
-              <a:t>Git</a:t>
-            </a:r>
-            <a:r>
-              <a:rPr lang="en-US" dirty="0" smtClean="0"/>
-              <a:t> Reset</a:t>
+              <a:t>Getting it Back</a:t>
             </a:r>
           </a:p>
           <a:p>
@@ -11773,7 +13739,7 @@
     </p:spTree>
     <p:extLst>
       <p:ext uri="{BB962C8B-B14F-4D97-AF65-F5344CB8AC3E}">
-        <p14:creationId xmlns:p14="http://schemas.microsoft.com/office/powerpoint/2010/main" val="2864291666"/>
+        <p14:creationId xmlns:p14="http://schemas.microsoft.com/office/powerpoint/2010/main" val="1260059258"/>
       </p:ext>
     </p:extLst>
   </p:cSld>
@@ -11817,7 +13783,7 @@
           <a:p>
             <a:r>
               <a:rPr lang="en-US" dirty="0" smtClean="0"/>
-              <a:t>Understanding Reset</a:t>
+              <a:t>You Just Want That One Commit</a:t>
             </a:r>
           </a:p>
           <a:p>
@@ -11847,7 +13813,7 @@
     </p:spTree>
     <p:extLst>
       <p:ext uri="{BB962C8B-B14F-4D97-AF65-F5344CB8AC3E}">
-        <p14:creationId xmlns:p14="http://schemas.microsoft.com/office/powerpoint/2010/main" val="1925806125"/>
+        <p14:creationId xmlns:p14="http://schemas.microsoft.com/office/powerpoint/2010/main" val="1378322444"/>
       </p:ext>
     </p:extLst>
   </p:cSld>
@@ -11891,8 +13857,11 @@
           <a:p>
             <a:r>
               <a:rPr lang="en-US" dirty="0" smtClean="0"/>
-              <a:t>Reset Modes</a:t>
-            </a:r>
+              <a:t>Oops, I Didn’t Mean to Reset</a:t>
+            </a:r>
+          </a:p>
+          <a:p>
+            <a:endParaRPr lang="en-US" dirty="0" smtClean="0"/>
           </a:p>
           <a:p>
             <a:endParaRPr lang="en-US" dirty="0"/>
@@ -11921,7 +13890,7 @@
     </p:spTree>
     <p:extLst>
       <p:ext uri="{BB962C8B-B14F-4D97-AF65-F5344CB8AC3E}">
-        <p14:creationId xmlns:p14="http://schemas.microsoft.com/office/powerpoint/2010/main" val="775940764"/>
+        <p14:creationId xmlns:p14="http://schemas.microsoft.com/office/powerpoint/2010/main" val="1433208425"/>
       </p:ext>
     </p:extLst>
   </p:cSld>
@@ -11965,7 +13934,7 @@
           <a:p>
             <a:r>
               <a:rPr lang="en-US" dirty="0" smtClean="0"/>
-              <a:t>Reset Soft</a:t>
+              <a:t>Merge Strategies: Rebase</a:t>
             </a:r>
           </a:p>
           <a:p>
@@ -11995,7 +13964,7 @@
     </p:spTree>
     <p:extLst>
       <p:ext uri="{BB962C8B-B14F-4D97-AF65-F5344CB8AC3E}">
-        <p14:creationId xmlns:p14="http://schemas.microsoft.com/office/powerpoint/2010/main" val="2980060947"/>
+        <p14:creationId xmlns:p14="http://schemas.microsoft.com/office/powerpoint/2010/main" val="229526841"/>
       </p:ext>
     </p:extLst>
   </p:cSld>
@@ -12039,7 +14008,15 @@
           <a:p>
             <a:r>
               <a:rPr lang="en-US" dirty="0" smtClean="0"/>
-              <a:t>Reset Mixed</a:t>
+              <a:t>About </a:t>
+            </a:r>
+            <a:r>
+              <a:rPr lang="en-US" dirty="0" err="1" smtClean="0"/>
+              <a:t>Git</a:t>
+            </a:r>
+            <a:r>
+              <a:rPr lang="en-US" dirty="0" smtClean="0"/>
+              <a:t> rebase</a:t>
             </a:r>
           </a:p>
           <a:p>
@@ -12069,7 +14046,7 @@
     </p:spTree>
     <p:extLst>
       <p:ext uri="{BB962C8B-B14F-4D97-AF65-F5344CB8AC3E}">
-        <p14:creationId xmlns:p14="http://schemas.microsoft.com/office/powerpoint/2010/main" val="135538285"/>
+        <p14:creationId xmlns:p14="http://schemas.microsoft.com/office/powerpoint/2010/main" val="2217509356"/>
       </p:ext>
     </p:extLst>
   </p:cSld>
@@ -12113,7 +14090,15 @@
           <a:p>
             <a:r>
               <a:rPr lang="en-US" dirty="0" smtClean="0"/>
-              <a:t>Reset Hard</a:t>
+              <a:t>Understanding </a:t>
+            </a:r>
+            <a:r>
+              <a:rPr lang="en-US" dirty="0" err="1" smtClean="0"/>
+              <a:t>Git</a:t>
+            </a:r>
+            <a:r>
+              <a:rPr lang="en-US" dirty="0" smtClean="0"/>
+              <a:t> Merge Strategies</a:t>
             </a:r>
           </a:p>
           <a:p>
@@ -12143,7 +14128,7 @@
     </p:spTree>
     <p:extLst>
       <p:ext uri="{BB962C8B-B14F-4D97-AF65-F5344CB8AC3E}">
-        <p14:creationId xmlns:p14="http://schemas.microsoft.com/office/powerpoint/2010/main" val="3553184287"/>
+        <p14:creationId xmlns:p14="http://schemas.microsoft.com/office/powerpoint/2010/main" val="1821902792"/>
       </p:ext>
     </p:extLst>
   </p:cSld>
@@ -12187,13 +14172,8 @@
           <a:p>
             <a:r>
               <a:rPr lang="en-US" dirty="0" smtClean="0"/>
-              <a:t>Does Gone Really Mean Gone?</a:t>
-            </a:r>
-          </a:p>
-          <a:p>
-            <a:endParaRPr lang="en-US" dirty="0" smtClean="0"/>
-          </a:p>
-          <a:p>
+              <a:t>Creating a Linear History</a:t>
+            </a:r>
             <a:endParaRPr lang="en-US" dirty="0"/>
           </a:p>
         </p:txBody>
@@ -12220,7 +14200,7 @@
     </p:spTree>
     <p:extLst>
       <p:ext uri="{BB962C8B-B14F-4D97-AF65-F5344CB8AC3E}">
-        <p14:creationId xmlns:p14="http://schemas.microsoft.com/office/powerpoint/2010/main" val="317501530"/>
+        <p14:creationId xmlns:p14="http://schemas.microsoft.com/office/powerpoint/2010/main" val="2481788830"/>
       </p:ext>
     </p:extLst>
   </p:cSld>
@@ -12254,198 +14234,60 @@
             <a:spLocks noGrp="1"/>
           </p:cNvSpPr>
           <p:nvPr>
-            <p:ph type="title"/>
-          </p:nvPr>
-        </p:nvSpPr>
-        <p:spPr/>
-        <p:txBody>
-          <a:bodyPr/>
-          <a:lstStyle/>
-          <a:p>
-            <a:r>
-              <a:rPr lang="en-US" dirty="0" smtClean="0"/>
-              <a:t>Getting it Back</a:t>
-            </a:r>
-          </a:p>
-          <a:p>
+            <p:ph type="ctrTitle"/>
+          </p:nvPr>
+        </p:nvSpPr>
+        <p:spPr/>
+        <p:txBody>
+          <a:bodyPr/>
+          <a:lstStyle/>
+          <a:p>
+            <a:r>
+              <a:rPr lang="en-US" dirty="0"/>
+              <a:t>Thank you!</a:t>
+            </a:r>
+          </a:p>
+        </p:txBody>
+      </p:sp>
+      <p:sp>
+        <p:nvSpPr>
+          <p:cNvPr id="5" name="Subtitle 4"/>
+          <p:cNvSpPr>
+            <a:spLocks noGrp="1"/>
+          </p:cNvSpPr>
+          <p:nvPr>
+            <p:ph type="subTitle" idx="1"/>
+          </p:nvPr>
+        </p:nvSpPr>
+        <p:spPr/>
+        <p:txBody>
+          <a:bodyPr/>
+          <a:lstStyle/>
+          <a:p>
+            <a:r>
+              <a:rPr lang="en-US" dirty="0"/>
+              <a:t>Questions?</a:t>
+            </a:r>
+          </a:p>
+          <a:p>
+            <a:r>
+              <a:rPr lang="en-US" dirty="0"/>
+              <a:t>Survey: </a:t>
+            </a:r>
+            <a:r>
+              <a:rPr lang="en-US" dirty="0">
+                <a:hlinkClick r:id="rId3"/>
+              </a:rPr>
+              <a:t>http://www.onlc.com/eval</a:t>
+            </a:r>
             <a:endParaRPr lang="en-US" dirty="0"/>
-          </a:p>
-        </p:txBody>
-      </p:sp>
-      <p:sp>
-        <p:nvSpPr>
-          <p:cNvPr id="3" name="Text Placeholder 2"/>
-          <p:cNvSpPr>
-            <a:spLocks noGrp="1"/>
-          </p:cNvSpPr>
-          <p:nvPr>
-            <p:ph type="body" sz="quarter" idx="10"/>
-          </p:nvPr>
-        </p:nvSpPr>
-        <p:spPr/>
-        <p:txBody>
-          <a:bodyPr/>
-          <a:lstStyle/>
-          <a:p>
-            <a:endParaRPr lang="en-US"/>
           </a:p>
         </p:txBody>
       </p:sp>
     </p:spTree>
     <p:extLst>
       <p:ext uri="{BB962C8B-B14F-4D97-AF65-F5344CB8AC3E}">
-        <p14:creationId xmlns:p14="http://schemas.microsoft.com/office/powerpoint/2010/main" val="1260059258"/>
-      </p:ext>
-    </p:extLst>
-  </p:cSld>
-  <p:clrMapOvr>
-    <a:masterClrMapping/>
-  </p:clrMapOvr>
-</p:sld>
-</file>
-
-<file path=ppt/slides/slide88.xml><?xml version="1.0" encoding="utf-8"?>
-<p:sld xmlns:a="http://schemas.openxmlformats.org/drawingml/2006/main" xmlns:r="http://schemas.openxmlformats.org/officeDocument/2006/relationships" xmlns:p="http://schemas.openxmlformats.org/presentationml/2006/main">
-  <p:cSld>
-    <p:spTree>
-      <p:nvGrpSpPr>
-        <p:cNvPr id="1" name=""/>
-        <p:cNvGrpSpPr/>
-        <p:nvPr/>
-      </p:nvGrpSpPr>
-      <p:grpSpPr>
-        <a:xfrm>
-          <a:off x="0" y="0"/>
-          <a:ext cx="0" cy="0"/>
-          <a:chOff x="0" y="0"/>
-          <a:chExt cx="0" cy="0"/>
-        </a:xfrm>
-      </p:grpSpPr>
-      <p:sp>
-        <p:nvSpPr>
-          <p:cNvPr id="2" name="Title 1"/>
-          <p:cNvSpPr>
-            <a:spLocks noGrp="1"/>
-          </p:cNvSpPr>
-          <p:nvPr>
-            <p:ph type="title"/>
-          </p:nvPr>
-        </p:nvSpPr>
-        <p:spPr/>
-        <p:txBody>
-          <a:bodyPr/>
-          <a:lstStyle/>
-          <a:p>
-            <a:r>
-              <a:rPr lang="en-US" dirty="0" smtClean="0"/>
-              <a:t>You Just Want That One Commit</a:t>
-            </a:r>
-          </a:p>
-          <a:p>
-            <a:endParaRPr lang="en-US" dirty="0"/>
-          </a:p>
-        </p:txBody>
-      </p:sp>
-      <p:sp>
-        <p:nvSpPr>
-          <p:cNvPr id="3" name="Text Placeholder 2"/>
-          <p:cNvSpPr>
-            <a:spLocks noGrp="1"/>
-          </p:cNvSpPr>
-          <p:nvPr>
-            <p:ph type="body" sz="quarter" idx="10"/>
-          </p:nvPr>
-        </p:nvSpPr>
-        <p:spPr/>
-        <p:txBody>
-          <a:bodyPr/>
-          <a:lstStyle/>
-          <a:p>
-            <a:endParaRPr lang="en-US"/>
-          </a:p>
-        </p:txBody>
-      </p:sp>
-    </p:spTree>
-    <p:extLst>
-      <p:ext uri="{BB962C8B-B14F-4D97-AF65-F5344CB8AC3E}">
-        <p14:creationId xmlns:p14="http://schemas.microsoft.com/office/powerpoint/2010/main" val="1378322444"/>
-      </p:ext>
-    </p:extLst>
-  </p:cSld>
-  <p:clrMapOvr>
-    <a:masterClrMapping/>
-  </p:clrMapOvr>
-</p:sld>
-</file>
-
-<file path=ppt/slides/slide89.xml><?xml version="1.0" encoding="utf-8"?>
-<p:sld xmlns:a="http://schemas.openxmlformats.org/drawingml/2006/main" xmlns:r="http://schemas.openxmlformats.org/officeDocument/2006/relationships" xmlns:p="http://schemas.openxmlformats.org/presentationml/2006/main">
-  <p:cSld>
-    <p:spTree>
-      <p:nvGrpSpPr>
-        <p:cNvPr id="1" name=""/>
-        <p:cNvGrpSpPr/>
-        <p:nvPr/>
-      </p:nvGrpSpPr>
-      <p:grpSpPr>
-        <a:xfrm>
-          <a:off x="0" y="0"/>
-          <a:ext cx="0" cy="0"/>
-          <a:chOff x="0" y="0"/>
-          <a:chExt cx="0" cy="0"/>
-        </a:xfrm>
-      </p:grpSpPr>
-      <p:sp>
-        <p:nvSpPr>
-          <p:cNvPr id="2" name="Title 1"/>
-          <p:cNvSpPr>
-            <a:spLocks noGrp="1"/>
-          </p:cNvSpPr>
-          <p:nvPr>
-            <p:ph type="title"/>
-          </p:nvPr>
-        </p:nvSpPr>
-        <p:spPr/>
-        <p:txBody>
-          <a:bodyPr/>
-          <a:lstStyle/>
-          <a:p>
-            <a:r>
-              <a:rPr lang="en-US" dirty="0" smtClean="0"/>
-              <a:t>Oops, I Didn’t Mean to Reset</a:t>
-            </a:r>
-          </a:p>
-          <a:p>
-            <a:endParaRPr lang="en-US" dirty="0" smtClean="0"/>
-          </a:p>
-          <a:p>
-            <a:endParaRPr lang="en-US" dirty="0"/>
-          </a:p>
-        </p:txBody>
-      </p:sp>
-      <p:sp>
-        <p:nvSpPr>
-          <p:cNvPr id="3" name="Text Placeholder 2"/>
-          <p:cNvSpPr>
-            <a:spLocks noGrp="1"/>
-          </p:cNvSpPr>
-          <p:nvPr>
-            <p:ph type="body" sz="quarter" idx="10"/>
-          </p:nvPr>
-        </p:nvSpPr>
-        <p:spPr/>
-        <p:txBody>
-          <a:bodyPr/>
-          <a:lstStyle/>
-          <a:p>
-            <a:endParaRPr lang="en-US"/>
-          </a:p>
-        </p:txBody>
-      </p:sp>
-    </p:spTree>
-    <p:extLst>
-      <p:ext uri="{BB962C8B-B14F-4D97-AF65-F5344CB8AC3E}">
-        <p14:creationId xmlns:p14="http://schemas.microsoft.com/office/powerpoint/2010/main" val="1433208425"/>
+        <p14:creationId xmlns:p14="http://schemas.microsoft.com/office/powerpoint/2010/main" val="1768650418"/>
       </p:ext>
     </p:extLst>
   </p:cSld>
@@ -12522,403 +14364,6 @@
     <p:extLst>
       <p:ext uri="{BB962C8B-B14F-4D97-AF65-F5344CB8AC3E}">
         <p14:creationId xmlns:p14="http://schemas.microsoft.com/office/powerpoint/2010/main" val="3979619956"/>
-      </p:ext>
-    </p:extLst>
-  </p:cSld>
-  <p:clrMapOvr>
-    <a:masterClrMapping/>
-  </p:clrMapOvr>
-</p:sld>
-</file>
-
-<file path=ppt/slides/slide90.xml><?xml version="1.0" encoding="utf-8"?>
-<p:sld xmlns:a="http://schemas.openxmlformats.org/drawingml/2006/main" xmlns:r="http://schemas.openxmlformats.org/officeDocument/2006/relationships" xmlns:p="http://schemas.openxmlformats.org/presentationml/2006/main">
-  <p:cSld>
-    <p:spTree>
-      <p:nvGrpSpPr>
-        <p:cNvPr id="1" name=""/>
-        <p:cNvGrpSpPr/>
-        <p:nvPr/>
-      </p:nvGrpSpPr>
-      <p:grpSpPr>
-        <a:xfrm>
-          <a:off x="0" y="0"/>
-          <a:ext cx="0" cy="0"/>
-          <a:chOff x="0" y="0"/>
-          <a:chExt cx="0" cy="0"/>
-        </a:xfrm>
-      </p:grpSpPr>
-      <p:sp>
-        <p:nvSpPr>
-          <p:cNvPr id="2" name="Title 1"/>
-          <p:cNvSpPr>
-            <a:spLocks noGrp="1"/>
-          </p:cNvSpPr>
-          <p:nvPr>
-            <p:ph type="title"/>
-          </p:nvPr>
-        </p:nvSpPr>
-        <p:spPr/>
-        <p:txBody>
-          <a:bodyPr/>
-          <a:lstStyle/>
-          <a:p>
-            <a:r>
-              <a:rPr lang="en-US" dirty="0" smtClean="0"/>
-              <a:t>Merge Strategies: Rebase</a:t>
-            </a:r>
-          </a:p>
-          <a:p>
-            <a:endParaRPr lang="en-US" dirty="0"/>
-          </a:p>
-        </p:txBody>
-      </p:sp>
-      <p:sp>
-        <p:nvSpPr>
-          <p:cNvPr id="3" name="Text Placeholder 2"/>
-          <p:cNvSpPr>
-            <a:spLocks noGrp="1"/>
-          </p:cNvSpPr>
-          <p:nvPr>
-            <p:ph type="body" sz="quarter" idx="10"/>
-          </p:nvPr>
-        </p:nvSpPr>
-        <p:spPr/>
-        <p:txBody>
-          <a:bodyPr/>
-          <a:lstStyle/>
-          <a:p>
-            <a:endParaRPr lang="en-US"/>
-          </a:p>
-        </p:txBody>
-      </p:sp>
-    </p:spTree>
-    <p:extLst>
-      <p:ext uri="{BB962C8B-B14F-4D97-AF65-F5344CB8AC3E}">
-        <p14:creationId xmlns:p14="http://schemas.microsoft.com/office/powerpoint/2010/main" val="229526841"/>
-      </p:ext>
-    </p:extLst>
-  </p:cSld>
-  <p:clrMapOvr>
-    <a:masterClrMapping/>
-  </p:clrMapOvr>
-</p:sld>
-</file>
-
-<file path=ppt/slides/slide91.xml><?xml version="1.0" encoding="utf-8"?>
-<p:sld xmlns:a="http://schemas.openxmlformats.org/drawingml/2006/main" xmlns:r="http://schemas.openxmlformats.org/officeDocument/2006/relationships" xmlns:p="http://schemas.openxmlformats.org/presentationml/2006/main">
-  <p:cSld>
-    <p:spTree>
-      <p:nvGrpSpPr>
-        <p:cNvPr id="1" name=""/>
-        <p:cNvGrpSpPr/>
-        <p:nvPr/>
-      </p:nvGrpSpPr>
-      <p:grpSpPr>
-        <a:xfrm>
-          <a:off x="0" y="0"/>
-          <a:ext cx="0" cy="0"/>
-          <a:chOff x="0" y="0"/>
-          <a:chExt cx="0" cy="0"/>
-        </a:xfrm>
-      </p:grpSpPr>
-      <p:sp>
-        <p:nvSpPr>
-          <p:cNvPr id="2" name="Title 1"/>
-          <p:cNvSpPr>
-            <a:spLocks noGrp="1"/>
-          </p:cNvSpPr>
-          <p:nvPr>
-            <p:ph type="title"/>
-          </p:nvPr>
-        </p:nvSpPr>
-        <p:spPr/>
-        <p:txBody>
-          <a:bodyPr/>
-          <a:lstStyle/>
-          <a:p>
-            <a:r>
-              <a:rPr lang="en-US" dirty="0" smtClean="0"/>
-              <a:t>About </a:t>
-            </a:r>
-            <a:r>
-              <a:rPr lang="en-US" dirty="0" err="1" smtClean="0"/>
-              <a:t>Git</a:t>
-            </a:r>
-            <a:r>
-              <a:rPr lang="en-US" dirty="0" smtClean="0"/>
-              <a:t> rebase</a:t>
-            </a:r>
-          </a:p>
-          <a:p>
-            <a:endParaRPr lang="en-US" dirty="0"/>
-          </a:p>
-        </p:txBody>
-      </p:sp>
-      <p:sp>
-        <p:nvSpPr>
-          <p:cNvPr id="3" name="Text Placeholder 2"/>
-          <p:cNvSpPr>
-            <a:spLocks noGrp="1"/>
-          </p:cNvSpPr>
-          <p:nvPr>
-            <p:ph type="body" sz="quarter" idx="10"/>
-          </p:nvPr>
-        </p:nvSpPr>
-        <p:spPr/>
-        <p:txBody>
-          <a:bodyPr/>
-          <a:lstStyle/>
-          <a:p>
-            <a:endParaRPr lang="en-US"/>
-          </a:p>
-        </p:txBody>
-      </p:sp>
-    </p:spTree>
-    <p:extLst>
-      <p:ext uri="{BB962C8B-B14F-4D97-AF65-F5344CB8AC3E}">
-        <p14:creationId xmlns:p14="http://schemas.microsoft.com/office/powerpoint/2010/main" val="2217509356"/>
-      </p:ext>
-    </p:extLst>
-  </p:cSld>
-  <p:clrMapOvr>
-    <a:masterClrMapping/>
-  </p:clrMapOvr>
-</p:sld>
-</file>
-
-<file path=ppt/slides/slide92.xml><?xml version="1.0" encoding="utf-8"?>
-<p:sld xmlns:a="http://schemas.openxmlformats.org/drawingml/2006/main" xmlns:r="http://schemas.openxmlformats.org/officeDocument/2006/relationships" xmlns:p="http://schemas.openxmlformats.org/presentationml/2006/main">
-  <p:cSld>
-    <p:spTree>
-      <p:nvGrpSpPr>
-        <p:cNvPr id="1" name=""/>
-        <p:cNvGrpSpPr/>
-        <p:nvPr/>
-      </p:nvGrpSpPr>
-      <p:grpSpPr>
-        <a:xfrm>
-          <a:off x="0" y="0"/>
-          <a:ext cx="0" cy="0"/>
-          <a:chOff x="0" y="0"/>
-          <a:chExt cx="0" cy="0"/>
-        </a:xfrm>
-      </p:grpSpPr>
-      <p:sp>
-        <p:nvSpPr>
-          <p:cNvPr id="2" name="Title 1"/>
-          <p:cNvSpPr>
-            <a:spLocks noGrp="1"/>
-          </p:cNvSpPr>
-          <p:nvPr>
-            <p:ph type="title"/>
-          </p:nvPr>
-        </p:nvSpPr>
-        <p:spPr/>
-        <p:txBody>
-          <a:bodyPr/>
-          <a:lstStyle/>
-          <a:p>
-            <a:r>
-              <a:rPr lang="en-US" dirty="0" smtClean="0"/>
-              <a:t>Understanding </a:t>
-            </a:r>
-            <a:r>
-              <a:rPr lang="en-US" dirty="0" err="1" smtClean="0"/>
-              <a:t>Git</a:t>
-            </a:r>
-            <a:r>
-              <a:rPr lang="en-US" dirty="0" smtClean="0"/>
-              <a:t> Merge Strategies</a:t>
-            </a:r>
-          </a:p>
-          <a:p>
-            <a:endParaRPr lang="en-US" dirty="0"/>
-          </a:p>
-        </p:txBody>
-      </p:sp>
-      <p:sp>
-        <p:nvSpPr>
-          <p:cNvPr id="3" name="Text Placeholder 2"/>
-          <p:cNvSpPr>
-            <a:spLocks noGrp="1"/>
-          </p:cNvSpPr>
-          <p:nvPr>
-            <p:ph type="body" sz="quarter" idx="10"/>
-          </p:nvPr>
-        </p:nvSpPr>
-        <p:spPr/>
-        <p:txBody>
-          <a:bodyPr/>
-          <a:lstStyle/>
-          <a:p>
-            <a:endParaRPr lang="en-US"/>
-          </a:p>
-        </p:txBody>
-      </p:sp>
-    </p:spTree>
-    <p:extLst>
-      <p:ext uri="{BB962C8B-B14F-4D97-AF65-F5344CB8AC3E}">
-        <p14:creationId xmlns:p14="http://schemas.microsoft.com/office/powerpoint/2010/main" val="1821902792"/>
-      </p:ext>
-    </p:extLst>
-  </p:cSld>
-  <p:clrMapOvr>
-    <a:masterClrMapping/>
-  </p:clrMapOvr>
-</p:sld>
-</file>
-
-<file path=ppt/slides/slide93.xml><?xml version="1.0" encoding="utf-8"?>
-<p:sld xmlns:a="http://schemas.openxmlformats.org/drawingml/2006/main" xmlns:r="http://schemas.openxmlformats.org/officeDocument/2006/relationships" xmlns:p="http://schemas.openxmlformats.org/presentationml/2006/main">
-  <p:cSld>
-    <p:spTree>
-      <p:nvGrpSpPr>
-        <p:cNvPr id="1" name=""/>
-        <p:cNvGrpSpPr/>
-        <p:nvPr/>
-      </p:nvGrpSpPr>
-      <p:grpSpPr>
-        <a:xfrm>
-          <a:off x="0" y="0"/>
-          <a:ext cx="0" cy="0"/>
-          <a:chOff x="0" y="0"/>
-          <a:chExt cx="0" cy="0"/>
-        </a:xfrm>
-      </p:grpSpPr>
-      <p:sp>
-        <p:nvSpPr>
-          <p:cNvPr id="2" name="Title 1"/>
-          <p:cNvSpPr>
-            <a:spLocks noGrp="1"/>
-          </p:cNvSpPr>
-          <p:nvPr>
-            <p:ph type="title"/>
-          </p:nvPr>
-        </p:nvSpPr>
-        <p:spPr/>
-        <p:txBody>
-          <a:bodyPr/>
-          <a:lstStyle/>
-          <a:p>
-            <a:r>
-              <a:rPr lang="en-US" dirty="0" smtClean="0"/>
-              <a:t>Creating a Linear History</a:t>
-            </a:r>
-            <a:endParaRPr lang="en-US" dirty="0"/>
-          </a:p>
-        </p:txBody>
-      </p:sp>
-      <p:sp>
-        <p:nvSpPr>
-          <p:cNvPr id="3" name="Text Placeholder 2"/>
-          <p:cNvSpPr>
-            <a:spLocks noGrp="1"/>
-          </p:cNvSpPr>
-          <p:nvPr>
-            <p:ph type="body" sz="quarter" idx="10"/>
-          </p:nvPr>
-        </p:nvSpPr>
-        <p:spPr/>
-        <p:txBody>
-          <a:bodyPr/>
-          <a:lstStyle/>
-          <a:p>
-            <a:endParaRPr lang="en-US"/>
-          </a:p>
-        </p:txBody>
-      </p:sp>
-    </p:spTree>
-    <p:extLst>
-      <p:ext uri="{BB962C8B-B14F-4D97-AF65-F5344CB8AC3E}">
-        <p14:creationId xmlns:p14="http://schemas.microsoft.com/office/powerpoint/2010/main" val="2481788830"/>
-      </p:ext>
-    </p:extLst>
-  </p:cSld>
-  <p:clrMapOvr>
-    <a:masterClrMapping/>
-  </p:clrMapOvr>
-</p:sld>
-</file>
-
-<file path=ppt/slides/slide94.xml><?xml version="1.0" encoding="utf-8"?>
-<p:sld xmlns:a="http://schemas.openxmlformats.org/drawingml/2006/main" xmlns:r="http://schemas.openxmlformats.org/officeDocument/2006/relationships" xmlns:p="http://schemas.openxmlformats.org/presentationml/2006/main">
-  <p:cSld>
-    <p:spTree>
-      <p:nvGrpSpPr>
-        <p:cNvPr id="1" name=""/>
-        <p:cNvGrpSpPr/>
-        <p:nvPr/>
-      </p:nvGrpSpPr>
-      <p:grpSpPr>
-        <a:xfrm>
-          <a:off x="0" y="0"/>
-          <a:ext cx="0" cy="0"/>
-          <a:chOff x="0" y="0"/>
-          <a:chExt cx="0" cy="0"/>
-        </a:xfrm>
-      </p:grpSpPr>
-      <p:sp>
-        <p:nvSpPr>
-          <p:cNvPr id="2" name="Title 1"/>
-          <p:cNvSpPr>
-            <a:spLocks noGrp="1"/>
-          </p:cNvSpPr>
-          <p:nvPr>
-            <p:ph type="ctrTitle"/>
-          </p:nvPr>
-        </p:nvSpPr>
-        <p:spPr/>
-        <p:txBody>
-          <a:bodyPr/>
-          <a:lstStyle/>
-          <a:p>
-            <a:r>
-              <a:rPr lang="en-US" dirty="0"/>
-              <a:t>Thank you!</a:t>
-            </a:r>
-          </a:p>
-        </p:txBody>
-      </p:sp>
-      <p:sp>
-        <p:nvSpPr>
-          <p:cNvPr id="5" name="Subtitle 4"/>
-          <p:cNvSpPr>
-            <a:spLocks noGrp="1"/>
-          </p:cNvSpPr>
-          <p:nvPr>
-            <p:ph type="subTitle" idx="1"/>
-          </p:nvPr>
-        </p:nvSpPr>
-        <p:spPr/>
-        <p:txBody>
-          <a:bodyPr/>
-          <a:lstStyle/>
-          <a:p>
-            <a:r>
-              <a:rPr lang="en-US" dirty="0"/>
-              <a:t>Questions?</a:t>
-            </a:r>
-          </a:p>
-          <a:p>
-            <a:r>
-              <a:rPr lang="en-US" dirty="0"/>
-              <a:t>Survey: </a:t>
-            </a:r>
-            <a:r>
-              <a:rPr lang="en-US" dirty="0">
-                <a:hlinkClick r:id="rId3"/>
-              </a:rPr>
-              <a:t>http://www.onlc.com/eval</a:t>
-            </a:r>
-            <a:endParaRPr lang="en-US" dirty="0"/>
-          </a:p>
-        </p:txBody>
-      </p:sp>
-    </p:spTree>
-    <p:extLst>
-      <p:ext uri="{BB962C8B-B14F-4D97-AF65-F5344CB8AC3E}">
-        <p14:creationId xmlns:p14="http://schemas.microsoft.com/office/powerpoint/2010/main" val="1768650418"/>
       </p:ext>
     </p:extLst>
   </p:cSld>

--- a/ppt/XGHDEV.pptx
+++ b/ppt/XGHDEV.pptx
@@ -6333,7 +6333,6 @@
               <a:rPr lang="en-US" sz="1600" dirty="0"/>
               <a:t>6. Save your file.</a:t>
             </a:r>
-            <a:endParaRPr lang="en-US" sz="1600" dirty="0"/>
           </a:p>
         </p:txBody>
       </p:sp>
@@ -6736,7 +6735,6 @@
               <a:rPr lang="en-US" sz="1200" dirty="0"/>
               <a:t>10. Click Create pull request.</a:t>
             </a:r>
-            <a:endParaRPr lang="en-US" sz="1200" dirty="0"/>
           </a:p>
         </p:txBody>
       </p:sp>
@@ -6826,7 +6824,6 @@
               <a:rPr lang="en-US" dirty="0"/>
               <a:t>Files changed view</a:t>
             </a:r>
-            <a:endParaRPr lang="en-US" dirty="0"/>
           </a:p>
         </p:txBody>
       </p:sp>
@@ -7510,7 +7507,6 @@
               <a:rPr lang="en-US" sz="1400" dirty="0"/>
               <a:t>11. Click the Conversation view to check out your completed review.</a:t>
             </a:r>
-            <a:endParaRPr lang="en-US" sz="1400" dirty="0"/>
           </a:p>
         </p:txBody>
       </p:sp>
@@ -7681,7 +7677,6 @@
               <a:rPr lang="en-US" dirty="0"/>
               <a:t>.</a:t>
             </a:r>
-            <a:endParaRPr lang="en-US" dirty="0"/>
           </a:p>
         </p:txBody>
       </p:sp>
@@ -7777,7 +7772,6 @@
               <a:rPr lang="en-US" dirty="0"/>
               <a:t>4. Click Commit changes.</a:t>
             </a:r>
-            <a:endParaRPr lang="en-US" dirty="0"/>
           </a:p>
         </p:txBody>
       </p:sp>
@@ -10360,7 +10354,6 @@
               <a:rPr lang="en-US" dirty="0"/>
               <a:t>works by cutting the history between two points in half and then checking you out to that commit</a:t>
             </a:r>
-            <a:endParaRPr lang="en-US" dirty="0"/>
           </a:p>
         </p:txBody>
       </p:sp>
@@ -13131,45 +13124,71 @@
             <p:ph type="body" sz="quarter" idx="10"/>
           </p:nvPr>
         </p:nvSpPr>
-        <p:spPr/>
-        <p:txBody>
-          <a:bodyPr/>
-          <a:lstStyle/>
-          <a:p>
-            <a:r>
-              <a:rPr lang="en-US" dirty="0" smtClean="0"/>
+        <p:spPr>
+          <a:xfrm>
+            <a:off x="762000" y="1752600"/>
+            <a:ext cx="5181600" cy="3733800"/>
+          </a:xfrm>
+        </p:spPr>
+        <p:txBody>
+          <a:bodyPr/>
+          <a:lstStyle/>
+          <a:p>
+            <a:r>
+              <a:rPr lang="en-US" sz="1800" b="1" dirty="0" smtClean="0"/>
               <a:t>S</a:t>
             </a:r>
             <a:r>
-              <a:rPr lang="en-SE" dirty="0" smtClean="0"/>
-              <a:t>oft</a:t>
-            </a:r>
-          </a:p>
-          <a:p>
-            <a:r>
-              <a:rPr lang="en-US" dirty="0" smtClean="0"/>
+              <a:rPr lang="en-SE" sz="1800" b="1" dirty="0" smtClean="0"/>
+              <a:t>oft: </a:t>
+            </a:r>
+            <a:r>
+              <a:rPr lang="en-US" sz="1800" dirty="0"/>
+              <a:t>Does not touch the index file or the working tree at all (but resets the head to &lt;commit&gt;, just like all modes do). This leaves all your changed files "Changes to be committed", as </a:t>
+            </a:r>
+            <a:r>
+              <a:rPr lang="en-US" sz="1800" dirty="0" err="1"/>
+              <a:t>git</a:t>
+            </a:r>
+            <a:r>
+              <a:rPr lang="en-US" sz="1800" dirty="0"/>
+              <a:t> status would put it.</a:t>
+            </a:r>
+            <a:endParaRPr lang="en-SE" sz="1800" dirty="0" smtClean="0"/>
+          </a:p>
+          <a:p>
+            <a:r>
+              <a:rPr lang="en-US" sz="1800" b="1" dirty="0" smtClean="0"/>
               <a:t>M</a:t>
             </a:r>
             <a:r>
-              <a:rPr lang="en-SE" dirty="0" smtClean="0"/>
-              <a:t>ixed</a:t>
-            </a:r>
-          </a:p>
-          <a:p>
-            <a:r>
-              <a:rPr lang="en-US" dirty="0" smtClean="0"/>
+              <a:rPr lang="en-SE" sz="1800" b="1" smtClean="0"/>
+              <a:t>ixed (default): </a:t>
+            </a:r>
+            <a:r>
+              <a:rPr lang="en-US" sz="1800" dirty="0"/>
+              <a:t>Resets the index but not the working tree (i.e., the changed files are preserved but not marked for commit) and reports what has not been updated. </a:t>
+            </a:r>
+            <a:endParaRPr lang="en-SE" sz="1800" dirty="0" smtClean="0"/>
+          </a:p>
+          <a:p>
+            <a:r>
+              <a:rPr lang="en-US" sz="1800" b="1" dirty="0" smtClean="0"/>
               <a:t>H</a:t>
             </a:r>
             <a:r>
-              <a:rPr lang="en-SE" dirty="0" smtClean="0"/>
-              <a:t>ard</a:t>
-            </a:r>
-          </a:p>
-          <a:p>
-            <a:pPr marL="0" indent="0">
-              <a:buNone/>
-            </a:pPr>
-            <a:endParaRPr lang="en-US" dirty="0"/>
+              <a:rPr lang="en-SE" sz="1800" b="1" dirty="0" smtClean="0"/>
+              <a:t>ard: </a:t>
+            </a:r>
+            <a:r>
+              <a:rPr lang="en-US" sz="1800" dirty="0"/>
+              <a:t>Resets the index and working tree. Any changes to tracked files in the working tree since &lt;commit&gt; are discarded</a:t>
+            </a:r>
+            <a:r>
+              <a:rPr lang="en-US" sz="1800" dirty="0" smtClean="0"/>
+              <a:t>.</a:t>
+            </a:r>
+            <a:endParaRPr lang="en-SE" sz="1800" dirty="0" smtClean="0"/>
           </a:p>
         </p:txBody>
       </p:sp>
@@ -13417,7 +13436,113 @@
           <a:bodyPr/>
           <a:lstStyle/>
           <a:p>
-            <a:endParaRPr lang="en-US"/>
+            <a:pPr lvl="0"/>
+            <a:r>
+              <a:rPr lang="en-US" sz="1800" dirty="0"/>
+              <a:t>Once again, we will start by viewing the history of our project: </a:t>
+            </a:r>
+            <a:r>
+              <a:rPr lang="en-US" sz="1800" dirty="0" err="1"/>
+              <a:t>git</a:t>
+            </a:r>
+            <a:r>
+              <a:rPr lang="en-US" sz="1800" dirty="0"/>
+              <a:t> log --</a:t>
+            </a:r>
+            <a:r>
+              <a:rPr lang="en-US" sz="1800" dirty="0" err="1"/>
+              <a:t>oneline</a:t>
+            </a:r>
+            <a:r>
+              <a:rPr lang="en-US" sz="1800" dirty="0"/>
+              <a:t> </a:t>
+            </a:r>
+          </a:p>
+          <a:p>
+            <a:pPr lvl="0"/>
+            <a:r>
+              <a:rPr lang="en-US" sz="1800" dirty="0"/>
+              <a:t>Go back one commit in history: </a:t>
+            </a:r>
+            <a:r>
+              <a:rPr lang="en-US" sz="1800" dirty="0" err="1"/>
+              <a:t>git</a:t>
+            </a:r>
+            <a:r>
+              <a:rPr lang="en-US" sz="1800" dirty="0"/>
+              <a:t> reset HEAD~ </a:t>
+            </a:r>
+          </a:p>
+          <a:p>
+            <a:pPr lvl="0"/>
+            <a:r>
+              <a:rPr lang="en-US" sz="1800" dirty="0"/>
+              <a:t>See where the tip of the branch is pointing: </a:t>
+            </a:r>
+            <a:r>
+              <a:rPr lang="en-US" sz="1800" dirty="0" err="1"/>
+              <a:t>git</a:t>
+            </a:r>
+            <a:r>
+              <a:rPr lang="en-US" sz="1800" dirty="0"/>
+              <a:t> log --</a:t>
+            </a:r>
+            <a:r>
+              <a:rPr lang="en-US" sz="1800" dirty="0" err="1"/>
+              <a:t>oneline</a:t>
+            </a:r>
+            <a:r>
+              <a:rPr lang="en-US" sz="1800" dirty="0"/>
+              <a:t> --decorate </a:t>
+            </a:r>
+          </a:p>
+          <a:p>
+            <a:pPr lvl="0"/>
+            <a:r>
+              <a:rPr lang="en-US" sz="1800" dirty="0"/>
+              <a:t>The changes we made in the last commit have been moved back to the working directory: </a:t>
+            </a:r>
+            <a:r>
+              <a:rPr lang="en-US" sz="1800" dirty="0" err="1"/>
+              <a:t>git</a:t>
+            </a:r>
+            <a:r>
+              <a:rPr lang="en-US" sz="1800" dirty="0"/>
+              <a:t> status </a:t>
+            </a:r>
+          </a:p>
+          <a:p>
+            <a:pPr lvl="0"/>
+            <a:r>
+              <a:rPr lang="en-US" sz="1800" dirty="0"/>
+              <a:t>Move the files to the staging area before we can commit them: </a:t>
+            </a:r>
+            <a:r>
+              <a:rPr lang="en-US" sz="1800" dirty="0" err="1"/>
+              <a:t>git</a:t>
+            </a:r>
+            <a:r>
+              <a:rPr lang="en-US" sz="1800" dirty="0"/>
+              <a:t> add file5.md file6.md </a:t>
+            </a:r>
+          </a:p>
+          <a:p>
+            <a:pPr lvl="0"/>
+            <a:r>
+              <a:rPr lang="en-US" sz="1800" dirty="0"/>
+              <a:t>Re-commit the files: </a:t>
+            </a:r>
+            <a:r>
+              <a:rPr lang="en-US" sz="1800" dirty="0" err="1"/>
+              <a:t>git</a:t>
+            </a:r>
+            <a:r>
+              <a:rPr lang="en-US" sz="1800" dirty="0"/>
+              <a:t> commit -m "re-add file 5 and 6" </a:t>
+            </a:r>
+          </a:p>
+          <a:p>
+            <a:endParaRPr lang="en-US" sz="1800" dirty="0"/>
           </a:p>
         </p:txBody>
       </p:sp>
@@ -13491,7 +13616,94 @@
           <a:bodyPr/>
           <a:lstStyle/>
           <a:p>
-            <a:endParaRPr lang="en-US"/>
+            <a:pPr lvl="0"/>
+            <a:r>
+              <a:rPr lang="en-US" sz="1800" dirty="0"/>
+              <a:t>Start by viewing the history of our project with: </a:t>
+            </a:r>
+            <a:r>
+              <a:rPr lang="en-US" sz="1800" dirty="0" err="1"/>
+              <a:t>git</a:t>
+            </a:r>
+            <a:r>
+              <a:rPr lang="en-US" sz="1800" dirty="0"/>
+              <a:t> log --</a:t>
+            </a:r>
+            <a:r>
+              <a:rPr lang="en-US" sz="1800" dirty="0" err="1"/>
+              <a:t>oneline</a:t>
+            </a:r>
+            <a:r>
+              <a:rPr lang="en-US" sz="1800" dirty="0"/>
+              <a:t> </a:t>
+            </a:r>
+          </a:p>
+          <a:p>
+            <a:pPr lvl="0"/>
+            <a:r>
+              <a:rPr lang="en-US" sz="1800" dirty="0"/>
+              <a:t>Reset to the point in time where the only file that existed was the README.md: </a:t>
+            </a:r>
+            <a:r>
+              <a:rPr lang="en-US" sz="1800" dirty="0" err="1"/>
+              <a:t>git</a:t>
+            </a:r>
+            <a:r>
+              <a:rPr lang="en-US" sz="1800" dirty="0"/>
+              <a:t> reset --hard &lt;SHA&gt; </a:t>
+            </a:r>
+          </a:p>
+          <a:p>
+            <a:pPr lvl="0"/>
+            <a:r>
+              <a:rPr lang="en-US" sz="1800" dirty="0"/>
+              <a:t>See that all of the commits are gone: </a:t>
+            </a:r>
+            <a:r>
+              <a:rPr lang="en-US" sz="1800" dirty="0" err="1"/>
+              <a:t>git</a:t>
+            </a:r>
+            <a:r>
+              <a:rPr lang="en-US" sz="1800" dirty="0"/>
+              <a:t> log --</a:t>
+            </a:r>
+            <a:r>
+              <a:rPr lang="en-US" sz="1800" dirty="0" err="1"/>
+              <a:t>oneline</a:t>
+            </a:r>
+            <a:r>
+              <a:rPr lang="en-US" sz="1800" dirty="0"/>
+              <a:t> </a:t>
+            </a:r>
+          </a:p>
+          <a:p>
+            <a:pPr lvl="0"/>
+            <a:r>
+              <a:rPr lang="en-US" sz="1800" dirty="0"/>
+              <a:t>Notice your working directory is clean: </a:t>
+            </a:r>
+            <a:r>
+              <a:rPr lang="en-US" sz="1800" dirty="0" err="1"/>
+              <a:t>git</a:t>
+            </a:r>
+            <a:r>
+              <a:rPr lang="en-US" sz="1800" dirty="0"/>
+              <a:t> status </a:t>
+            </a:r>
+          </a:p>
+          <a:p>
+            <a:pPr lvl="0"/>
+            <a:r>
+              <a:rPr lang="en-US" sz="1800" dirty="0" err="1"/>
+              <a:t>Ssee</a:t>
+            </a:r>
+            <a:r>
+              <a:rPr lang="en-US" sz="1800" dirty="0"/>
+              <a:t> that the only file in your repository is the README.md: ls </a:t>
+            </a:r>
+          </a:p>
+          <a:p>
+            <a:endParaRPr lang="en-US" sz="1800" dirty="0"/>
           </a:p>
         </p:txBody>
       </p:sp>
@@ -15552,6 +15764,12 @@
 </file>
 
 <file path=customXml/item1.xml><?xml version="1.0" encoding="utf-8"?>
+<p:properties xmlns:p="http://schemas.microsoft.com/office/2006/metadata/properties" xmlns:xsi="http://www.w3.org/2001/XMLSchema-instance" xmlns:pc="http://schemas.microsoft.com/office/infopath/2007/PartnerControls">
+  <documentManagement/>
+</p:properties>
+</file>
+
+<file path=customXml/item2.xml><?xml version="1.0" encoding="utf-8"?>
 <ct:contentTypeSchema xmlns:ct="http://schemas.microsoft.com/office/2006/metadata/contentType" xmlns:ma="http://schemas.microsoft.com/office/2006/metadata/properties/metaAttributes" ct:_="" ma:_="" ma:contentTypeName="Document" ma:contentTypeID="0x010100DF17D0A5D2A94D41851BD81F437949EB" ma:contentTypeVersion="4" ma:contentTypeDescription="Create a new document." ma:contentTypeScope="" ma:versionID="86394c489d6ea242463219402424de30">
   <xsd:schema xmlns:xsd="http://www.w3.org/2001/XMLSchema" xmlns:xs="http://www.w3.org/2001/XMLSchema" xmlns:p="http://schemas.microsoft.com/office/2006/metadata/properties" xmlns:ns2="8ae4afce-818c-4ab4-8e35-377c82201c18" xmlns:ns3="6549f357-ea04-4fdc-a4ff-01e398dbae1f" targetNamespace="http://schemas.microsoft.com/office/2006/metadata/properties" ma:root="true" ma:fieldsID="fe252f9ea815bb7a68216b40880644e9" ns2:_="" ns3:_="">
     <xsd:import namespace="8ae4afce-818c-4ab4-8e35-377c82201c18"/>
@@ -15716,7 +15934,7 @@
 </ct:contentTypeSchema>
 </file>
 
-<file path=customXml/item2.xml><?xml version="1.0" encoding="utf-8"?>
+<file path=customXml/item3.xml><?xml version="1.0" encoding="utf-8"?>
 <?mso-contentType ?>
 <FormTemplates xmlns="http://schemas.microsoft.com/sharepoint/v3/contenttype/forms">
   <Display>DocumentLibraryForm</Display>
@@ -15725,13 +15943,24 @@
 </FormTemplates>
 </file>
 
-<file path=customXml/item3.xml><?xml version="1.0" encoding="utf-8"?>
-<p:properties xmlns:p="http://schemas.microsoft.com/office/2006/metadata/properties" xmlns:xsi="http://www.w3.org/2001/XMLSchema-instance" xmlns:pc="http://schemas.microsoft.com/office/infopath/2007/PartnerControls">
-  <documentManagement/>
-</p:properties>
+<file path=customXml/itemProps1.xml><?xml version="1.0" encoding="utf-8"?>
+<ds:datastoreItem xmlns:ds="http://schemas.openxmlformats.org/officeDocument/2006/customXml" ds:itemID="{FF9AC6B8-7021-4B23-A9AF-61295A177099}">
+  <ds:schemaRefs>
+    <ds:schemaRef ds:uri="http://schemas.microsoft.com/office/2006/documentManagement/types"/>
+    <ds:schemaRef ds:uri="http://www.w3.org/XML/1998/namespace"/>
+    <ds:schemaRef ds:uri="http://schemas.openxmlformats.org/package/2006/metadata/core-properties"/>
+    <ds:schemaRef ds:uri="6549f357-ea04-4fdc-a4ff-01e398dbae1f"/>
+    <ds:schemaRef ds:uri="http://purl.org/dc/dcmitype/"/>
+    <ds:schemaRef ds:uri="http://purl.org/dc/elements/1.1/"/>
+    <ds:schemaRef ds:uri="8ae4afce-818c-4ab4-8e35-377c82201c18"/>
+    <ds:schemaRef ds:uri="http://purl.org/dc/terms/"/>
+    <ds:schemaRef ds:uri="http://schemas.microsoft.com/office/infopath/2007/PartnerControls"/>
+    <ds:schemaRef ds:uri="http://schemas.microsoft.com/office/2006/metadata/properties"/>
+  </ds:schemaRefs>
+</ds:datastoreItem>
 </file>
 
-<file path=customXml/itemProps1.xml><?xml version="1.0" encoding="utf-8"?>
+<file path=customXml/itemProps2.xml><?xml version="1.0" encoding="utf-8"?>
 <ds:datastoreItem xmlns:ds="http://schemas.openxmlformats.org/officeDocument/2006/customXml" ds:itemID="{5E59C5BB-F795-4F02-AFC2-70EF9316FDF1}">
   <ds:schemaRefs>
     <ds:schemaRef ds:uri="http://schemas.microsoft.com/office/2006/metadata/contentType"/>
@@ -15750,27 +15979,10 @@
 </ds:datastoreItem>
 </file>
 
-<file path=customXml/itemProps2.xml><?xml version="1.0" encoding="utf-8"?>
+<file path=customXml/itemProps3.xml><?xml version="1.0" encoding="utf-8"?>
 <ds:datastoreItem xmlns:ds="http://schemas.openxmlformats.org/officeDocument/2006/customXml" ds:itemID="{7FBE9ADF-F1D8-4E9F-83D5-C6625824914C}">
   <ds:schemaRefs>
     <ds:schemaRef ds:uri="http://schemas.microsoft.com/sharepoint/v3/contenttype/forms"/>
   </ds:schemaRefs>
 </ds:datastoreItem>
-</file>
-
-<file path=customXml/itemProps3.xml><?xml version="1.0" encoding="utf-8"?>
-<ds:datastoreItem xmlns:ds="http://schemas.openxmlformats.org/officeDocument/2006/customXml" ds:itemID="{FF9AC6B8-7021-4B23-A9AF-61295A177099}">
-  <ds:schemaRefs>
-    <ds:schemaRef ds:uri="http://schemas.microsoft.com/office/2006/documentManagement/types"/>
-    <ds:schemaRef ds:uri="http://www.w3.org/XML/1998/namespace"/>
-    <ds:schemaRef ds:uri="http://schemas.openxmlformats.org/package/2006/metadata/core-properties"/>
-    <ds:schemaRef ds:uri="6549f357-ea04-4fdc-a4ff-01e398dbae1f"/>
-    <ds:schemaRef ds:uri="http://purl.org/dc/dcmitype/"/>
-    <ds:schemaRef ds:uri="http://purl.org/dc/elements/1.1/"/>
-    <ds:schemaRef ds:uri="8ae4afce-818c-4ab4-8e35-377c82201c18"/>
-    <ds:schemaRef ds:uri="http://purl.org/dc/terms/"/>
-    <ds:schemaRef ds:uri="http://schemas.microsoft.com/office/infopath/2007/PartnerControls"/>
-    <ds:schemaRef ds:uri="http://schemas.microsoft.com/office/2006/metadata/properties"/>
-  </ds:schemaRefs>
-</ds:datastoreItem>
 </file>